--- a/source-docs/B4P Main Illustrations.pptx
+++ b/source-docs/B4P Main Illustrations.pptx
@@ -5,7 +5,7 @@
     <p:sldMasterId id="2147483660" r:id="rId1"/>
   </p:sldMasterIdLst>
   <p:notesMasterIdLst>
-    <p:notesMasterId r:id="rId13"/>
+    <p:notesMasterId r:id="rId14"/>
   </p:notesMasterIdLst>
   <p:sldIdLst>
     <p:sldId id="518" r:id="rId2"/>
@@ -17,13 +17,14 @@
     <p:sldId id="513" r:id="rId8"/>
     <p:sldId id="516" r:id="rId9"/>
     <p:sldId id="517" r:id="rId10"/>
-    <p:sldId id="501" r:id="rId11"/>
-    <p:sldId id="502" r:id="rId12"/>
+    <p:sldId id="519" r:id="rId11"/>
+    <p:sldId id="501" r:id="rId12"/>
+    <p:sldId id="502" r:id="rId13"/>
   </p:sldIdLst>
   <p:sldSz cx="9144000" cy="6858000" type="screen4x3"/>
   <p:notesSz cx="6794500" cy="9931400"/>
   <p:custDataLst>
-    <p:tags r:id="rId14"/>
+    <p:tags r:id="rId15"/>
   </p:custDataLst>
   <p:defaultTextStyle>
     <a:defPPr>
@@ -156,8 +157,7 @@
 <file path=ppt/revisionInfo.xml><?xml version="1.0" encoding="utf-8"?>
 <p1510:revInfo xmlns:a="http://schemas.openxmlformats.org/drawingml/2006/main" xmlns:r="http://schemas.openxmlformats.org/officeDocument/2006/relationships" xmlns:p1510="http://schemas.microsoft.com/office/powerpoint/2015/10/main">
   <p1510:revLst>
-    <p1510:client id="{18CD7E6B-2C8E-405B-A237-843B9FC9D457}" v="291" dt="2022-04-24T19:40:40.606"/>
-    <p1510:client id="{E2A072EC-0FB7-4427-8947-EFC664D98567}" v="2" dt="2022-04-24T20:09:57.661"/>
+    <p1510:client id="{E2A072EC-0FB7-4427-8947-EFC664D98567}" v="40" dt="2022-04-28T20:45:29.827"/>
   </p1510:revLst>
 </p1510:revInfo>
 </file>
@@ -10374,8 +10374,8 @@
   </pc:docChgLst>
   <pc:docChgLst>
     <pc:chgData name="zur bonsen georg" userId="5444515566c7376a" providerId="LiveId" clId="{E2A072EC-0FB7-4427-8947-EFC664D98567}"/>
-    <pc:docChg chg="custSel addSld delSld modSld sldOrd">
-      <pc:chgData name="zur bonsen georg" userId="5444515566c7376a" providerId="LiveId" clId="{E2A072EC-0FB7-4427-8947-EFC664D98567}" dt="2022-04-24T20:09:57.660" v="604"/>
+    <pc:docChg chg="undo custSel addSld delSld modSld sldOrd">
+      <pc:chgData name="zur bonsen georg" userId="5444515566c7376a" providerId="LiveId" clId="{E2A072EC-0FB7-4427-8947-EFC664D98567}" dt="2022-04-28T20:51:26.189" v="2755" actId="14100"/>
       <pc:docMkLst>
         <pc:docMk/>
       </pc:docMkLst>
@@ -10883,6 +10883,1052 @@
           <pc:sldMk cId="2182778507" sldId="506"/>
         </pc:sldMkLst>
       </pc:sldChg>
+      <pc:sldChg chg="addSp delSp modSp mod">
+        <pc:chgData name="zur bonsen georg" userId="5444515566c7376a" providerId="LiveId" clId="{E2A072EC-0FB7-4427-8947-EFC664D98567}" dt="2022-04-28T20:41:08.461" v="2039" actId="21"/>
+        <pc:sldMkLst>
+          <pc:docMk/>
+          <pc:sldMk cId="486507416" sldId="516"/>
+        </pc:sldMkLst>
+        <pc:spChg chg="mod">
+          <ac:chgData name="zur bonsen georg" userId="5444515566c7376a" providerId="LiveId" clId="{E2A072EC-0FB7-4427-8947-EFC664D98567}" dt="2022-04-28T20:31:38.411" v="1578" actId="1038"/>
+          <ac:spMkLst>
+            <pc:docMk/>
+            <pc:sldMk cId="486507416" sldId="516"/>
+            <ac:spMk id="8" creationId="{889D2F18-1ED3-4699-B6EB-7D9715CEA0EF}"/>
+          </ac:spMkLst>
+        </pc:spChg>
+        <pc:spChg chg="mod">
+          <ac:chgData name="zur bonsen georg" userId="5444515566c7376a" providerId="LiveId" clId="{E2A072EC-0FB7-4427-8947-EFC664D98567}" dt="2022-04-28T20:31:38.411" v="1578" actId="1038"/>
+          <ac:spMkLst>
+            <pc:docMk/>
+            <pc:sldMk cId="486507416" sldId="516"/>
+            <ac:spMk id="24" creationId="{3ED4B5A5-B74F-409B-B444-4889A1BBB5CD}"/>
+          </ac:spMkLst>
+        </pc:spChg>
+        <pc:spChg chg="mod">
+          <ac:chgData name="zur bonsen georg" userId="5444515566c7376a" providerId="LiveId" clId="{E2A072EC-0FB7-4427-8947-EFC664D98567}" dt="2022-04-28T20:35:39.945" v="1815" actId="14100"/>
+          <ac:spMkLst>
+            <pc:docMk/>
+            <pc:sldMk cId="486507416" sldId="516"/>
+            <ac:spMk id="25" creationId="{706CEEAD-4E9E-4564-912D-BD0F1A60239B}"/>
+          </ac:spMkLst>
+        </pc:spChg>
+        <pc:spChg chg="mod">
+          <ac:chgData name="zur bonsen georg" userId="5444515566c7376a" providerId="LiveId" clId="{E2A072EC-0FB7-4427-8947-EFC664D98567}" dt="2022-04-28T20:36:08.243" v="1826" actId="14100"/>
+          <ac:spMkLst>
+            <pc:docMk/>
+            <pc:sldMk cId="486507416" sldId="516"/>
+            <ac:spMk id="27" creationId="{C845053D-E8BC-4208-87F1-7CFD3E8C9182}"/>
+          </ac:spMkLst>
+        </pc:spChg>
+        <pc:spChg chg="mod">
+          <ac:chgData name="zur bonsen georg" userId="5444515566c7376a" providerId="LiveId" clId="{E2A072EC-0FB7-4427-8947-EFC664D98567}" dt="2022-04-28T20:31:38.411" v="1578" actId="1038"/>
+          <ac:spMkLst>
+            <pc:docMk/>
+            <pc:sldMk cId="486507416" sldId="516"/>
+            <ac:spMk id="55" creationId="{6E7D0383-3014-4FA9-BB4E-BF9BA54A5667}"/>
+          </ac:spMkLst>
+        </pc:spChg>
+        <pc:spChg chg="mod">
+          <ac:chgData name="zur bonsen georg" userId="5444515566c7376a" providerId="LiveId" clId="{E2A072EC-0FB7-4427-8947-EFC664D98567}" dt="2022-04-28T20:31:38.411" v="1578" actId="1038"/>
+          <ac:spMkLst>
+            <pc:docMk/>
+            <pc:sldMk cId="486507416" sldId="516"/>
+            <ac:spMk id="56" creationId="{AC5C75F6-33B2-4EDE-B006-0060F2327EA3}"/>
+          </ac:spMkLst>
+        </pc:spChg>
+        <pc:spChg chg="mod">
+          <ac:chgData name="zur bonsen georg" userId="5444515566c7376a" providerId="LiveId" clId="{E2A072EC-0FB7-4427-8947-EFC664D98567}" dt="2022-04-28T20:31:38.411" v="1578" actId="1038"/>
+          <ac:spMkLst>
+            <pc:docMk/>
+            <pc:sldMk cId="486507416" sldId="516"/>
+            <ac:spMk id="57" creationId="{65E122B7-A6D3-4441-9F85-A0AD6AB86F18}"/>
+          </ac:spMkLst>
+        </pc:spChg>
+        <pc:spChg chg="mod">
+          <ac:chgData name="zur bonsen georg" userId="5444515566c7376a" providerId="LiveId" clId="{E2A072EC-0FB7-4427-8947-EFC664D98567}" dt="2022-04-28T20:31:38.411" v="1578" actId="1038"/>
+          <ac:spMkLst>
+            <pc:docMk/>
+            <pc:sldMk cId="486507416" sldId="516"/>
+            <ac:spMk id="58" creationId="{2EE81BD3-0A03-432B-BC28-2BFE9870D85F}"/>
+          </ac:spMkLst>
+        </pc:spChg>
+        <pc:spChg chg="mod">
+          <ac:chgData name="zur bonsen georg" userId="5444515566c7376a" providerId="LiveId" clId="{E2A072EC-0FB7-4427-8947-EFC664D98567}" dt="2022-04-28T20:31:38.411" v="1578" actId="1038"/>
+          <ac:spMkLst>
+            <pc:docMk/>
+            <pc:sldMk cId="486507416" sldId="516"/>
+            <ac:spMk id="59" creationId="{9E832CBF-6367-4A1B-9DE0-9A3AC016E9CA}"/>
+          </ac:spMkLst>
+        </pc:spChg>
+        <pc:spChg chg="mod">
+          <ac:chgData name="zur bonsen georg" userId="5444515566c7376a" providerId="LiveId" clId="{E2A072EC-0FB7-4427-8947-EFC664D98567}" dt="2022-04-28T20:31:38.411" v="1578" actId="1038"/>
+          <ac:spMkLst>
+            <pc:docMk/>
+            <pc:sldMk cId="486507416" sldId="516"/>
+            <ac:spMk id="60" creationId="{283CA7DD-F498-4AF7-8AC2-8951C401642B}"/>
+          </ac:spMkLst>
+        </pc:spChg>
+        <pc:spChg chg="del">
+          <ac:chgData name="zur bonsen georg" userId="5444515566c7376a" providerId="LiveId" clId="{E2A072EC-0FB7-4427-8947-EFC664D98567}" dt="2022-04-28T20:35:11.068" v="1805" actId="478"/>
+          <ac:spMkLst>
+            <pc:docMk/>
+            <pc:sldMk cId="486507416" sldId="516"/>
+            <ac:spMk id="61" creationId="{9FBE586E-4B6F-4673-BA29-204C64B2DE17}"/>
+          </ac:spMkLst>
+        </pc:spChg>
+        <pc:spChg chg="add mod">
+          <ac:chgData name="zur bonsen georg" userId="5444515566c7376a" providerId="LiveId" clId="{E2A072EC-0FB7-4427-8947-EFC664D98567}" dt="2022-04-28T20:35:14.629" v="1808" actId="1035"/>
+          <ac:spMkLst>
+            <pc:docMk/>
+            <pc:sldMk cId="486507416" sldId="516"/>
+            <ac:spMk id="62" creationId="{9E2FE2F2-1788-4F96-AF84-4C0BFF317B17}"/>
+          </ac:spMkLst>
+        </pc:spChg>
+        <pc:spChg chg="add mod">
+          <ac:chgData name="zur bonsen georg" userId="5444515566c7376a" providerId="LiveId" clId="{E2A072EC-0FB7-4427-8947-EFC664D98567}" dt="2022-04-28T20:35:14.629" v="1808" actId="1035"/>
+          <ac:spMkLst>
+            <pc:docMk/>
+            <pc:sldMk cId="486507416" sldId="516"/>
+            <ac:spMk id="63" creationId="{226720B9-7CAA-4842-8978-732F616667C0}"/>
+          </ac:spMkLst>
+        </pc:spChg>
+        <pc:spChg chg="add del mod">
+          <ac:chgData name="zur bonsen georg" userId="5444515566c7376a" providerId="LiveId" clId="{E2A072EC-0FB7-4427-8947-EFC664D98567}" dt="2022-04-28T20:32:41.206" v="1714" actId="478"/>
+          <ac:spMkLst>
+            <pc:docMk/>
+            <pc:sldMk cId="486507416" sldId="516"/>
+            <ac:spMk id="64" creationId="{8783F75C-2232-44CA-B6C2-D905AAC38C2D}"/>
+          </ac:spMkLst>
+        </pc:spChg>
+        <pc:spChg chg="add del mod">
+          <ac:chgData name="zur bonsen georg" userId="5444515566c7376a" providerId="LiveId" clId="{E2A072EC-0FB7-4427-8947-EFC664D98567}" dt="2022-04-28T20:32:39.879" v="1713" actId="478"/>
+          <ac:spMkLst>
+            <pc:docMk/>
+            <pc:sldMk cId="486507416" sldId="516"/>
+            <ac:spMk id="65" creationId="{678200D4-1D85-44D7-9CD6-275FFC47AE4F}"/>
+          </ac:spMkLst>
+        </pc:spChg>
+        <pc:spChg chg="add mod">
+          <ac:chgData name="zur bonsen georg" userId="5444515566c7376a" providerId="LiveId" clId="{E2A072EC-0FB7-4427-8947-EFC664D98567}" dt="2022-04-28T20:35:14.629" v="1808" actId="1035"/>
+          <ac:spMkLst>
+            <pc:docMk/>
+            <pc:sldMk cId="486507416" sldId="516"/>
+            <ac:spMk id="67" creationId="{62C84D46-9B3C-4842-BC48-3F5C12DDBD44}"/>
+          </ac:spMkLst>
+        </pc:spChg>
+        <pc:spChg chg="add mod">
+          <ac:chgData name="zur bonsen georg" userId="5444515566c7376a" providerId="LiveId" clId="{E2A072EC-0FB7-4427-8947-EFC664D98567}" dt="2022-04-28T20:35:14.629" v="1808" actId="1035"/>
+          <ac:spMkLst>
+            <pc:docMk/>
+            <pc:sldMk cId="486507416" sldId="516"/>
+            <ac:spMk id="77" creationId="{58873046-094B-4379-A30B-0D3B93D54AA7}"/>
+          </ac:spMkLst>
+        </pc:spChg>
+        <pc:spChg chg="add mod">
+          <ac:chgData name="zur bonsen georg" userId="5444515566c7376a" providerId="LiveId" clId="{E2A072EC-0FB7-4427-8947-EFC664D98567}" dt="2022-04-28T20:35:14.629" v="1808" actId="1035"/>
+          <ac:spMkLst>
+            <pc:docMk/>
+            <pc:sldMk cId="486507416" sldId="516"/>
+            <ac:spMk id="78" creationId="{17AAD421-5D48-4ABB-BB80-18BEC1C21F25}"/>
+          </ac:spMkLst>
+        </pc:spChg>
+        <pc:spChg chg="mod">
+          <ac:chgData name="zur bonsen georg" userId="5444515566c7376a" providerId="LiveId" clId="{E2A072EC-0FB7-4427-8947-EFC664D98567}" dt="2022-04-28T20:36:37.325" v="1830" actId="14100"/>
+          <ac:spMkLst>
+            <pc:docMk/>
+            <pc:sldMk cId="486507416" sldId="516"/>
+            <ac:spMk id="82" creationId="{12670B64-5DC1-4053-AA72-D2604A2125BF}"/>
+          </ac:spMkLst>
+        </pc:spChg>
+        <pc:spChg chg="mod">
+          <ac:chgData name="zur bonsen georg" userId="5444515566c7376a" providerId="LiveId" clId="{E2A072EC-0FB7-4427-8947-EFC664D98567}" dt="2022-04-28T20:36:24.252" v="1829" actId="14100"/>
+          <ac:spMkLst>
+            <pc:docMk/>
+            <pc:sldMk cId="486507416" sldId="516"/>
+            <ac:spMk id="93" creationId="{213A46E3-49EA-40D6-B6BB-13C81BA15319}"/>
+          </ac:spMkLst>
+        </pc:spChg>
+        <pc:spChg chg="mod">
+          <ac:chgData name="zur bonsen georg" userId="5444515566c7376a" providerId="LiveId" clId="{E2A072EC-0FB7-4427-8947-EFC664D98567}" dt="2022-04-28T20:31:38.411" v="1578" actId="1038"/>
+          <ac:spMkLst>
+            <pc:docMk/>
+            <pc:sldMk cId="486507416" sldId="516"/>
+            <ac:spMk id="94" creationId="{24082245-76AD-45C5-B1CD-334773C3EE7E}"/>
+          </ac:spMkLst>
+        </pc:spChg>
+        <pc:spChg chg="mod">
+          <ac:chgData name="zur bonsen georg" userId="5444515566c7376a" providerId="LiveId" clId="{E2A072EC-0FB7-4427-8947-EFC664D98567}" dt="2022-04-28T20:31:38.411" v="1578" actId="1038"/>
+          <ac:spMkLst>
+            <pc:docMk/>
+            <pc:sldMk cId="486507416" sldId="516"/>
+            <ac:spMk id="95" creationId="{C9DD8028-44B6-4262-B6DF-A3839B907D5C}"/>
+          </ac:spMkLst>
+        </pc:spChg>
+        <pc:spChg chg="mod">
+          <ac:chgData name="zur bonsen georg" userId="5444515566c7376a" providerId="LiveId" clId="{E2A072EC-0FB7-4427-8947-EFC664D98567}" dt="2022-04-28T20:31:38.411" v="1578" actId="1038"/>
+          <ac:spMkLst>
+            <pc:docMk/>
+            <pc:sldMk cId="486507416" sldId="516"/>
+            <ac:spMk id="96" creationId="{59501D39-DC6A-40F2-AC0C-A3E08B8586C6}"/>
+          </ac:spMkLst>
+        </pc:spChg>
+        <pc:spChg chg="mod">
+          <ac:chgData name="zur bonsen georg" userId="5444515566c7376a" providerId="LiveId" clId="{E2A072EC-0FB7-4427-8947-EFC664D98567}" dt="2022-04-28T20:31:38.411" v="1578" actId="1038"/>
+          <ac:spMkLst>
+            <pc:docMk/>
+            <pc:sldMk cId="486507416" sldId="516"/>
+            <ac:spMk id="97" creationId="{1BA0CAF0-DF6C-4E8A-A477-40E7F0EA5DD2}"/>
+          </ac:spMkLst>
+        </pc:spChg>
+        <pc:spChg chg="mod">
+          <ac:chgData name="zur bonsen georg" userId="5444515566c7376a" providerId="LiveId" clId="{E2A072EC-0FB7-4427-8947-EFC664D98567}" dt="2022-04-28T20:37:12.996" v="1906" actId="1038"/>
+          <ac:spMkLst>
+            <pc:docMk/>
+            <pc:sldMk cId="486507416" sldId="516"/>
+            <ac:spMk id="98" creationId="{EF0569DC-8B42-4E32-A322-88A2C67D0C05}"/>
+          </ac:spMkLst>
+        </pc:spChg>
+        <pc:spChg chg="del">
+          <ac:chgData name="zur bonsen georg" userId="5444515566c7376a" providerId="LiveId" clId="{E2A072EC-0FB7-4427-8947-EFC664D98567}" dt="2022-04-28T20:35:09.691" v="1804" actId="478"/>
+          <ac:spMkLst>
+            <pc:docMk/>
+            <pc:sldMk cId="486507416" sldId="516"/>
+            <ac:spMk id="99" creationId="{20834EA1-5C27-45CE-8593-82B1476477A8}"/>
+          </ac:spMkLst>
+        </pc:spChg>
+        <pc:spChg chg="mod">
+          <ac:chgData name="zur bonsen georg" userId="5444515566c7376a" providerId="LiveId" clId="{E2A072EC-0FB7-4427-8947-EFC664D98567}" dt="2022-04-28T20:36:21.005" v="1828" actId="14100"/>
+          <ac:spMkLst>
+            <pc:docMk/>
+            <pc:sldMk cId="486507416" sldId="516"/>
+            <ac:spMk id="100" creationId="{4543FE51-85C0-4DB1-B928-2096925C9817}"/>
+          </ac:spMkLst>
+        </pc:spChg>
+        <pc:spChg chg="add del mod">
+          <ac:chgData name="zur bonsen georg" userId="5444515566c7376a" providerId="LiveId" clId="{E2A072EC-0FB7-4427-8947-EFC664D98567}" dt="2022-04-28T20:32:43.732" v="1715" actId="478"/>
+          <ac:spMkLst>
+            <pc:docMk/>
+            <pc:sldMk cId="486507416" sldId="516"/>
+            <ac:spMk id="101" creationId="{CE00CD61-86BF-4235-8900-F1CC3ED21C24}"/>
+          </ac:spMkLst>
+        </pc:spChg>
+        <pc:spChg chg="add del mod">
+          <ac:chgData name="zur bonsen georg" userId="5444515566c7376a" providerId="LiveId" clId="{E2A072EC-0FB7-4427-8947-EFC664D98567}" dt="2022-04-28T20:32:43.732" v="1715" actId="478"/>
+          <ac:spMkLst>
+            <pc:docMk/>
+            <pc:sldMk cId="486507416" sldId="516"/>
+            <ac:spMk id="103" creationId="{BED047FB-DB8C-44BD-8A9F-323A75A680C7}"/>
+          </ac:spMkLst>
+        </pc:spChg>
+        <pc:spChg chg="add del mod">
+          <ac:chgData name="zur bonsen georg" userId="5444515566c7376a" providerId="LiveId" clId="{E2A072EC-0FB7-4427-8947-EFC664D98567}" dt="2022-04-28T20:35:14.629" v="1808" actId="1035"/>
+          <ac:spMkLst>
+            <pc:docMk/>
+            <pc:sldMk cId="486507416" sldId="516"/>
+            <ac:spMk id="104" creationId="{B05759CE-F99E-4933-B063-0ECD279B97B6}"/>
+          </ac:spMkLst>
+        </pc:spChg>
+        <pc:spChg chg="add del mod">
+          <ac:chgData name="zur bonsen georg" userId="5444515566c7376a" providerId="LiveId" clId="{E2A072EC-0FB7-4427-8947-EFC664D98567}" dt="2022-04-28T20:34:00.430" v="1756" actId="478"/>
+          <ac:spMkLst>
+            <pc:docMk/>
+            <pc:sldMk cId="486507416" sldId="516"/>
+            <ac:spMk id="105" creationId="{BBD025C8-4502-476C-A56C-52F4610B80B7}"/>
+          </ac:spMkLst>
+        </pc:spChg>
+        <pc:spChg chg="mod">
+          <ac:chgData name="zur bonsen georg" userId="5444515566c7376a" providerId="LiveId" clId="{E2A072EC-0FB7-4427-8947-EFC664D98567}" dt="2022-04-28T20:36:45.303" v="1838" actId="1038"/>
+          <ac:spMkLst>
+            <pc:docMk/>
+            <pc:sldMk cId="486507416" sldId="516"/>
+            <ac:spMk id="106" creationId="{569443BF-A519-4247-9C59-73E0C648B534}"/>
+          </ac:spMkLst>
+        </pc:spChg>
+        <pc:spChg chg="add del mod">
+          <ac:chgData name="zur bonsen georg" userId="5444515566c7376a" providerId="LiveId" clId="{E2A072EC-0FB7-4427-8947-EFC664D98567}" dt="2022-04-28T20:34:00.430" v="1756" actId="478"/>
+          <ac:spMkLst>
+            <pc:docMk/>
+            <pc:sldMk cId="486507416" sldId="516"/>
+            <ac:spMk id="109" creationId="{475CB0C9-81B5-42C7-B2DD-BB9B24DE2BCF}"/>
+          </ac:spMkLst>
+        </pc:spChg>
+        <pc:spChg chg="add del mod">
+          <ac:chgData name="zur bonsen georg" userId="5444515566c7376a" providerId="LiveId" clId="{E2A072EC-0FB7-4427-8947-EFC664D98567}" dt="2022-04-28T20:34:00.430" v="1756" actId="478"/>
+          <ac:spMkLst>
+            <pc:docMk/>
+            <pc:sldMk cId="486507416" sldId="516"/>
+            <ac:spMk id="110" creationId="{8C67CF49-9BDA-4A15-82E5-F54F4AE7C860}"/>
+          </ac:spMkLst>
+        </pc:spChg>
+        <pc:spChg chg="mod">
+          <ac:chgData name="zur bonsen georg" userId="5444515566c7376a" providerId="LiveId" clId="{E2A072EC-0FB7-4427-8947-EFC664D98567}" dt="2022-04-28T20:37:33.057" v="1909" actId="1035"/>
+          <ac:spMkLst>
+            <pc:docMk/>
+            <pc:sldMk cId="486507416" sldId="516"/>
+            <ac:spMk id="111" creationId="{0E212DA4-1DC8-441E-A4AE-E36E7513D353}"/>
+          </ac:spMkLst>
+        </pc:spChg>
+        <pc:spChg chg="add del mod">
+          <ac:chgData name="zur bonsen georg" userId="5444515566c7376a" providerId="LiveId" clId="{E2A072EC-0FB7-4427-8947-EFC664D98567}" dt="2022-04-28T20:41:08.461" v="2039" actId="21"/>
+          <ac:spMkLst>
+            <pc:docMk/>
+            <pc:sldMk cId="486507416" sldId="516"/>
+            <ac:spMk id="121" creationId="{312DADC7-8FFF-48E3-A4FC-D26E1C78A2D6}"/>
+          </ac:spMkLst>
+        </pc:spChg>
+        <pc:grpChg chg="del mod">
+          <ac:chgData name="zur bonsen georg" userId="5444515566c7376a" providerId="LiveId" clId="{E2A072EC-0FB7-4427-8947-EFC664D98567}" dt="2022-04-28T20:35:54.851" v="1821" actId="165"/>
+          <ac:grpSpMkLst>
+            <pc:docMk/>
+            <pc:sldMk cId="486507416" sldId="516"/>
+            <ac:grpSpMk id="108" creationId="{23A4939E-7A11-4DE4-ABA5-4A699BA25ED4}"/>
+          </ac:grpSpMkLst>
+        </pc:grpChg>
+        <pc:picChg chg="add mod">
+          <ac:chgData name="zur bonsen georg" userId="5444515566c7376a" providerId="LiveId" clId="{E2A072EC-0FB7-4427-8947-EFC664D98567}" dt="2022-04-28T20:35:14.629" v="1808" actId="1035"/>
+          <ac:picMkLst>
+            <pc:docMk/>
+            <pc:sldMk cId="486507416" sldId="516"/>
+            <ac:picMk id="79" creationId="{4FDF5BEE-9451-41F9-8502-CA268769B2D7}"/>
+          </ac:picMkLst>
+        </pc:picChg>
+        <pc:cxnChg chg="mod topLvl">
+          <ac:chgData name="zur bonsen georg" userId="5444515566c7376a" providerId="LiveId" clId="{E2A072EC-0FB7-4427-8947-EFC664D98567}" dt="2022-04-28T20:35:54.851" v="1821" actId="165"/>
+          <ac:cxnSpMkLst>
+            <pc:docMk/>
+            <pc:sldMk cId="486507416" sldId="516"/>
+            <ac:cxnSpMk id="4" creationId="{F842D469-7273-4A60-A4B8-5BD7647CADB0}"/>
+          </ac:cxnSpMkLst>
+        </pc:cxnChg>
+        <pc:cxnChg chg="add mod">
+          <ac:chgData name="zur bonsen georg" userId="5444515566c7376a" providerId="LiveId" clId="{E2A072EC-0FB7-4427-8947-EFC664D98567}" dt="2022-04-28T20:35:14.629" v="1808" actId="1035"/>
+          <ac:cxnSpMkLst>
+            <pc:docMk/>
+            <pc:sldMk cId="486507416" sldId="516"/>
+            <ac:cxnSpMk id="5" creationId="{960A82D9-164B-4A53-98BD-A5D3DC66AD48}"/>
+          </ac:cxnSpMkLst>
+        </pc:cxnChg>
+        <pc:cxnChg chg="add mod">
+          <ac:chgData name="zur bonsen georg" userId="5444515566c7376a" providerId="LiveId" clId="{E2A072EC-0FB7-4427-8947-EFC664D98567}" dt="2022-04-28T20:35:14.629" v="1808" actId="1035"/>
+          <ac:cxnSpMkLst>
+            <pc:docMk/>
+            <pc:sldMk cId="486507416" sldId="516"/>
+            <ac:cxnSpMk id="7" creationId="{F3766BFA-746D-41E2-9B85-601B732344C3}"/>
+          </ac:cxnSpMkLst>
+        </pc:cxnChg>
+        <pc:cxnChg chg="add mod">
+          <ac:chgData name="zur bonsen georg" userId="5444515566c7376a" providerId="LiveId" clId="{E2A072EC-0FB7-4427-8947-EFC664D98567}" dt="2022-04-28T20:35:14.629" v="1808" actId="1035"/>
+          <ac:cxnSpMkLst>
+            <pc:docMk/>
+            <pc:sldMk cId="486507416" sldId="516"/>
+            <ac:cxnSpMk id="12" creationId="{94C4A153-B838-45AC-B05B-421CCE871A83}"/>
+          </ac:cxnSpMkLst>
+        </pc:cxnChg>
+        <pc:cxnChg chg="add mod">
+          <ac:chgData name="zur bonsen georg" userId="5444515566c7376a" providerId="LiveId" clId="{E2A072EC-0FB7-4427-8947-EFC664D98567}" dt="2022-04-28T20:35:14.629" v="1808" actId="1035"/>
+          <ac:cxnSpMkLst>
+            <pc:docMk/>
+            <pc:sldMk cId="486507416" sldId="516"/>
+            <ac:cxnSpMk id="14" creationId="{3B273424-24E9-4339-B18D-D0952313C875}"/>
+          </ac:cxnSpMkLst>
+        </pc:cxnChg>
+        <pc:cxnChg chg="mod topLvl">
+          <ac:chgData name="zur bonsen georg" userId="5444515566c7376a" providerId="LiveId" clId="{E2A072EC-0FB7-4427-8947-EFC664D98567}" dt="2022-04-28T20:35:54.851" v="1821" actId="165"/>
+          <ac:cxnSpMkLst>
+            <pc:docMk/>
+            <pc:sldMk cId="486507416" sldId="516"/>
+            <ac:cxnSpMk id="39" creationId="{A4894391-C828-4D75-B11E-96527C1724D4}"/>
+          </ac:cxnSpMkLst>
+        </pc:cxnChg>
+        <pc:cxnChg chg="mod">
+          <ac:chgData name="zur bonsen georg" userId="5444515566c7376a" providerId="LiveId" clId="{E2A072EC-0FB7-4427-8947-EFC664D98567}" dt="2022-04-28T20:36:02.946" v="1824" actId="14100"/>
+          <ac:cxnSpMkLst>
+            <pc:docMk/>
+            <pc:sldMk cId="486507416" sldId="516"/>
+            <ac:cxnSpMk id="49" creationId="{48D66365-D37C-45BC-B23E-71F347D01CAC}"/>
+          </ac:cxnSpMkLst>
+        </pc:cxnChg>
+        <pc:cxnChg chg="mod">
+          <ac:chgData name="zur bonsen georg" userId="5444515566c7376a" providerId="LiveId" clId="{E2A072EC-0FB7-4427-8947-EFC664D98567}" dt="2022-04-28T20:36:15.157" v="1827" actId="14100"/>
+          <ac:cxnSpMkLst>
+            <pc:docMk/>
+            <pc:sldMk cId="486507416" sldId="516"/>
+            <ac:cxnSpMk id="50" creationId="{12BC7B7F-E63B-4202-8BD1-D3D2BB179550}"/>
+          </ac:cxnSpMkLst>
+        </pc:cxnChg>
+        <pc:cxnChg chg="mod">
+          <ac:chgData name="zur bonsen georg" userId="5444515566c7376a" providerId="LiveId" clId="{E2A072EC-0FB7-4427-8947-EFC664D98567}" dt="2022-04-28T20:36:05.653" v="1825" actId="14100"/>
+          <ac:cxnSpMkLst>
+            <pc:docMk/>
+            <pc:sldMk cId="486507416" sldId="516"/>
+            <ac:cxnSpMk id="51" creationId="{902CA58C-AA75-4D07-838F-11799D28965F}"/>
+          </ac:cxnSpMkLst>
+        </pc:cxnChg>
+        <pc:cxnChg chg="add mod">
+          <ac:chgData name="zur bonsen georg" userId="5444515566c7376a" providerId="LiveId" clId="{E2A072EC-0FB7-4427-8947-EFC664D98567}" dt="2022-04-28T20:35:14.629" v="1808" actId="1035"/>
+          <ac:cxnSpMkLst>
+            <pc:docMk/>
+            <pc:sldMk cId="486507416" sldId="516"/>
+            <ac:cxnSpMk id="68" creationId="{230D1EC6-F16F-4298-AD40-F64AB2F1C60D}"/>
+          </ac:cxnSpMkLst>
+        </pc:cxnChg>
+        <pc:cxnChg chg="mod topLvl">
+          <ac:chgData name="zur bonsen georg" userId="5444515566c7376a" providerId="LiveId" clId="{E2A072EC-0FB7-4427-8947-EFC664D98567}" dt="2022-04-28T20:35:54.851" v="1821" actId="165"/>
+          <ac:cxnSpMkLst>
+            <pc:docMk/>
+            <pc:sldMk cId="486507416" sldId="516"/>
+            <ac:cxnSpMk id="69" creationId="{35E8535F-64D6-4F95-AED8-8D390630AA4B}"/>
+          </ac:cxnSpMkLst>
+        </pc:cxnChg>
+        <pc:cxnChg chg="mod topLvl">
+          <ac:chgData name="zur bonsen georg" userId="5444515566c7376a" providerId="LiveId" clId="{E2A072EC-0FB7-4427-8947-EFC664D98567}" dt="2022-04-28T20:35:54.851" v="1821" actId="165"/>
+          <ac:cxnSpMkLst>
+            <pc:docMk/>
+            <pc:sldMk cId="486507416" sldId="516"/>
+            <ac:cxnSpMk id="70" creationId="{02EA09E3-29FD-4B40-BAB8-14FB177F4597}"/>
+          </ac:cxnSpMkLst>
+        </pc:cxnChg>
+        <pc:cxnChg chg="mod topLvl">
+          <ac:chgData name="zur bonsen georg" userId="5444515566c7376a" providerId="LiveId" clId="{E2A072EC-0FB7-4427-8947-EFC664D98567}" dt="2022-04-28T20:35:54.851" v="1821" actId="165"/>
+          <ac:cxnSpMkLst>
+            <pc:docMk/>
+            <pc:sldMk cId="486507416" sldId="516"/>
+            <ac:cxnSpMk id="71" creationId="{6B49EAB6-DBB6-47F2-8C5A-0E730310F041}"/>
+          </ac:cxnSpMkLst>
+        </pc:cxnChg>
+        <pc:cxnChg chg="mod topLvl">
+          <ac:chgData name="zur bonsen georg" userId="5444515566c7376a" providerId="LiveId" clId="{E2A072EC-0FB7-4427-8947-EFC664D98567}" dt="2022-04-28T20:35:54.851" v="1821" actId="165"/>
+          <ac:cxnSpMkLst>
+            <pc:docMk/>
+            <pc:sldMk cId="486507416" sldId="516"/>
+            <ac:cxnSpMk id="72" creationId="{71F89E94-DF9E-4448-8D76-C7306D691158}"/>
+          </ac:cxnSpMkLst>
+        </pc:cxnChg>
+        <pc:cxnChg chg="mod topLvl">
+          <ac:chgData name="zur bonsen georg" userId="5444515566c7376a" providerId="LiveId" clId="{E2A072EC-0FB7-4427-8947-EFC664D98567}" dt="2022-04-28T20:35:54.851" v="1821" actId="165"/>
+          <ac:cxnSpMkLst>
+            <pc:docMk/>
+            <pc:sldMk cId="486507416" sldId="516"/>
+            <ac:cxnSpMk id="73" creationId="{AC2345D7-453F-48DA-9856-BB628BAE4862}"/>
+          </ac:cxnSpMkLst>
+        </pc:cxnChg>
+        <pc:cxnChg chg="mod topLvl">
+          <ac:chgData name="zur bonsen georg" userId="5444515566c7376a" providerId="LiveId" clId="{E2A072EC-0FB7-4427-8947-EFC664D98567}" dt="2022-04-28T20:35:54.851" v="1821" actId="165"/>
+          <ac:cxnSpMkLst>
+            <pc:docMk/>
+            <pc:sldMk cId="486507416" sldId="516"/>
+            <ac:cxnSpMk id="74" creationId="{9441C0AC-0429-4B88-A95F-F3DD8C427E3F}"/>
+          </ac:cxnSpMkLst>
+        </pc:cxnChg>
+        <pc:cxnChg chg="mod topLvl">
+          <ac:chgData name="zur bonsen georg" userId="5444515566c7376a" providerId="LiveId" clId="{E2A072EC-0FB7-4427-8947-EFC664D98567}" dt="2022-04-28T20:35:54.851" v="1821" actId="165"/>
+          <ac:cxnSpMkLst>
+            <pc:docMk/>
+            <pc:sldMk cId="486507416" sldId="516"/>
+            <ac:cxnSpMk id="75" creationId="{42DEA55A-A88E-43ED-9C06-D58243AFDD69}"/>
+          </ac:cxnSpMkLst>
+        </pc:cxnChg>
+        <pc:cxnChg chg="mod topLvl">
+          <ac:chgData name="zur bonsen georg" userId="5444515566c7376a" providerId="LiveId" clId="{E2A072EC-0FB7-4427-8947-EFC664D98567}" dt="2022-04-28T20:35:54.851" v="1821" actId="165"/>
+          <ac:cxnSpMkLst>
+            <pc:docMk/>
+            <pc:sldMk cId="486507416" sldId="516"/>
+            <ac:cxnSpMk id="76" creationId="{39345581-3111-489E-AF08-1B7C443C9F3D}"/>
+          </ac:cxnSpMkLst>
+        </pc:cxnChg>
+        <pc:cxnChg chg="mod">
+          <ac:chgData name="zur bonsen georg" userId="5444515566c7376a" providerId="LiveId" clId="{E2A072EC-0FB7-4427-8947-EFC664D98567}" dt="2022-04-28T20:37:21.921" v="1907" actId="1582"/>
+          <ac:cxnSpMkLst>
+            <pc:docMk/>
+            <pc:sldMk cId="486507416" sldId="516"/>
+            <ac:cxnSpMk id="102" creationId="{9790E2B3-7045-4D08-9FC1-D3E037BECFC0}"/>
+          </ac:cxnSpMkLst>
+        </pc:cxnChg>
+        <pc:cxnChg chg="add del mod">
+          <ac:chgData name="zur bonsen georg" userId="5444515566c7376a" providerId="LiveId" clId="{E2A072EC-0FB7-4427-8947-EFC664D98567}" dt="2022-04-28T20:35:41.427" v="1816" actId="478"/>
+          <ac:cxnSpMkLst>
+            <pc:docMk/>
+            <pc:sldMk cId="486507416" sldId="516"/>
+            <ac:cxnSpMk id="112" creationId="{51851A7E-F149-445D-85E1-44D753AC141B}"/>
+          </ac:cxnSpMkLst>
+        </pc:cxnChg>
+        <pc:cxnChg chg="add mod">
+          <ac:chgData name="zur bonsen georg" userId="5444515566c7376a" providerId="LiveId" clId="{E2A072EC-0FB7-4427-8947-EFC664D98567}" dt="2022-04-28T20:35:14.629" v="1808" actId="1035"/>
+          <ac:cxnSpMkLst>
+            <pc:docMk/>
+            <pc:sldMk cId="486507416" sldId="516"/>
+            <ac:cxnSpMk id="113" creationId="{938B1D7F-325A-41B3-9606-480DC9C61F77}"/>
+          </ac:cxnSpMkLst>
+        </pc:cxnChg>
+        <pc:cxnChg chg="add mod">
+          <ac:chgData name="zur bonsen georg" userId="5444515566c7376a" providerId="LiveId" clId="{E2A072EC-0FB7-4427-8947-EFC664D98567}" dt="2022-04-28T20:35:14.629" v="1808" actId="1035"/>
+          <ac:cxnSpMkLst>
+            <pc:docMk/>
+            <pc:sldMk cId="486507416" sldId="516"/>
+            <ac:cxnSpMk id="114" creationId="{6214C7BE-4543-4901-A84F-E7FCE08A709B}"/>
+          </ac:cxnSpMkLst>
+        </pc:cxnChg>
+        <pc:cxnChg chg="add mod">
+          <ac:chgData name="zur bonsen georg" userId="5444515566c7376a" providerId="LiveId" clId="{E2A072EC-0FB7-4427-8947-EFC664D98567}" dt="2022-04-28T20:35:14.629" v="1808" actId="1035"/>
+          <ac:cxnSpMkLst>
+            <pc:docMk/>
+            <pc:sldMk cId="486507416" sldId="516"/>
+            <ac:cxnSpMk id="115" creationId="{0F3ABB7F-4E41-4E33-A850-225BF6427BEC}"/>
+          </ac:cxnSpMkLst>
+        </pc:cxnChg>
+        <pc:cxnChg chg="add mod">
+          <ac:chgData name="zur bonsen georg" userId="5444515566c7376a" providerId="LiveId" clId="{E2A072EC-0FB7-4427-8947-EFC664D98567}" dt="2022-04-28T20:35:14.629" v="1808" actId="1035"/>
+          <ac:cxnSpMkLst>
+            <pc:docMk/>
+            <pc:sldMk cId="486507416" sldId="516"/>
+            <ac:cxnSpMk id="116" creationId="{F5D54C9C-82D9-46E3-BECD-AD2E6DB526B2}"/>
+          </ac:cxnSpMkLst>
+        </pc:cxnChg>
+        <pc:cxnChg chg="add mod">
+          <ac:chgData name="zur bonsen georg" userId="5444515566c7376a" providerId="LiveId" clId="{E2A072EC-0FB7-4427-8947-EFC664D98567}" dt="2022-04-28T20:35:14.629" v="1808" actId="1035"/>
+          <ac:cxnSpMkLst>
+            <pc:docMk/>
+            <pc:sldMk cId="486507416" sldId="516"/>
+            <ac:cxnSpMk id="117" creationId="{34D53661-5960-4076-8132-0211D8E5D2A8}"/>
+          </ac:cxnSpMkLst>
+        </pc:cxnChg>
+        <pc:cxnChg chg="add del mod">
+          <ac:chgData name="zur bonsen georg" userId="5444515566c7376a" providerId="LiveId" clId="{E2A072EC-0FB7-4427-8947-EFC664D98567}" dt="2022-04-28T20:34:20.963" v="1772" actId="478"/>
+          <ac:cxnSpMkLst>
+            <pc:docMk/>
+            <pc:sldMk cId="486507416" sldId="516"/>
+            <ac:cxnSpMk id="118" creationId="{66A0BE2B-0F8C-4679-8A52-31F2CEA12509}"/>
+          </ac:cxnSpMkLst>
+        </pc:cxnChg>
+        <pc:cxnChg chg="add mod">
+          <ac:chgData name="zur bonsen georg" userId="5444515566c7376a" providerId="LiveId" clId="{E2A072EC-0FB7-4427-8947-EFC664D98567}" dt="2022-04-28T20:35:14.629" v="1808" actId="1035"/>
+          <ac:cxnSpMkLst>
+            <pc:docMk/>
+            <pc:sldMk cId="486507416" sldId="516"/>
+            <ac:cxnSpMk id="119" creationId="{9979F988-AF38-4501-8DA1-6CF2564DE7CD}"/>
+          </ac:cxnSpMkLst>
+        </pc:cxnChg>
+        <pc:cxnChg chg="add mod">
+          <ac:chgData name="zur bonsen georg" userId="5444515566c7376a" providerId="LiveId" clId="{E2A072EC-0FB7-4427-8947-EFC664D98567}" dt="2022-04-28T20:36:00.371" v="1823" actId="1076"/>
+          <ac:cxnSpMkLst>
+            <pc:docMk/>
+            <pc:sldMk cId="486507416" sldId="516"/>
+            <ac:cxnSpMk id="120" creationId="{B24DF9AB-A029-4A41-AD01-F18F6D1326BC}"/>
+          </ac:cxnSpMkLst>
+        </pc:cxnChg>
+        <pc:cxnChg chg="add del mod">
+          <ac:chgData name="zur bonsen georg" userId="5444515566c7376a" providerId="LiveId" clId="{E2A072EC-0FB7-4427-8947-EFC664D98567}" dt="2022-04-28T20:41:08.461" v="2039" actId="21"/>
+          <ac:cxnSpMkLst>
+            <pc:docMk/>
+            <pc:sldMk cId="486507416" sldId="516"/>
+            <ac:cxnSpMk id="122" creationId="{BCA167EA-4692-4232-AA43-140CE2779BF5}"/>
+          </ac:cxnSpMkLst>
+        </pc:cxnChg>
+      </pc:sldChg>
+      <pc:sldChg chg="addSp delSp modSp mod">
+        <pc:chgData name="zur bonsen georg" userId="5444515566c7376a" providerId="LiveId" clId="{E2A072EC-0FB7-4427-8947-EFC664D98567}" dt="2022-04-28T20:41:04.799" v="2032" actId="21"/>
+        <pc:sldMkLst>
+          <pc:docMk/>
+          <pc:sldMk cId="3613540113" sldId="517"/>
+        </pc:sldMkLst>
+        <pc:spChg chg="del">
+          <ac:chgData name="zur bonsen georg" userId="5444515566c7376a" providerId="LiveId" clId="{E2A072EC-0FB7-4427-8947-EFC664D98567}" dt="2022-04-28T20:02:27.244" v="769" actId="478"/>
+          <ac:spMkLst>
+            <pc:docMk/>
+            <pc:sldMk cId="3613540113" sldId="517"/>
+            <ac:spMk id="3" creationId="{791B3492-49E5-4EAB-AB2D-4735FA5554D6}"/>
+          </ac:spMkLst>
+        </pc:spChg>
+        <pc:spChg chg="add mod ord">
+          <ac:chgData name="zur bonsen georg" userId="5444515566c7376a" providerId="LiveId" clId="{E2A072EC-0FB7-4427-8947-EFC664D98567}" dt="2022-04-28T20:17:54.391" v="1194" actId="167"/>
+          <ac:spMkLst>
+            <pc:docMk/>
+            <pc:sldMk cId="3613540113" sldId="517"/>
+            <ac:spMk id="9" creationId="{D6DB5C69-E89B-4B1C-978B-0FBEAB3092A3}"/>
+          </ac:spMkLst>
+        </pc:spChg>
+        <pc:spChg chg="add mod ord">
+          <ac:chgData name="zur bonsen georg" userId="5444515566c7376a" providerId="LiveId" clId="{E2A072EC-0FB7-4427-8947-EFC664D98567}" dt="2022-04-28T20:17:48.298" v="1193" actId="167"/>
+          <ac:spMkLst>
+            <pc:docMk/>
+            <pc:sldMk cId="3613540113" sldId="517"/>
+            <ac:spMk id="10" creationId="{B11198C7-EAAF-4BDD-9BAF-321D948C76A3}"/>
+          </ac:spMkLst>
+        </pc:spChg>
+        <pc:spChg chg="add mod ord">
+          <ac:chgData name="zur bonsen georg" userId="5444515566c7376a" providerId="LiveId" clId="{E2A072EC-0FB7-4427-8947-EFC664D98567}" dt="2022-04-28T20:18:00.996" v="1195" actId="208"/>
+          <ac:spMkLst>
+            <pc:docMk/>
+            <pc:sldMk cId="3613540113" sldId="517"/>
+            <ac:spMk id="11" creationId="{2FB809CD-3369-42D8-BFF2-00E21D0A683B}"/>
+          </ac:spMkLst>
+        </pc:spChg>
+        <pc:spChg chg="add mod">
+          <ac:chgData name="zur bonsen georg" userId="5444515566c7376a" providerId="LiveId" clId="{E2A072EC-0FB7-4427-8947-EFC664D98567}" dt="2022-04-28T20:17:30.684" v="1191" actId="1036"/>
+          <ac:spMkLst>
+            <pc:docMk/>
+            <pc:sldMk cId="3613540113" sldId="517"/>
+            <ac:spMk id="12" creationId="{9D4CD4CC-E4F2-4F43-8C55-901B92518A62}"/>
+          </ac:spMkLst>
+        </pc:spChg>
+        <pc:spChg chg="add mod">
+          <ac:chgData name="zur bonsen georg" userId="5444515566c7376a" providerId="LiveId" clId="{E2A072EC-0FB7-4427-8947-EFC664D98567}" dt="2022-04-28T20:17:30.684" v="1191" actId="1036"/>
+          <ac:spMkLst>
+            <pc:docMk/>
+            <pc:sldMk cId="3613540113" sldId="517"/>
+            <ac:spMk id="13" creationId="{4DB4320D-7052-403E-9E60-9261B368E809}"/>
+          </ac:spMkLst>
+        </pc:spChg>
+        <pc:spChg chg="add mod">
+          <ac:chgData name="zur bonsen georg" userId="5444515566c7376a" providerId="LiveId" clId="{E2A072EC-0FB7-4427-8947-EFC664D98567}" dt="2022-04-28T20:19:44.476" v="1284" actId="1037"/>
+          <ac:spMkLst>
+            <pc:docMk/>
+            <pc:sldMk cId="3613540113" sldId="517"/>
+            <ac:spMk id="14" creationId="{F2228557-C995-48C3-9098-F8C8610C5E46}"/>
+          </ac:spMkLst>
+        </pc:spChg>
+        <pc:spChg chg="add mod">
+          <ac:chgData name="zur bonsen georg" userId="5444515566c7376a" providerId="LiveId" clId="{E2A072EC-0FB7-4427-8947-EFC664D98567}" dt="2022-04-28T20:20:11.289" v="1286"/>
+          <ac:spMkLst>
+            <pc:docMk/>
+            <pc:sldMk cId="3613540113" sldId="517"/>
+            <ac:spMk id="15" creationId="{672B5105-8426-48C8-A319-4ED767D897C2}"/>
+          </ac:spMkLst>
+        </pc:spChg>
+        <pc:spChg chg="add mod">
+          <ac:chgData name="zur bonsen georg" userId="5444515566c7376a" providerId="LiveId" clId="{E2A072EC-0FB7-4427-8947-EFC664D98567}" dt="2022-04-28T20:29:06.515" v="1377" actId="20577"/>
+          <ac:spMkLst>
+            <pc:docMk/>
+            <pc:sldMk cId="3613540113" sldId="517"/>
+            <ac:spMk id="55" creationId="{9BF611DE-E113-4B56-9154-A5423B3DC146}"/>
+          </ac:spMkLst>
+        </pc:spChg>
+        <pc:spChg chg="add mod">
+          <ac:chgData name="zur bonsen georg" userId="5444515566c7376a" providerId="LiveId" clId="{E2A072EC-0FB7-4427-8947-EFC664D98567}" dt="2022-04-28T20:08:15.771" v="1135" actId="20577"/>
+          <ac:spMkLst>
+            <pc:docMk/>
+            <pc:sldMk cId="3613540113" sldId="517"/>
+            <ac:spMk id="56" creationId="{E254BB7D-9FE0-4353-A4AB-5E7A4CF90457}"/>
+          </ac:spMkLst>
+        </pc:spChg>
+        <pc:spChg chg="add mod ord">
+          <ac:chgData name="zur bonsen georg" userId="5444515566c7376a" providerId="LiveId" clId="{E2A072EC-0FB7-4427-8947-EFC664D98567}" dt="2022-04-28T20:22:56.418" v="1369" actId="1076"/>
+          <ac:spMkLst>
+            <pc:docMk/>
+            <pc:sldMk cId="3613540113" sldId="517"/>
+            <ac:spMk id="57" creationId="{D49E2CA7-6921-4D62-8B08-37BDF3D83E20}"/>
+          </ac:spMkLst>
+        </pc:spChg>
+        <pc:spChg chg="mod">
+          <ac:chgData name="zur bonsen georg" userId="5444515566c7376a" providerId="LiveId" clId="{E2A072EC-0FB7-4427-8947-EFC664D98567}" dt="2022-04-28T20:04:45.614" v="857" actId="1035"/>
+          <ac:spMkLst>
+            <pc:docMk/>
+            <pc:sldMk cId="3613540113" sldId="517"/>
+            <ac:spMk id="64" creationId="{883ABDD0-65A6-435D-8B56-90A80D54F324}"/>
+          </ac:spMkLst>
+        </pc:spChg>
+        <pc:spChg chg="mod">
+          <ac:chgData name="zur bonsen georg" userId="5444515566c7376a" providerId="LiveId" clId="{E2A072EC-0FB7-4427-8947-EFC664D98567}" dt="2022-04-28T20:04:45.614" v="857" actId="1035"/>
+          <ac:spMkLst>
+            <pc:docMk/>
+            <pc:sldMk cId="3613540113" sldId="517"/>
+            <ac:spMk id="65" creationId="{686BDFC6-A2B1-471F-B355-21875EFB72A0}"/>
+          </ac:spMkLst>
+        </pc:spChg>
+        <pc:spChg chg="add mod">
+          <ac:chgData name="zur bonsen georg" userId="5444515566c7376a" providerId="LiveId" clId="{E2A072EC-0FB7-4427-8947-EFC664D98567}" dt="2022-04-28T20:19:40.260" v="1282" actId="1038"/>
+          <ac:spMkLst>
+            <pc:docMk/>
+            <pc:sldMk cId="3613540113" sldId="517"/>
+            <ac:spMk id="66" creationId="{1BA552C9-D2D8-45B3-A109-8A3FF2F74028}"/>
+          </ac:spMkLst>
+        </pc:spChg>
+        <pc:spChg chg="mod">
+          <ac:chgData name="zur bonsen georg" userId="5444515566c7376a" providerId="LiveId" clId="{E2A072EC-0FB7-4427-8947-EFC664D98567}" dt="2022-04-28T20:04:45.614" v="857" actId="1035"/>
+          <ac:spMkLst>
+            <pc:docMk/>
+            <pc:sldMk cId="3613540113" sldId="517"/>
+            <ac:spMk id="67" creationId="{EBB9BB94-EF9D-43C6-8228-FA2225AD30E9}"/>
+          </ac:spMkLst>
+        </pc:spChg>
+        <pc:spChg chg="mod">
+          <ac:chgData name="zur bonsen georg" userId="5444515566c7376a" providerId="LiveId" clId="{E2A072EC-0FB7-4427-8947-EFC664D98567}" dt="2022-04-28T20:04:45.614" v="857" actId="1035"/>
+          <ac:spMkLst>
+            <pc:docMk/>
+            <pc:sldMk cId="3613540113" sldId="517"/>
+            <ac:spMk id="68" creationId="{03C826A4-3FA7-4950-92B4-D05D1DDFB73B}"/>
+          </ac:spMkLst>
+        </pc:spChg>
+        <pc:spChg chg="add mod">
+          <ac:chgData name="zur bonsen georg" userId="5444515566c7376a" providerId="LiveId" clId="{E2A072EC-0FB7-4427-8947-EFC664D98567}" dt="2022-04-28T20:19:36.118" v="1278" actId="1036"/>
+          <ac:spMkLst>
+            <pc:docMk/>
+            <pc:sldMk cId="3613540113" sldId="517"/>
+            <ac:spMk id="69" creationId="{DB3E29FA-CF83-4DA4-8ED7-E026F7A7CF3B}"/>
+          </ac:spMkLst>
+        </pc:spChg>
+        <pc:spChg chg="add del mod">
+          <ac:chgData name="zur bonsen georg" userId="5444515566c7376a" providerId="LiveId" clId="{E2A072EC-0FB7-4427-8947-EFC664D98567}" dt="2022-04-28T20:41:04.799" v="2032" actId="21"/>
+          <ac:spMkLst>
+            <pc:docMk/>
+            <pc:sldMk cId="3613540113" sldId="517"/>
+            <ac:spMk id="70" creationId="{2A8BB4AD-F14B-4F08-B49D-4EDAF73DD345}"/>
+          </ac:spMkLst>
+        </pc:spChg>
+        <pc:spChg chg="mod">
+          <ac:chgData name="zur bonsen georg" userId="5444515566c7376a" providerId="LiveId" clId="{E2A072EC-0FB7-4427-8947-EFC664D98567}" dt="2022-04-28T20:05:41.379" v="919" actId="1038"/>
+          <ac:spMkLst>
+            <pc:docMk/>
+            <pc:sldMk cId="3613540113" sldId="517"/>
+            <ac:spMk id="77" creationId="{95A38175-2129-4772-8C99-82477AAFEBE9}"/>
+          </ac:spMkLst>
+        </pc:spChg>
+        <pc:spChg chg="mod">
+          <ac:chgData name="zur bonsen georg" userId="5444515566c7376a" providerId="LiveId" clId="{E2A072EC-0FB7-4427-8947-EFC664D98567}" dt="2022-04-28T20:04:18.198" v="849" actId="1035"/>
+          <ac:spMkLst>
+            <pc:docMk/>
+            <pc:sldMk cId="3613540113" sldId="517"/>
+            <ac:spMk id="78" creationId="{A7B0EDF8-310D-4BB0-B504-21A9ABC4924E}"/>
+          </ac:spMkLst>
+        </pc:spChg>
+        <pc:spChg chg="mod">
+          <ac:chgData name="zur bonsen georg" userId="5444515566c7376a" providerId="LiveId" clId="{E2A072EC-0FB7-4427-8947-EFC664D98567}" dt="2022-04-28T20:04:18.198" v="849" actId="1035"/>
+          <ac:spMkLst>
+            <pc:docMk/>
+            <pc:sldMk cId="3613540113" sldId="517"/>
+            <ac:spMk id="79" creationId="{74A6E530-5BB8-4944-AC0B-B84C481734EF}"/>
+          </ac:spMkLst>
+        </pc:spChg>
+        <pc:spChg chg="mod">
+          <ac:chgData name="zur bonsen georg" userId="5444515566c7376a" providerId="LiveId" clId="{E2A072EC-0FB7-4427-8947-EFC664D98567}" dt="2022-04-28T20:04:18.198" v="849" actId="1035"/>
+          <ac:spMkLst>
+            <pc:docMk/>
+            <pc:sldMk cId="3613540113" sldId="517"/>
+            <ac:spMk id="101" creationId="{857F6BC8-F97F-4DF2-9710-CCE72C17FD42}"/>
+          </ac:spMkLst>
+        </pc:spChg>
+        <pc:spChg chg="mod">
+          <ac:chgData name="zur bonsen georg" userId="5444515566c7376a" providerId="LiveId" clId="{E2A072EC-0FB7-4427-8947-EFC664D98567}" dt="2022-04-28T20:04:18.198" v="849" actId="1035"/>
+          <ac:spMkLst>
+            <pc:docMk/>
+            <pc:sldMk cId="3613540113" sldId="517"/>
+            <ac:spMk id="103" creationId="{79AFE7B5-2FAB-45B7-B996-465ABDB73428}"/>
+          </ac:spMkLst>
+        </pc:spChg>
+        <pc:spChg chg="mod">
+          <ac:chgData name="zur bonsen georg" userId="5444515566c7376a" providerId="LiveId" clId="{E2A072EC-0FB7-4427-8947-EFC664D98567}" dt="2022-04-28T20:03:41.324" v="782" actId="14100"/>
+          <ac:spMkLst>
+            <pc:docMk/>
+            <pc:sldMk cId="3613540113" sldId="517"/>
+            <ac:spMk id="104" creationId="{FEC42A58-273E-4921-BDBA-B5CB54876BB3}"/>
+          </ac:spMkLst>
+        </pc:spChg>
+        <pc:spChg chg="mod">
+          <ac:chgData name="zur bonsen georg" userId="5444515566c7376a" providerId="LiveId" clId="{E2A072EC-0FB7-4427-8947-EFC664D98567}" dt="2022-04-28T20:04:18.198" v="849" actId="1035"/>
+          <ac:spMkLst>
+            <pc:docMk/>
+            <pc:sldMk cId="3613540113" sldId="517"/>
+            <ac:spMk id="109" creationId="{7013077E-0D0C-4E03-A47C-7727672C9DBA}"/>
+          </ac:spMkLst>
+        </pc:spChg>
+        <pc:spChg chg="mod">
+          <ac:chgData name="zur bonsen georg" userId="5444515566c7376a" providerId="LiveId" clId="{E2A072EC-0FB7-4427-8947-EFC664D98567}" dt="2022-04-28T20:04:18.198" v="849" actId="1035"/>
+          <ac:spMkLst>
+            <pc:docMk/>
+            <pc:sldMk cId="3613540113" sldId="517"/>
+            <ac:spMk id="110" creationId="{D253F267-7749-4833-85B3-CE312535C694}"/>
+          </ac:spMkLst>
+        </pc:spChg>
+        <pc:spChg chg="mod">
+          <ac:chgData name="zur bonsen georg" userId="5444515566c7376a" providerId="LiveId" clId="{E2A072EC-0FB7-4427-8947-EFC664D98567}" dt="2022-04-28T20:04:18.198" v="849" actId="1035"/>
+          <ac:spMkLst>
+            <pc:docMk/>
+            <pc:sldMk cId="3613540113" sldId="517"/>
+            <ac:spMk id="112" creationId="{A0C5CA70-B1E2-415B-A1CC-5A05A2FFC509}"/>
+          </ac:spMkLst>
+        </pc:spChg>
+        <pc:spChg chg="mod">
+          <ac:chgData name="zur bonsen georg" userId="5444515566c7376a" providerId="LiveId" clId="{E2A072EC-0FB7-4427-8947-EFC664D98567}" dt="2022-04-28T20:04:18.198" v="849" actId="1035"/>
+          <ac:spMkLst>
+            <pc:docMk/>
+            <pc:sldMk cId="3613540113" sldId="517"/>
+            <ac:spMk id="113" creationId="{7FC65303-C83E-42EB-8AD9-842EEA94121F}"/>
+          </ac:spMkLst>
+        </pc:spChg>
+        <pc:spChg chg="mod">
+          <ac:chgData name="zur bonsen georg" userId="5444515566c7376a" providerId="LiveId" clId="{E2A072EC-0FB7-4427-8947-EFC664D98567}" dt="2022-04-28T20:04:18.198" v="849" actId="1035"/>
+          <ac:spMkLst>
+            <pc:docMk/>
+            <pc:sldMk cId="3613540113" sldId="517"/>
+            <ac:spMk id="114" creationId="{6BD7CA6C-BDAF-4520-9088-EB8D4799AFE1}"/>
+          </ac:spMkLst>
+        </pc:spChg>
+        <pc:spChg chg="mod">
+          <ac:chgData name="zur bonsen georg" userId="5444515566c7376a" providerId="LiveId" clId="{E2A072EC-0FB7-4427-8947-EFC664D98567}" dt="2022-04-28T20:04:18.198" v="849" actId="1035"/>
+          <ac:spMkLst>
+            <pc:docMk/>
+            <pc:sldMk cId="3613540113" sldId="517"/>
+            <ac:spMk id="115" creationId="{07B0E6BF-40BE-4E63-A0B1-48BD47E1A164}"/>
+          </ac:spMkLst>
+        </pc:spChg>
+        <pc:spChg chg="mod">
+          <ac:chgData name="zur bonsen georg" userId="5444515566c7376a" providerId="LiveId" clId="{E2A072EC-0FB7-4427-8947-EFC664D98567}" dt="2022-04-28T20:04:18.198" v="849" actId="1035"/>
+          <ac:spMkLst>
+            <pc:docMk/>
+            <pc:sldMk cId="3613540113" sldId="517"/>
+            <ac:spMk id="116" creationId="{A789FA78-F0CE-4368-85B8-69C621CE13F6}"/>
+          </ac:spMkLst>
+        </pc:spChg>
+        <pc:spChg chg="mod">
+          <ac:chgData name="zur bonsen georg" userId="5444515566c7376a" providerId="LiveId" clId="{E2A072EC-0FB7-4427-8947-EFC664D98567}" dt="2022-04-28T20:04:18.198" v="849" actId="1035"/>
+          <ac:spMkLst>
+            <pc:docMk/>
+            <pc:sldMk cId="3613540113" sldId="517"/>
+            <ac:spMk id="117" creationId="{286446C3-008A-4668-A3A3-1A7CB4A22F42}"/>
+          </ac:spMkLst>
+        </pc:spChg>
+        <pc:spChg chg="mod">
+          <ac:chgData name="zur bonsen georg" userId="5444515566c7376a" providerId="LiveId" clId="{E2A072EC-0FB7-4427-8947-EFC664D98567}" dt="2022-04-28T20:04:18.198" v="849" actId="1035"/>
+          <ac:spMkLst>
+            <pc:docMk/>
+            <pc:sldMk cId="3613540113" sldId="517"/>
+            <ac:spMk id="118" creationId="{462EC032-A5A4-46ED-A02C-E59ADEE95410}"/>
+          </ac:spMkLst>
+        </pc:spChg>
+        <pc:spChg chg="mod">
+          <ac:chgData name="zur bonsen georg" userId="5444515566c7376a" providerId="LiveId" clId="{E2A072EC-0FB7-4427-8947-EFC664D98567}" dt="2022-04-28T20:04:18.198" v="849" actId="1035"/>
+          <ac:spMkLst>
+            <pc:docMk/>
+            <pc:sldMk cId="3613540113" sldId="517"/>
+            <ac:spMk id="119" creationId="{0C92636E-79B5-476E-9DFE-4D8F7042E835}"/>
+          </ac:spMkLst>
+        </pc:spChg>
+        <pc:spChg chg="mod">
+          <ac:chgData name="zur bonsen georg" userId="5444515566c7376a" providerId="LiveId" clId="{E2A072EC-0FB7-4427-8947-EFC664D98567}" dt="2022-04-28T20:04:18.198" v="849" actId="1035"/>
+          <ac:spMkLst>
+            <pc:docMk/>
+            <pc:sldMk cId="3613540113" sldId="517"/>
+            <ac:spMk id="120" creationId="{0ED89430-8BC4-4BE0-8316-A2A98DEFA25B}"/>
+          </ac:spMkLst>
+        </pc:spChg>
+        <pc:spChg chg="mod">
+          <ac:chgData name="zur bonsen georg" userId="5444515566c7376a" providerId="LiveId" clId="{E2A072EC-0FB7-4427-8947-EFC664D98567}" dt="2022-04-28T20:04:18.198" v="849" actId="1035"/>
+          <ac:spMkLst>
+            <pc:docMk/>
+            <pc:sldMk cId="3613540113" sldId="517"/>
+            <ac:spMk id="121" creationId="{03BC9655-F5FD-440E-959D-F56B6B32951D}"/>
+          </ac:spMkLst>
+        </pc:spChg>
+        <pc:spChg chg="mod">
+          <ac:chgData name="zur bonsen georg" userId="5444515566c7376a" providerId="LiveId" clId="{E2A072EC-0FB7-4427-8947-EFC664D98567}" dt="2022-04-28T20:04:18.198" v="849" actId="1035"/>
+          <ac:spMkLst>
+            <pc:docMk/>
+            <pc:sldMk cId="3613540113" sldId="517"/>
+            <ac:spMk id="124" creationId="{15F960E5-E2ED-434B-AB5A-3AC5F70F4679}"/>
+          </ac:spMkLst>
+        </pc:spChg>
+        <pc:spChg chg="mod">
+          <ac:chgData name="zur bonsen georg" userId="5444515566c7376a" providerId="LiveId" clId="{E2A072EC-0FB7-4427-8947-EFC664D98567}" dt="2022-04-28T20:04:18.198" v="849" actId="1035"/>
+          <ac:spMkLst>
+            <pc:docMk/>
+            <pc:sldMk cId="3613540113" sldId="517"/>
+            <ac:spMk id="125" creationId="{53607AE4-33E1-487E-B5EF-B34F216A59B1}"/>
+          </ac:spMkLst>
+        </pc:spChg>
+        <pc:spChg chg="mod">
+          <ac:chgData name="zur bonsen georg" userId="5444515566c7376a" providerId="LiveId" clId="{E2A072EC-0FB7-4427-8947-EFC664D98567}" dt="2022-04-28T20:04:18.198" v="849" actId="1035"/>
+          <ac:spMkLst>
+            <pc:docMk/>
+            <pc:sldMk cId="3613540113" sldId="517"/>
+            <ac:spMk id="126" creationId="{E7AE17C7-355C-4977-B5E5-0A3CB3BF34E3}"/>
+          </ac:spMkLst>
+        </pc:spChg>
+        <pc:spChg chg="mod">
+          <ac:chgData name="zur bonsen georg" userId="5444515566c7376a" providerId="LiveId" clId="{E2A072EC-0FB7-4427-8947-EFC664D98567}" dt="2022-04-28T20:04:18.198" v="849" actId="1035"/>
+          <ac:spMkLst>
+            <pc:docMk/>
+            <pc:sldMk cId="3613540113" sldId="517"/>
+            <ac:spMk id="127" creationId="{6FC6AD87-0A94-49DF-9B70-55103B70F884}"/>
+          </ac:spMkLst>
+        </pc:spChg>
+        <pc:spChg chg="mod">
+          <ac:chgData name="zur bonsen georg" userId="5444515566c7376a" providerId="LiveId" clId="{E2A072EC-0FB7-4427-8947-EFC664D98567}" dt="2022-04-28T20:03:41.324" v="782" actId="14100"/>
+          <ac:spMkLst>
+            <pc:docMk/>
+            <pc:sldMk cId="3613540113" sldId="517"/>
+            <ac:spMk id="128" creationId="{52AF3196-AF46-479C-AB9C-3CCCC02DF404}"/>
+          </ac:spMkLst>
+        </pc:spChg>
+        <pc:spChg chg="del">
+          <ac:chgData name="zur bonsen georg" userId="5444515566c7376a" providerId="LiveId" clId="{E2A072EC-0FB7-4427-8947-EFC664D98567}" dt="2022-04-28T20:04:11.128" v="847" actId="478"/>
+          <ac:spMkLst>
+            <pc:docMk/>
+            <pc:sldMk cId="3613540113" sldId="517"/>
+            <ac:spMk id="130" creationId="{66E235CC-E737-4AF1-AED3-DF9A28195D4D}"/>
+          </ac:spMkLst>
+        </pc:spChg>
+        <pc:spChg chg="mod">
+          <ac:chgData name="zur bonsen georg" userId="5444515566c7376a" providerId="LiveId" clId="{E2A072EC-0FB7-4427-8947-EFC664D98567}" dt="2022-04-28T20:04:45.614" v="857" actId="1035"/>
+          <ac:spMkLst>
+            <pc:docMk/>
+            <pc:sldMk cId="3613540113" sldId="517"/>
+            <ac:spMk id="131" creationId="{86674185-551B-4EBF-AD25-791BE31328D9}"/>
+          </ac:spMkLst>
+        </pc:spChg>
+        <pc:spChg chg="mod">
+          <ac:chgData name="zur bonsen georg" userId="5444515566c7376a" providerId="LiveId" clId="{E2A072EC-0FB7-4427-8947-EFC664D98567}" dt="2022-04-28T20:04:45.614" v="857" actId="1035"/>
+          <ac:spMkLst>
+            <pc:docMk/>
+            <pc:sldMk cId="3613540113" sldId="517"/>
+            <ac:spMk id="132" creationId="{4F7391EF-7FF2-45F3-A787-211B1402DFEA}"/>
+          </ac:spMkLst>
+        </pc:spChg>
+        <pc:spChg chg="mod">
+          <ac:chgData name="zur bonsen georg" userId="5444515566c7376a" providerId="LiveId" clId="{E2A072EC-0FB7-4427-8947-EFC664D98567}" dt="2022-04-28T20:04:45.614" v="857" actId="1035"/>
+          <ac:spMkLst>
+            <pc:docMk/>
+            <pc:sldMk cId="3613540113" sldId="517"/>
+            <ac:spMk id="133" creationId="{7500411B-2F12-4268-A9EB-494D30033C31}"/>
+          </ac:spMkLst>
+        </pc:spChg>
+        <pc:spChg chg="mod">
+          <ac:chgData name="zur bonsen georg" userId="5444515566c7376a" providerId="LiveId" clId="{E2A072EC-0FB7-4427-8947-EFC664D98567}" dt="2022-04-28T20:04:45.614" v="857" actId="1035"/>
+          <ac:spMkLst>
+            <pc:docMk/>
+            <pc:sldMk cId="3613540113" sldId="517"/>
+            <ac:spMk id="134" creationId="{3CDF3E06-5EEC-4DB9-A4C6-586AD58DC7C9}"/>
+          </ac:spMkLst>
+        </pc:spChg>
+        <pc:spChg chg="mod">
+          <ac:chgData name="zur bonsen georg" userId="5444515566c7376a" providerId="LiveId" clId="{E2A072EC-0FB7-4427-8947-EFC664D98567}" dt="2022-04-28T20:04:13.858" v="848" actId="1035"/>
+          <ac:spMkLst>
+            <pc:docMk/>
+            <pc:sldMk cId="3613540113" sldId="517"/>
+            <ac:spMk id="136" creationId="{77551AC2-6B8E-4C0F-8797-CC45560EFF21}"/>
+          </ac:spMkLst>
+        </pc:spChg>
+        <pc:spChg chg="add del mod">
+          <ac:chgData name="zur bonsen georg" userId="5444515566c7376a" providerId="LiveId" clId="{E2A072EC-0FB7-4427-8947-EFC664D98567}" dt="2022-04-28T20:21:35.601" v="1359" actId="20577"/>
+          <ac:spMkLst>
+            <pc:docMk/>
+            <pc:sldMk cId="3613540113" sldId="517"/>
+            <ac:spMk id="137" creationId="{1FEB9D5D-B435-47F5-8BAC-4522C256C21E}"/>
+          </ac:spMkLst>
+        </pc:spChg>
+        <pc:spChg chg="mod">
+          <ac:chgData name="zur bonsen georg" userId="5444515566c7376a" providerId="LiveId" clId="{E2A072EC-0FB7-4427-8947-EFC664D98567}" dt="2022-04-28T20:04:18.198" v="849" actId="1035"/>
+          <ac:spMkLst>
+            <pc:docMk/>
+            <pc:sldMk cId="3613540113" sldId="517"/>
+            <ac:spMk id="138" creationId="{AC7B4E1E-5B7B-4BA5-B8F0-7A81C67BC828}"/>
+          </ac:spMkLst>
+        </pc:spChg>
+        <pc:spChg chg="mod">
+          <ac:chgData name="zur bonsen georg" userId="5444515566c7376a" providerId="LiveId" clId="{E2A072EC-0FB7-4427-8947-EFC664D98567}" dt="2022-04-28T20:04:18.198" v="849" actId="1035"/>
+          <ac:spMkLst>
+            <pc:docMk/>
+            <pc:sldMk cId="3613540113" sldId="517"/>
+            <ac:spMk id="139" creationId="{95ADC085-2DC5-4678-89CA-9818B81AF463}"/>
+          </ac:spMkLst>
+        </pc:spChg>
+        <pc:spChg chg="del mod">
+          <ac:chgData name="zur bonsen georg" userId="5444515566c7376a" providerId="LiveId" clId="{E2A072EC-0FB7-4427-8947-EFC664D98567}" dt="2022-04-28T20:08:37.268" v="1145" actId="478"/>
+          <ac:spMkLst>
+            <pc:docMk/>
+            <pc:sldMk cId="3613540113" sldId="517"/>
+            <ac:spMk id="140" creationId="{F61C16DB-80F9-4B61-981D-2B4320A3A0DC}"/>
+          </ac:spMkLst>
+        </pc:spChg>
+        <pc:spChg chg="del mod">
+          <ac:chgData name="zur bonsen georg" userId="5444515566c7376a" providerId="LiveId" clId="{E2A072EC-0FB7-4427-8947-EFC664D98567}" dt="2022-04-28T20:08:18.075" v="1136" actId="478"/>
+          <ac:spMkLst>
+            <pc:docMk/>
+            <pc:sldMk cId="3613540113" sldId="517"/>
+            <ac:spMk id="141" creationId="{32BE120D-3045-4462-8DE4-38EAFDB2F6D3}"/>
+          </ac:spMkLst>
+        </pc:spChg>
+        <pc:spChg chg="del">
+          <ac:chgData name="zur bonsen georg" userId="5444515566c7376a" providerId="LiveId" clId="{E2A072EC-0FB7-4427-8947-EFC664D98567}" dt="2022-04-28T20:02:27.244" v="769" actId="478"/>
+          <ac:spMkLst>
+            <pc:docMk/>
+            <pc:sldMk cId="3613540113" sldId="517"/>
+            <ac:spMk id="142" creationId="{70DC3E93-A1DB-41B8-BBC5-831CFAC38B7B}"/>
+          </ac:spMkLst>
+        </pc:spChg>
+        <pc:spChg chg="mod">
+          <ac:chgData name="zur bonsen georg" userId="5444515566c7376a" providerId="LiveId" clId="{E2A072EC-0FB7-4427-8947-EFC664D98567}" dt="2022-04-28T20:06:09.386" v="931" actId="14100"/>
+          <ac:spMkLst>
+            <pc:docMk/>
+            <pc:sldMk cId="3613540113" sldId="517"/>
+            <ac:spMk id="143" creationId="{1CB939A9-FD43-4646-B5C4-15FDE88BF907}"/>
+          </ac:spMkLst>
+        </pc:spChg>
+        <pc:spChg chg="del">
+          <ac:chgData name="zur bonsen georg" userId="5444515566c7376a" providerId="LiveId" clId="{E2A072EC-0FB7-4427-8947-EFC664D98567}" dt="2022-04-28T20:06:15.960" v="932" actId="478"/>
+          <ac:spMkLst>
+            <pc:docMk/>
+            <pc:sldMk cId="3613540113" sldId="517"/>
+            <ac:spMk id="144" creationId="{941A02E5-EF2F-4475-BF2C-129AEE8B6E62}"/>
+          </ac:spMkLst>
+        </pc:spChg>
+        <pc:spChg chg="del mod">
+          <ac:chgData name="zur bonsen georg" userId="5444515566c7376a" providerId="LiveId" clId="{E2A072EC-0FB7-4427-8947-EFC664D98567}" dt="2022-04-28T20:08:18.075" v="1136" actId="478"/>
+          <ac:spMkLst>
+            <pc:docMk/>
+            <pc:sldMk cId="3613540113" sldId="517"/>
+            <ac:spMk id="146" creationId="{90CA9FC4-F5F0-4562-A436-935C389A3F88}"/>
+          </ac:spMkLst>
+        </pc:spChg>
+        <pc:spChg chg="mod">
+          <ac:chgData name="zur bonsen georg" userId="5444515566c7376a" providerId="LiveId" clId="{E2A072EC-0FB7-4427-8947-EFC664D98567}" dt="2022-04-28T20:08:25.129" v="1137" actId="21"/>
+          <ac:spMkLst>
+            <pc:docMk/>
+            <pc:sldMk cId="3613540113" sldId="517"/>
+            <ac:spMk id="147" creationId="{5F92431B-D8F5-48B3-BAEF-513C7191DFC2}"/>
+          </ac:spMkLst>
+        </pc:spChg>
+        <pc:picChg chg="add mod">
+          <ac:chgData name="zur bonsen georg" userId="5444515566c7376a" providerId="LiveId" clId="{E2A072EC-0FB7-4427-8947-EFC664D98567}" dt="2022-04-28T20:14:49.915" v="1151" actId="1076"/>
+          <ac:picMkLst>
+            <pc:docMk/>
+            <pc:sldMk cId="3613540113" sldId="517"/>
+            <ac:picMk id="8" creationId="{13915D67-3CC4-4353-B4B3-2F7CF83C8056}"/>
+          </ac:picMkLst>
+        </pc:picChg>
+        <pc:cxnChg chg="add mod">
+          <ac:chgData name="zur bonsen georg" userId="5444515566c7376a" providerId="LiveId" clId="{E2A072EC-0FB7-4427-8947-EFC664D98567}" dt="2022-04-28T20:22:35.596" v="1367" actId="14100"/>
+          <ac:cxnSpMkLst>
+            <pc:docMk/>
+            <pc:sldMk cId="3613540113" sldId="517"/>
+            <ac:cxnSpMk id="5" creationId="{8DA6DFCA-7FAB-4655-BE89-57CDB17B6E34}"/>
+          </ac:cxnSpMkLst>
+        </pc:cxnChg>
+        <pc:cxnChg chg="add mod">
+          <ac:chgData name="zur bonsen georg" userId="5444515566c7376a" providerId="LiveId" clId="{E2A072EC-0FB7-4427-8947-EFC664D98567}" dt="2022-04-28T20:22:35.596" v="1367" actId="14100"/>
+          <ac:cxnSpMkLst>
+            <pc:docMk/>
+            <pc:sldMk cId="3613540113" sldId="517"/>
+            <ac:cxnSpMk id="53" creationId="{CC20FAAC-C6C3-45EE-A0B1-B0608A733563}"/>
+          </ac:cxnSpMkLst>
+        </pc:cxnChg>
+        <pc:cxnChg chg="add mod">
+          <ac:chgData name="zur bonsen georg" userId="5444515566c7376a" providerId="LiveId" clId="{E2A072EC-0FB7-4427-8947-EFC664D98567}" dt="2022-04-28T20:22:35.596" v="1367" actId="14100"/>
+          <ac:cxnSpMkLst>
+            <pc:docMk/>
+            <pc:sldMk cId="3613540113" sldId="517"/>
+            <ac:cxnSpMk id="54" creationId="{4AE8BBBB-2C65-4408-B8F7-3294D1133C16}"/>
+          </ac:cxnSpMkLst>
+        </pc:cxnChg>
+        <pc:cxnChg chg="add del mod">
+          <ac:chgData name="zur bonsen georg" userId="5444515566c7376a" providerId="LiveId" clId="{E2A072EC-0FB7-4427-8947-EFC664D98567}" dt="2022-04-28T20:41:04.799" v="2032" actId="21"/>
+          <ac:cxnSpMkLst>
+            <pc:docMk/>
+            <pc:sldMk cId="3613540113" sldId="517"/>
+            <ac:cxnSpMk id="71" creationId="{D635245C-321D-414B-8743-FD9B189DEEF9}"/>
+          </ac:cxnSpMkLst>
+        </pc:cxnChg>
+      </pc:sldChg>
       <pc:sldChg chg="addSp delSp modSp add mod ord modClrScheme chgLayout">
         <pc:chgData name="zur bonsen georg" userId="5444515566c7376a" providerId="LiveId" clId="{E2A072EC-0FB7-4427-8947-EFC664D98567}" dt="2022-04-24T20:09:19.781" v="602"/>
         <pc:sldMkLst>
@@ -11191,6 +12237,333 @@
             <pc:docMk/>
             <pc:sldMk cId="442938713" sldId="518"/>
             <ac:cxnSpMk id="56" creationId="{70ED3584-9528-4C9C-ABA1-C487305D631F}"/>
+          </ac:cxnSpMkLst>
+        </pc:cxnChg>
+      </pc:sldChg>
+      <pc:sldChg chg="addSp delSp modSp add mod">
+        <pc:chgData name="zur bonsen georg" userId="5444515566c7376a" providerId="LiveId" clId="{E2A072EC-0FB7-4427-8947-EFC664D98567}" dt="2022-04-28T20:51:26.189" v="2755" actId="14100"/>
+        <pc:sldMkLst>
+          <pc:docMk/>
+          <pc:sldMk cId="2861172724" sldId="519"/>
+        </pc:sldMkLst>
+        <pc:spChg chg="mod">
+          <ac:chgData name="zur bonsen georg" userId="5444515566c7376a" providerId="LiveId" clId="{E2A072EC-0FB7-4427-8947-EFC664D98567}" dt="2022-04-28T19:48:00.817" v="633" actId="20577"/>
+          <ac:spMkLst>
+            <pc:docMk/>
+            <pc:sldMk cId="2861172724" sldId="519"/>
+            <ac:spMk id="2" creationId="{00000000-0000-0000-0000-000000000000}"/>
+          </ac:spMkLst>
+        </pc:spChg>
+        <pc:spChg chg="mod">
+          <ac:chgData name="zur bonsen georg" userId="5444515566c7376a" providerId="LiveId" clId="{E2A072EC-0FB7-4427-8947-EFC664D98567}" dt="2022-04-28T19:48:04.567" v="644" actId="20577"/>
+          <ac:spMkLst>
+            <pc:docMk/>
+            <pc:sldMk cId="2861172724" sldId="519"/>
+            <ac:spMk id="18" creationId="{CD6ABD94-E5B6-4FE1-919E-4A756D0BE67A}"/>
+          </ac:spMkLst>
+        </pc:spChg>
+        <pc:spChg chg="add mod">
+          <ac:chgData name="zur bonsen georg" userId="5444515566c7376a" providerId="LiveId" clId="{E2A072EC-0FB7-4427-8947-EFC664D98567}" dt="2022-04-28T20:41:25.968" v="2080" actId="1036"/>
+          <ac:spMkLst>
+            <pc:docMk/>
+            <pc:sldMk cId="2861172724" sldId="519"/>
+            <ac:spMk id="19" creationId="{5F18E83C-F029-4233-BE9B-999397EE22ED}"/>
+          </ac:spMkLst>
+        </pc:spChg>
+        <pc:spChg chg="mod">
+          <ac:chgData name="zur bonsen georg" userId="5444515566c7376a" providerId="LiveId" clId="{E2A072EC-0FB7-4427-8947-EFC664D98567}" dt="2022-04-28T19:48:20.513" v="682" actId="20577"/>
+          <ac:spMkLst>
+            <pc:docMk/>
+            <pc:sldMk cId="2861172724" sldId="519"/>
+            <ac:spMk id="21" creationId="{4A5C35A6-C202-4799-87C1-FEC2A6E6E514}"/>
+          </ac:spMkLst>
+        </pc:spChg>
+        <pc:spChg chg="mod">
+          <ac:chgData name="zur bonsen georg" userId="5444515566c7376a" providerId="LiveId" clId="{E2A072EC-0FB7-4427-8947-EFC664D98567}" dt="2022-04-28T19:48:15.391" v="664" actId="20577"/>
+          <ac:spMkLst>
+            <pc:docMk/>
+            <pc:sldMk cId="2861172724" sldId="519"/>
+            <ac:spMk id="22" creationId="{6FE43969-344E-4790-ADCE-A2BB49BADBBE}"/>
+          </ac:spMkLst>
+        </pc:spChg>
+        <pc:spChg chg="add mod">
+          <ac:chgData name="zur bonsen georg" userId="5444515566c7376a" providerId="LiveId" clId="{E2A072EC-0FB7-4427-8947-EFC664D98567}" dt="2022-04-28T20:41:25.968" v="2080" actId="1036"/>
+          <ac:spMkLst>
+            <pc:docMk/>
+            <pc:sldMk cId="2861172724" sldId="519"/>
+            <ac:spMk id="24" creationId="{CF50DE27-5927-4D4D-8CED-A6F30FA81F1C}"/>
+          </ac:spMkLst>
+        </pc:spChg>
+        <pc:spChg chg="add mod">
+          <ac:chgData name="zur bonsen georg" userId="5444515566c7376a" providerId="LiveId" clId="{E2A072EC-0FB7-4427-8947-EFC664D98567}" dt="2022-04-28T20:41:25.968" v="2080" actId="1036"/>
+          <ac:spMkLst>
+            <pc:docMk/>
+            <pc:sldMk cId="2861172724" sldId="519"/>
+            <ac:spMk id="25" creationId="{086E2A76-9173-4DB5-80C1-F62D71C2C163}"/>
+          </ac:spMkLst>
+        </pc:spChg>
+        <pc:spChg chg="add mod">
+          <ac:chgData name="zur bonsen georg" userId="5444515566c7376a" providerId="LiveId" clId="{E2A072EC-0FB7-4427-8947-EFC664D98567}" dt="2022-04-28T20:44:00.424" v="2226" actId="20577"/>
+          <ac:spMkLst>
+            <pc:docMk/>
+            <pc:sldMk cId="2861172724" sldId="519"/>
+            <ac:spMk id="27" creationId="{265BEB81-50D0-4B9D-BD1B-983CCA0D4473}"/>
+          </ac:spMkLst>
+        </pc:spChg>
+        <pc:spChg chg="add mod">
+          <ac:chgData name="zur bonsen georg" userId="5444515566c7376a" providerId="LiveId" clId="{E2A072EC-0FB7-4427-8947-EFC664D98567}" dt="2022-04-28T20:41:25.968" v="2080" actId="1036"/>
+          <ac:spMkLst>
+            <pc:docMk/>
+            <pc:sldMk cId="2861172724" sldId="519"/>
+            <ac:spMk id="29" creationId="{80DA7CAC-72CB-48BC-834E-0FAFEB47C843}"/>
+          </ac:spMkLst>
+        </pc:spChg>
+        <pc:spChg chg="add mod">
+          <ac:chgData name="zur bonsen georg" userId="5444515566c7376a" providerId="LiveId" clId="{E2A072EC-0FB7-4427-8947-EFC664D98567}" dt="2022-04-28T20:41:25.968" v="2080" actId="1036"/>
+          <ac:spMkLst>
+            <pc:docMk/>
+            <pc:sldMk cId="2861172724" sldId="519"/>
+            <ac:spMk id="30" creationId="{EBB2EF05-C801-4216-AD31-40018AC8372B}"/>
+          </ac:spMkLst>
+        </pc:spChg>
+        <pc:spChg chg="mod">
+          <ac:chgData name="zur bonsen georg" userId="5444515566c7376a" providerId="LiveId" clId="{E2A072EC-0FB7-4427-8947-EFC664D98567}" dt="2022-04-28T19:48:08.690" v="657" actId="20577"/>
+          <ac:spMkLst>
+            <pc:docMk/>
+            <pc:sldMk cId="2861172724" sldId="519"/>
+            <ac:spMk id="31" creationId="{226E8BC4-EB97-4613-B3B1-2871B43C7114}"/>
+          </ac:spMkLst>
+        </pc:spChg>
+        <pc:spChg chg="add mod">
+          <ac:chgData name="zur bonsen georg" userId="5444515566c7376a" providerId="LiveId" clId="{E2A072EC-0FB7-4427-8947-EFC664D98567}" dt="2022-04-28T20:41:25.968" v="2080" actId="1036"/>
+          <ac:spMkLst>
+            <pc:docMk/>
+            <pc:sldMk cId="2861172724" sldId="519"/>
+            <ac:spMk id="32" creationId="{629512F4-BB50-412C-BC19-62C22DC99E03}"/>
+          </ac:spMkLst>
+        </pc:spChg>
+        <pc:spChg chg="add mod">
+          <ac:chgData name="zur bonsen georg" userId="5444515566c7376a" providerId="LiveId" clId="{E2A072EC-0FB7-4427-8947-EFC664D98567}" dt="2022-04-28T20:41:25.968" v="2080" actId="1036"/>
+          <ac:spMkLst>
+            <pc:docMk/>
+            <pc:sldMk cId="2861172724" sldId="519"/>
+            <ac:spMk id="33" creationId="{4D4C3E7B-4126-464B-9D09-469818364F83}"/>
+          </ac:spMkLst>
+        </pc:spChg>
+        <pc:spChg chg="add mod">
+          <ac:chgData name="zur bonsen georg" userId="5444515566c7376a" providerId="LiveId" clId="{E2A072EC-0FB7-4427-8947-EFC664D98567}" dt="2022-04-28T20:41:25.968" v="2080" actId="1036"/>
+          <ac:spMkLst>
+            <pc:docMk/>
+            <pc:sldMk cId="2861172724" sldId="519"/>
+            <ac:spMk id="35" creationId="{B9906D15-76E2-436B-A14D-EE56F418B851}"/>
+          </ac:spMkLst>
+        </pc:spChg>
+        <pc:spChg chg="add mod">
+          <ac:chgData name="zur bonsen georg" userId="5444515566c7376a" providerId="LiveId" clId="{E2A072EC-0FB7-4427-8947-EFC664D98567}" dt="2022-04-28T20:44:02.215" v="2228" actId="20577"/>
+          <ac:spMkLst>
+            <pc:docMk/>
+            <pc:sldMk cId="2861172724" sldId="519"/>
+            <ac:spMk id="37" creationId="{7135213E-3D18-48A3-87B8-FE24DD28532D}"/>
+          </ac:spMkLst>
+        </pc:spChg>
+        <pc:spChg chg="mod">
+          <ac:chgData name="zur bonsen georg" userId="5444515566c7376a" providerId="LiveId" clId="{E2A072EC-0FB7-4427-8947-EFC664D98567}" dt="2022-04-28T19:49:37.702" v="767" actId="207"/>
+          <ac:spMkLst>
+            <pc:docMk/>
+            <pc:sldMk cId="2861172724" sldId="519"/>
+            <ac:spMk id="38" creationId="{D99B0301-6E4C-48BF-ACEE-E17BE828AD2F}"/>
+          </ac:spMkLst>
+        </pc:spChg>
+        <pc:spChg chg="add mod">
+          <ac:chgData name="zur bonsen georg" userId="5444515566c7376a" providerId="LiveId" clId="{E2A072EC-0FB7-4427-8947-EFC664D98567}" dt="2022-04-28T20:41:25.968" v="2080" actId="1036"/>
+          <ac:spMkLst>
+            <pc:docMk/>
+            <pc:sldMk cId="2861172724" sldId="519"/>
+            <ac:spMk id="39" creationId="{B01511C7-0570-4B60-8594-915595339FD8}"/>
+          </ac:spMkLst>
+        </pc:spChg>
+        <pc:spChg chg="mod">
+          <ac:chgData name="zur bonsen georg" userId="5444515566c7376a" providerId="LiveId" clId="{E2A072EC-0FB7-4427-8947-EFC664D98567}" dt="2022-04-28T20:49:18.768" v="2660" actId="1036"/>
+          <ac:spMkLst>
+            <pc:docMk/>
+            <pc:sldMk cId="2861172724" sldId="519"/>
+            <ac:spMk id="40" creationId="{1931DDB2-070E-41B6-AE42-46B74B1FB6F3}"/>
+          </ac:spMkLst>
+        </pc:spChg>
+        <pc:spChg chg="mod">
+          <ac:chgData name="zur bonsen georg" userId="5444515566c7376a" providerId="LiveId" clId="{E2A072EC-0FB7-4427-8947-EFC664D98567}" dt="2022-04-28T20:51:26.189" v="2755" actId="14100"/>
+          <ac:spMkLst>
+            <pc:docMk/>
+            <pc:sldMk cId="2861172724" sldId="519"/>
+            <ac:spMk id="41" creationId="{C102D107-AC2C-4A2A-AEB5-E9FCF73ED5E8}"/>
+          </ac:spMkLst>
+        </pc:spChg>
+        <pc:spChg chg="mod">
+          <ac:chgData name="zur bonsen georg" userId="5444515566c7376a" providerId="LiveId" clId="{E2A072EC-0FB7-4427-8947-EFC664D98567}" dt="2022-04-28T20:51:14.364" v="2753" actId="1038"/>
+          <ac:spMkLst>
+            <pc:docMk/>
+            <pc:sldMk cId="2861172724" sldId="519"/>
+            <ac:spMk id="42" creationId="{B932074D-067C-43AF-93B1-B237A140835C}"/>
+          </ac:spMkLst>
+        </pc:spChg>
+        <pc:spChg chg="mod">
+          <ac:chgData name="zur bonsen georg" userId="5444515566c7376a" providerId="LiveId" clId="{E2A072EC-0FB7-4427-8947-EFC664D98567}" dt="2022-04-28T20:51:26.189" v="2755" actId="14100"/>
+          <ac:spMkLst>
+            <pc:docMk/>
+            <pc:sldMk cId="2861172724" sldId="519"/>
+            <ac:spMk id="43" creationId="{2C58D9B2-1600-472D-9EDB-E447A2895348}"/>
+          </ac:spMkLst>
+        </pc:spChg>
+        <pc:spChg chg="add mod">
+          <ac:chgData name="zur bonsen georg" userId="5444515566c7376a" providerId="LiveId" clId="{E2A072EC-0FB7-4427-8947-EFC664D98567}" dt="2022-04-28T20:41:25.968" v="2080" actId="1036"/>
+          <ac:spMkLst>
+            <pc:docMk/>
+            <pc:sldMk cId="2861172724" sldId="519"/>
+            <ac:spMk id="44" creationId="{98F1BC49-9E54-4CA1-B86F-0834FD8DB1F9}"/>
+          </ac:spMkLst>
+        </pc:spChg>
+        <pc:spChg chg="add del mod">
+          <ac:chgData name="zur bonsen georg" userId="5444515566c7376a" providerId="LiveId" clId="{E2A072EC-0FB7-4427-8947-EFC664D98567}" dt="2022-04-28T20:41:01.770" v="2031" actId="478"/>
+          <ac:spMkLst>
+            <pc:docMk/>
+            <pc:sldMk cId="2861172724" sldId="519"/>
+            <ac:spMk id="45" creationId="{30EA902D-5561-4BE0-8034-C41809E8C76E}"/>
+          </ac:spMkLst>
+        </pc:spChg>
+        <pc:spChg chg="add del mod">
+          <ac:chgData name="zur bonsen georg" userId="5444515566c7376a" providerId="LiveId" clId="{E2A072EC-0FB7-4427-8947-EFC664D98567}" dt="2022-04-28T20:41:01.770" v="2031" actId="478"/>
+          <ac:spMkLst>
+            <pc:docMk/>
+            <pc:sldMk cId="2861172724" sldId="519"/>
+            <ac:spMk id="46" creationId="{77EAA352-5D57-4E5B-A0F8-887A29E73D21}"/>
+          </ac:spMkLst>
+        </pc:spChg>
+        <pc:spChg chg="add del mod">
+          <ac:chgData name="zur bonsen georg" userId="5444515566c7376a" providerId="LiveId" clId="{E2A072EC-0FB7-4427-8947-EFC664D98567}" dt="2022-04-28T20:41:01.770" v="2031" actId="478"/>
+          <ac:spMkLst>
+            <pc:docMk/>
+            <pc:sldMk cId="2861172724" sldId="519"/>
+            <ac:spMk id="47" creationId="{46BCA234-7411-4E1A-A74A-3AC71D23D0A2}"/>
+          </ac:spMkLst>
+        </pc:spChg>
+        <pc:spChg chg="add mod">
+          <ac:chgData name="zur bonsen georg" userId="5444515566c7376a" providerId="LiveId" clId="{E2A072EC-0FB7-4427-8947-EFC664D98567}" dt="2022-04-28T20:41:22.765" v="2078" actId="20577"/>
+          <ac:spMkLst>
+            <pc:docMk/>
+            <pc:sldMk cId="2861172724" sldId="519"/>
+            <ac:spMk id="48" creationId="{393BE86C-1DA9-4491-8FE5-9277FD7327D9}"/>
+          </ac:spMkLst>
+        </pc:spChg>
+        <pc:spChg chg="add mod">
+          <ac:chgData name="zur bonsen georg" userId="5444515566c7376a" providerId="LiveId" clId="{E2A072EC-0FB7-4427-8947-EFC664D98567}" dt="2022-04-28T20:48:01.885" v="2617" actId="1035"/>
+          <ac:spMkLst>
+            <pc:docMk/>
+            <pc:sldMk cId="2861172724" sldId="519"/>
+            <ac:spMk id="50" creationId="{404D6F9A-AC80-478E-8A96-469F635A0846}"/>
+          </ac:spMkLst>
+        </pc:spChg>
+        <pc:spChg chg="add mod">
+          <ac:chgData name="zur bonsen georg" userId="5444515566c7376a" providerId="LiveId" clId="{E2A072EC-0FB7-4427-8947-EFC664D98567}" dt="2022-04-28T20:49:00.481" v="2658" actId="3064"/>
+          <ac:spMkLst>
+            <pc:docMk/>
+            <pc:sldMk cId="2861172724" sldId="519"/>
+            <ac:spMk id="52" creationId="{CF028108-C974-458B-8714-88B7CED808B9}"/>
+          </ac:spMkLst>
+        </pc:spChg>
+        <pc:spChg chg="add mod">
+          <ac:chgData name="zur bonsen georg" userId="5444515566c7376a" providerId="LiveId" clId="{E2A072EC-0FB7-4427-8947-EFC664D98567}" dt="2022-04-28T20:48:01.885" v="2617" actId="1035"/>
+          <ac:spMkLst>
+            <pc:docMk/>
+            <pc:sldMk cId="2861172724" sldId="519"/>
+            <ac:spMk id="53" creationId="{2745ABA7-A96C-4543-9EC8-5A3ECCC6BD67}"/>
+          </ac:spMkLst>
+        </pc:spChg>
+        <pc:spChg chg="add mod">
+          <ac:chgData name="zur bonsen georg" userId="5444515566c7376a" providerId="LiveId" clId="{E2A072EC-0FB7-4427-8947-EFC664D98567}" dt="2022-04-28T20:48:01.885" v="2617" actId="1035"/>
+          <ac:spMkLst>
+            <pc:docMk/>
+            <pc:sldMk cId="2861172724" sldId="519"/>
+            <ac:spMk id="54" creationId="{013AB289-B3AD-4B21-82C7-CCE1AE3F95C1}"/>
+          </ac:spMkLst>
+        </pc:spChg>
+        <pc:spChg chg="add mod">
+          <ac:chgData name="zur bonsen georg" userId="5444515566c7376a" providerId="LiveId" clId="{E2A072EC-0FB7-4427-8947-EFC664D98567}" dt="2022-04-28T20:48:01.885" v="2617" actId="1035"/>
+          <ac:spMkLst>
+            <pc:docMk/>
+            <pc:sldMk cId="2861172724" sldId="519"/>
+            <ac:spMk id="55" creationId="{86A117CE-8D65-45D6-BE99-E8A59E0658B3}"/>
+          </ac:spMkLst>
+        </pc:spChg>
+        <pc:spChg chg="add mod">
+          <ac:chgData name="zur bonsen georg" userId="5444515566c7376a" providerId="LiveId" clId="{E2A072EC-0FB7-4427-8947-EFC664D98567}" dt="2022-04-28T20:48:01.885" v="2617" actId="1035"/>
+          <ac:spMkLst>
+            <pc:docMk/>
+            <pc:sldMk cId="2861172724" sldId="519"/>
+            <ac:spMk id="56" creationId="{180BB475-342C-40EF-8BCF-F148A9D1599C}"/>
+          </ac:spMkLst>
+        </pc:spChg>
+        <pc:spChg chg="add mod">
+          <ac:chgData name="zur bonsen georg" userId="5444515566c7376a" providerId="LiveId" clId="{E2A072EC-0FB7-4427-8947-EFC664D98567}" dt="2022-04-28T20:48:01.885" v="2617" actId="1035"/>
+          <ac:spMkLst>
+            <pc:docMk/>
+            <pc:sldMk cId="2861172724" sldId="519"/>
+            <ac:spMk id="57" creationId="{E667EC6D-6DCD-4AB3-B90A-0FCD10A11073}"/>
+          </ac:spMkLst>
+        </pc:spChg>
+        <pc:spChg chg="add mod">
+          <ac:chgData name="zur bonsen georg" userId="5444515566c7376a" providerId="LiveId" clId="{E2A072EC-0FB7-4427-8947-EFC664D98567}" dt="2022-04-28T20:48:01.885" v="2617" actId="1035"/>
+          <ac:spMkLst>
+            <pc:docMk/>
+            <pc:sldMk cId="2861172724" sldId="519"/>
+            <ac:spMk id="58" creationId="{1CC6180C-3F42-43D4-9497-7A1BC9DCCF9C}"/>
+          </ac:spMkLst>
+        </pc:spChg>
+        <pc:spChg chg="add mod">
+          <ac:chgData name="zur bonsen georg" userId="5444515566c7376a" providerId="LiveId" clId="{E2A072EC-0FB7-4427-8947-EFC664D98567}" dt="2022-04-28T20:48:01.885" v="2617" actId="1035"/>
+          <ac:spMkLst>
+            <pc:docMk/>
+            <pc:sldMk cId="2861172724" sldId="519"/>
+            <ac:spMk id="59" creationId="{9E29CA85-1321-4BC7-8736-835DD35D09D4}"/>
+          </ac:spMkLst>
+        </pc:spChg>
+        <pc:spChg chg="add mod">
+          <ac:chgData name="zur bonsen georg" userId="5444515566c7376a" providerId="LiveId" clId="{E2A072EC-0FB7-4427-8947-EFC664D98567}" dt="2022-04-28T20:48:01.885" v="2617" actId="1035"/>
+          <ac:spMkLst>
+            <pc:docMk/>
+            <pc:sldMk cId="2861172724" sldId="519"/>
+            <ac:spMk id="60" creationId="{70A49876-1B33-4FB6-BDC4-5277645C4D9D}"/>
+          </ac:spMkLst>
+        </pc:spChg>
+        <pc:spChg chg="add mod">
+          <ac:chgData name="zur bonsen georg" userId="5444515566c7376a" providerId="LiveId" clId="{E2A072EC-0FB7-4427-8947-EFC664D98567}" dt="2022-04-28T20:45:25.345" v="2426" actId="14100"/>
+          <ac:spMkLst>
+            <pc:docMk/>
+            <pc:sldMk cId="2861172724" sldId="519"/>
+            <ac:spMk id="61" creationId="{97FE9405-725B-4C55-B9FF-F048A0A8C757}"/>
+          </ac:spMkLst>
+        </pc:spChg>
+        <pc:spChg chg="add mod">
+          <ac:chgData name="zur bonsen georg" userId="5444515566c7376a" providerId="LiveId" clId="{E2A072EC-0FB7-4427-8947-EFC664D98567}" dt="2022-04-28T20:48:01.885" v="2617" actId="1035"/>
+          <ac:spMkLst>
+            <pc:docMk/>
+            <pc:sldMk cId="2861172724" sldId="519"/>
+            <ac:spMk id="62" creationId="{6C1F77D3-2357-488C-85CF-10825BA03509}"/>
+          </ac:spMkLst>
+        </pc:spChg>
+        <pc:cxnChg chg="add mod">
+          <ac:chgData name="zur bonsen georg" userId="5444515566c7376a" providerId="LiveId" clId="{E2A072EC-0FB7-4427-8947-EFC664D98567}" dt="2022-04-28T20:41:16.766" v="2057" actId="1035"/>
+          <ac:cxnSpMkLst>
+            <pc:docMk/>
+            <pc:sldMk cId="2861172724" sldId="519"/>
+            <ac:cxnSpMk id="49" creationId="{562CEA4B-1124-4566-9FF8-27356E005006}"/>
+          </ac:cxnSpMkLst>
+        </pc:cxnChg>
+        <pc:cxnChg chg="add mod">
+          <ac:chgData name="zur bonsen georg" userId="5444515566c7376a" providerId="LiveId" clId="{E2A072EC-0FB7-4427-8947-EFC664D98567}" dt="2022-04-28T20:48:01.885" v="2617" actId="1035"/>
+          <ac:cxnSpMkLst>
+            <pc:docMk/>
+            <pc:sldMk cId="2861172724" sldId="519"/>
+            <ac:cxnSpMk id="51" creationId="{A2F9330D-3E09-419A-9CD9-63E0FFE57019}"/>
           </ac:cxnSpMkLst>
         </pc:cxnChg>
       </pc:sldChg>
@@ -11282,7 +12655,7 @@
             <a:fld id="{834441DC-6262-4676-8089-739DE20D1D3B}" type="datetimeFigureOut">
               <a:rPr lang="en-CA" smtClean="0"/>
               <a:pPr/>
-              <a:t>2022-04-24</a:t>
+              <a:t>2022-04-28</a:t>
             </a:fld>
             <a:endParaRPr lang="en-CA"/>
           </a:p>
@@ -11635,6 +13008,91 @@
 </p:notes>
 </file>
 
+<file path=ppt/notesSlides/notesSlide10.xml><?xml version="1.0" encoding="utf-8"?>
+<p:notes xmlns:a="http://schemas.openxmlformats.org/drawingml/2006/main" xmlns:r="http://schemas.openxmlformats.org/officeDocument/2006/relationships" xmlns:p="http://schemas.openxmlformats.org/presentationml/2006/main">
+  <p:cSld>
+    <p:spTree>
+      <p:nvGrpSpPr>
+        <p:cNvPr id="1" name=""/>
+        <p:cNvGrpSpPr/>
+        <p:nvPr/>
+      </p:nvGrpSpPr>
+      <p:grpSpPr>
+        <a:xfrm>
+          <a:off x="0" y="0"/>
+          <a:ext cx="0" cy="0"/>
+          <a:chOff x="0" y="0"/>
+          <a:chExt cx="0" cy="0"/>
+        </a:xfrm>
+      </p:grpSpPr>
+      <p:sp>
+        <p:nvSpPr>
+          <p:cNvPr id="2" name="Folienbildplatzhalter 1"/>
+          <p:cNvSpPr>
+            <a:spLocks noGrp="1" noRot="1" noChangeAspect="1"/>
+          </p:cNvSpPr>
+          <p:nvPr>
+            <p:ph type="sldImg"/>
+          </p:nvPr>
+        </p:nvSpPr>
+        <p:spPr/>
+      </p:sp>
+      <p:sp>
+        <p:nvSpPr>
+          <p:cNvPr id="3" name="Notizenplatzhalter 2"/>
+          <p:cNvSpPr>
+            <a:spLocks noGrp="1"/>
+          </p:cNvSpPr>
+          <p:nvPr>
+            <p:ph type="body" idx="1"/>
+          </p:nvPr>
+        </p:nvSpPr>
+        <p:spPr/>
+        <p:txBody>
+          <a:bodyPr/>
+          <a:lstStyle/>
+          <a:p>
+            <a:endParaRPr lang="en-US" dirty="0"/>
+          </a:p>
+        </p:txBody>
+      </p:sp>
+      <p:sp>
+        <p:nvSpPr>
+          <p:cNvPr id="4" name="Foliennummernplatzhalter 3"/>
+          <p:cNvSpPr>
+            <a:spLocks noGrp="1"/>
+          </p:cNvSpPr>
+          <p:nvPr>
+            <p:ph type="sldNum" sz="quarter" idx="10"/>
+          </p:nvPr>
+        </p:nvSpPr>
+        <p:spPr/>
+        <p:txBody>
+          <a:bodyPr/>
+          <a:lstStyle/>
+          <a:p>
+            <a:fld id="{C9E63B0C-45FA-42EB-8101-A2B8393445D8}" type="slidenum">
+              <a:rPr lang="en-CA" smtClean="0"/>
+              <a:pPr/>
+              <a:t>12</a:t>
+            </a:fld>
+            <a:endParaRPr lang="en-CA"/>
+          </a:p>
+        </p:txBody>
+      </p:sp>
+    </p:spTree>
+    <p:extLst>
+      <p:ext uri="{BB962C8B-B14F-4D97-AF65-F5344CB8AC3E}">
+        <p14:creationId xmlns:p14="http://schemas.microsoft.com/office/powerpoint/2010/main" val="383511035"/>
+      </p:ext>
+    </p:extLst>
+  </p:cSld>
+  <p:clrMapOvr>
+    <a:masterClrMapping/>
+  </p:clrMapOvr>
+</p:notes>
+</file>
+
 <file path=ppt/notesSlides/notesSlide2.xml><?xml version="1.0" encoding="utf-8"?>
 <p:notes xmlns:a="http://schemas.openxmlformats.org/drawingml/2006/main" xmlns:r="http://schemas.openxmlformats.org/officeDocument/2006/relationships" xmlns:p="http://schemas.openxmlformats.org/presentationml/2006/main">
   <p:cSld>
@@ -12220,7 +13678,7 @@
     </p:spTree>
     <p:extLst>
       <p:ext uri="{BB962C8B-B14F-4D97-AF65-F5344CB8AC3E}">
-        <p14:creationId xmlns:p14="http://schemas.microsoft.com/office/powerpoint/2010/main" val="3685035251"/>
+        <p14:creationId xmlns:p14="http://schemas.microsoft.com/office/powerpoint/2010/main" val="1429976482"/>
       </p:ext>
     </p:extLst>
   </p:cSld>
@@ -12305,7 +13763,7 @@
     </p:spTree>
     <p:extLst>
       <p:ext uri="{BB962C8B-B14F-4D97-AF65-F5344CB8AC3E}">
-        <p14:creationId xmlns:p14="http://schemas.microsoft.com/office/powerpoint/2010/main" val="383511035"/>
+        <p14:creationId xmlns:p14="http://schemas.microsoft.com/office/powerpoint/2010/main" val="3685035251"/>
       </p:ext>
     </p:extLst>
   </p:cSld>
@@ -14818,6 +16276,2735 @@
           <a:lstStyle/>
           <a:p>
             <a:r>
+              <a:rPr lang="en-US" dirty="0"/>
+              <a:t>Functions Overview</a:t>
+            </a:r>
+            <a:br>
+              <a:rPr lang="en-US" dirty="0"/>
+            </a:br>
+            <a:r>
+              <a:rPr lang="en-US" sz="1200" dirty="0">
+                <a:solidFill>
+                  <a:schemeClr val="tx1"/>
+                </a:solidFill>
+              </a:rPr>
+              <a:t>LAN_Transactions.png</a:t>
+            </a:r>
+            <a:br>
+              <a:rPr lang="en-US" dirty="0"/>
+            </a:br>
+            <a:endParaRPr lang="en-US" dirty="0"/>
+          </a:p>
+        </p:txBody>
+      </p:sp>
+      <p:cxnSp>
+        <p:nvCxnSpPr>
+          <p:cNvPr id="63" name="Gerade Verbindung mit Pfeil 62">
+            <a:extLst>
+              <a:ext uri="{FF2B5EF4-FFF2-40B4-BE49-F238E27FC236}">
+                <a16:creationId xmlns:a16="http://schemas.microsoft.com/office/drawing/2014/main" id="{EFBFE234-A777-42B3-B97B-9C4B44000D41}"/>
+              </a:ext>
+            </a:extLst>
+          </p:cNvPr>
+          <p:cNvCxnSpPr>
+            <a:cxnSpLocks/>
+          </p:cNvCxnSpPr>
+          <p:nvPr/>
+        </p:nvCxnSpPr>
+        <p:spPr>
+          <a:xfrm>
+            <a:off x="684000" y="1485000"/>
+            <a:ext cx="7056000" cy="0"/>
+          </a:xfrm>
+          <a:prstGeom prst="straightConnector1">
+            <a:avLst/>
+          </a:prstGeom>
+          <a:ln>
+            <a:tailEnd type="triangle"/>
+          </a:ln>
+        </p:spPr>
+        <p:style>
+          <a:lnRef idx="1">
+            <a:schemeClr val="accent1"/>
+          </a:lnRef>
+          <a:fillRef idx="0">
+            <a:schemeClr val="accent1"/>
+          </a:fillRef>
+          <a:effectRef idx="0">
+            <a:schemeClr val="accent1"/>
+          </a:effectRef>
+          <a:fontRef idx="minor">
+            <a:schemeClr val="tx1"/>
+          </a:fontRef>
+        </p:style>
+      </p:cxnSp>
+      <p:sp>
+        <p:nvSpPr>
+          <p:cNvPr id="18" name="Rechteck 17">
+            <a:extLst>
+              <a:ext uri="{FF2B5EF4-FFF2-40B4-BE49-F238E27FC236}">
+                <a16:creationId xmlns:a16="http://schemas.microsoft.com/office/drawing/2014/main" id="{CD6ABD94-E5B6-4FE1-919E-4A756D0BE67A}"/>
+              </a:ext>
+            </a:extLst>
+          </p:cNvPr>
+          <p:cNvSpPr/>
+          <p:nvPr/>
+        </p:nvSpPr>
+        <p:spPr>
+          <a:xfrm>
+            <a:off x="396000" y="765000"/>
+            <a:ext cx="2160000" cy="432000"/>
+          </a:xfrm>
+          <a:prstGeom prst="rect">
+            <a:avLst/>
+          </a:prstGeom>
+          <a:solidFill>
+            <a:srgbClr val="B7B7FF"/>
+          </a:solidFill>
+          <a:ln w="9525">
+            <a:noFill/>
+          </a:ln>
+        </p:spPr>
+        <p:style>
+          <a:lnRef idx="2">
+            <a:schemeClr val="accent1">
+              <a:shade val="50000"/>
+            </a:schemeClr>
+          </a:lnRef>
+          <a:fillRef idx="1">
+            <a:schemeClr val="accent1"/>
+          </a:fillRef>
+          <a:effectRef idx="0">
+            <a:schemeClr val="accent1"/>
+          </a:effectRef>
+          <a:fontRef idx="minor">
+            <a:schemeClr val="lt1"/>
+          </a:fontRef>
+        </p:style>
+        <p:txBody>
+          <a:bodyPr wrap="none" lIns="36000" tIns="36000" rIns="36000" bIns="36000" rtlCol="0" anchor="t" anchorCtr="0"/>
+          <a:lstStyle/>
+          <a:p>
+            <a:pPr algn="ctr"/>
+            <a:r>
+              <a:rPr lang="en-US" sz="1200" b="1" dirty="0">
+                <a:solidFill>
+                  <a:schemeClr val="tx1"/>
+                </a:solidFill>
+              </a:rPr>
+              <a:t>Transaction</a:t>
+            </a:r>
+          </a:p>
+        </p:txBody>
+      </p:sp>
+      <p:sp>
+        <p:nvSpPr>
+          <p:cNvPr id="20" name="Rechteck 19">
+            <a:extLst>
+              <a:ext uri="{FF2B5EF4-FFF2-40B4-BE49-F238E27FC236}">
+                <a16:creationId xmlns:a16="http://schemas.microsoft.com/office/drawing/2014/main" id="{0ACD5D2F-9466-46C2-BE68-FB771B55134F}"/>
+              </a:ext>
+            </a:extLst>
+          </p:cNvPr>
+          <p:cNvSpPr/>
+          <p:nvPr/>
+        </p:nvSpPr>
+        <p:spPr>
+          <a:xfrm>
+            <a:off x="396000" y="1629000"/>
+            <a:ext cx="2160000" cy="432000"/>
+          </a:xfrm>
+          <a:prstGeom prst="rect">
+            <a:avLst/>
+          </a:prstGeom>
+          <a:solidFill>
+            <a:srgbClr val="CCCCFF"/>
+          </a:solidFill>
+          <a:ln w="9525">
+            <a:noFill/>
+          </a:ln>
+        </p:spPr>
+        <p:style>
+          <a:lnRef idx="2">
+            <a:schemeClr val="accent1">
+              <a:shade val="50000"/>
+            </a:schemeClr>
+          </a:lnRef>
+          <a:fillRef idx="1">
+            <a:schemeClr val="accent1"/>
+          </a:fillRef>
+          <a:effectRef idx="0">
+            <a:schemeClr val="accent1"/>
+          </a:effectRef>
+          <a:fontRef idx="minor">
+            <a:schemeClr val="lt1"/>
+          </a:fontRef>
+        </p:style>
+        <p:txBody>
+          <a:bodyPr wrap="none" lIns="36000" tIns="36000" rIns="36000" bIns="36000" rtlCol="0" anchor="t" anchorCtr="0"/>
+          <a:lstStyle/>
+          <a:p>
+            <a:pPr algn="ctr"/>
+            <a:r>
+              <a:rPr lang="en-US" sz="1200" b="1" dirty="0">
+                <a:solidFill>
+                  <a:schemeClr val="tx1"/>
+                </a:solidFill>
+              </a:rPr>
+              <a:t>LHS Expression</a:t>
+            </a:r>
+          </a:p>
+          <a:p>
+            <a:pPr algn="ctr"/>
+            <a:r>
+              <a:rPr lang="en-US" sz="1200" dirty="0">
+                <a:solidFill>
+                  <a:schemeClr val="tx1"/>
+                </a:solidFill>
+              </a:rPr>
+              <a:t>(Left-Hand Side)</a:t>
+            </a:r>
+          </a:p>
+        </p:txBody>
+      </p:sp>
+      <p:sp>
+        <p:nvSpPr>
+          <p:cNvPr id="21" name="Rechteck 20">
+            <a:extLst>
+              <a:ext uri="{FF2B5EF4-FFF2-40B4-BE49-F238E27FC236}">
+                <a16:creationId xmlns:a16="http://schemas.microsoft.com/office/drawing/2014/main" id="{4A5C35A6-C202-4799-87C1-FEC2A6E6E514}"/>
+              </a:ext>
+            </a:extLst>
+          </p:cNvPr>
+          <p:cNvSpPr/>
+          <p:nvPr/>
+        </p:nvSpPr>
+        <p:spPr>
+          <a:xfrm>
+            <a:off x="2988000" y="1629000"/>
+            <a:ext cx="2160000" cy="432000"/>
+          </a:xfrm>
+          <a:prstGeom prst="rect">
+            <a:avLst/>
+          </a:prstGeom>
+          <a:solidFill>
+            <a:srgbClr val="CCCCFF"/>
+          </a:solidFill>
+          <a:ln w="9525">
+            <a:noFill/>
+          </a:ln>
+        </p:spPr>
+        <p:style>
+          <a:lnRef idx="2">
+            <a:schemeClr val="accent1">
+              <a:shade val="50000"/>
+            </a:schemeClr>
+          </a:lnRef>
+          <a:fillRef idx="1">
+            <a:schemeClr val="accent1"/>
+          </a:fillRef>
+          <a:effectRef idx="0">
+            <a:schemeClr val="accent1"/>
+          </a:effectRef>
+          <a:fontRef idx="minor">
+            <a:schemeClr val="lt1"/>
+          </a:fontRef>
+        </p:style>
+        <p:txBody>
+          <a:bodyPr wrap="none" lIns="36000" tIns="36000" rIns="36000" bIns="36000" rtlCol="0" anchor="t" anchorCtr="0"/>
+          <a:lstStyle/>
+          <a:p>
+            <a:pPr algn="ctr"/>
+            <a:r>
+              <a:rPr lang="en-US" sz="1200" b="1" dirty="0">
+                <a:solidFill>
+                  <a:schemeClr val="tx1"/>
+                </a:solidFill>
+              </a:rPr>
+              <a:t>Transaction Symbol</a:t>
+            </a:r>
+          </a:p>
+        </p:txBody>
+      </p:sp>
+      <p:sp>
+        <p:nvSpPr>
+          <p:cNvPr id="22" name="Rechteck 21">
+            <a:extLst>
+              <a:ext uri="{FF2B5EF4-FFF2-40B4-BE49-F238E27FC236}">
+                <a16:creationId xmlns:a16="http://schemas.microsoft.com/office/drawing/2014/main" id="{6FE43969-344E-4790-ADCE-A2BB49BADBBE}"/>
+              </a:ext>
+            </a:extLst>
+          </p:cNvPr>
+          <p:cNvSpPr/>
+          <p:nvPr/>
+        </p:nvSpPr>
+        <p:spPr>
+          <a:xfrm>
+            <a:off x="5580000" y="1629000"/>
+            <a:ext cx="2160000" cy="432000"/>
+          </a:xfrm>
+          <a:prstGeom prst="rect">
+            <a:avLst/>
+          </a:prstGeom>
+          <a:solidFill>
+            <a:srgbClr val="CCCCFF"/>
+          </a:solidFill>
+          <a:ln w="9525">
+            <a:noFill/>
+          </a:ln>
+        </p:spPr>
+        <p:style>
+          <a:lnRef idx="2">
+            <a:schemeClr val="accent1">
+              <a:shade val="50000"/>
+            </a:schemeClr>
+          </a:lnRef>
+          <a:fillRef idx="1">
+            <a:schemeClr val="accent1"/>
+          </a:fillRef>
+          <a:effectRef idx="0">
+            <a:schemeClr val="accent1"/>
+          </a:effectRef>
+          <a:fontRef idx="minor">
+            <a:schemeClr val="lt1"/>
+          </a:fontRef>
+        </p:style>
+        <p:txBody>
+          <a:bodyPr wrap="none" lIns="36000" tIns="36000" rIns="36000" bIns="36000" rtlCol="0" anchor="t" anchorCtr="0"/>
+          <a:lstStyle/>
+          <a:p>
+            <a:pPr algn="ctr"/>
+            <a:r>
+              <a:rPr lang="en-US" sz="1200" b="1" dirty="0">
+                <a:solidFill>
+                  <a:schemeClr val="tx1"/>
+                </a:solidFill>
+              </a:rPr>
+              <a:t>LHS Expression</a:t>
+            </a:r>
+          </a:p>
+          <a:p>
+            <a:pPr algn="ctr"/>
+            <a:r>
+              <a:rPr lang="en-US" sz="1200" dirty="0">
+                <a:solidFill>
+                  <a:schemeClr val="tx1"/>
+                </a:solidFill>
+              </a:rPr>
+              <a:t>(Left-Hand Side again)</a:t>
+            </a:r>
+          </a:p>
+        </p:txBody>
+      </p:sp>
+      <p:cxnSp>
+        <p:nvCxnSpPr>
+          <p:cNvPr id="23" name="Gerade Verbindung mit Pfeil 22">
+            <a:extLst>
+              <a:ext uri="{FF2B5EF4-FFF2-40B4-BE49-F238E27FC236}">
+                <a16:creationId xmlns:a16="http://schemas.microsoft.com/office/drawing/2014/main" id="{DC3BDD63-8417-4E77-8ABA-29991766C581}"/>
+              </a:ext>
+            </a:extLst>
+          </p:cNvPr>
+          <p:cNvCxnSpPr>
+            <a:cxnSpLocks/>
+          </p:cNvCxnSpPr>
+          <p:nvPr/>
+        </p:nvCxnSpPr>
+        <p:spPr>
+          <a:xfrm>
+            <a:off x="684000" y="1197000"/>
+            <a:ext cx="0" cy="288000"/>
+          </a:xfrm>
+          <a:prstGeom prst="straightConnector1">
+            <a:avLst/>
+          </a:prstGeom>
+          <a:ln>
+            <a:headEnd type="none" w="med" len="med"/>
+            <a:tailEnd type="none" w="med" len="med"/>
+          </a:ln>
+        </p:spPr>
+        <p:style>
+          <a:lnRef idx="1">
+            <a:schemeClr val="accent1"/>
+          </a:lnRef>
+          <a:fillRef idx="0">
+            <a:schemeClr val="accent1"/>
+          </a:fillRef>
+          <a:effectRef idx="0">
+            <a:schemeClr val="accent1"/>
+          </a:effectRef>
+          <a:fontRef idx="minor">
+            <a:schemeClr val="tx1"/>
+          </a:fontRef>
+        </p:style>
+      </p:cxnSp>
+      <p:cxnSp>
+        <p:nvCxnSpPr>
+          <p:cNvPr id="26" name="Gerade Verbindung mit Pfeil 25">
+            <a:extLst>
+              <a:ext uri="{FF2B5EF4-FFF2-40B4-BE49-F238E27FC236}">
+                <a16:creationId xmlns:a16="http://schemas.microsoft.com/office/drawing/2014/main" id="{08278BCF-5D50-463B-9BFF-7F810B6E2EE0}"/>
+              </a:ext>
+            </a:extLst>
+          </p:cNvPr>
+          <p:cNvCxnSpPr>
+            <a:cxnSpLocks/>
+            <a:endCxn id="21" idx="1"/>
+          </p:cNvCxnSpPr>
+          <p:nvPr/>
+        </p:nvCxnSpPr>
+        <p:spPr>
+          <a:xfrm>
+            <a:off x="2556000" y="1845000"/>
+            <a:ext cx="432000" cy="0"/>
+          </a:xfrm>
+          <a:prstGeom prst="straightConnector1">
+            <a:avLst/>
+          </a:prstGeom>
+          <a:ln>
+            <a:tailEnd type="triangle"/>
+          </a:ln>
+        </p:spPr>
+        <p:style>
+          <a:lnRef idx="1">
+            <a:schemeClr val="accent1"/>
+          </a:lnRef>
+          <a:fillRef idx="0">
+            <a:schemeClr val="accent1"/>
+          </a:fillRef>
+          <a:effectRef idx="0">
+            <a:schemeClr val="accent1"/>
+          </a:effectRef>
+          <a:fontRef idx="minor">
+            <a:schemeClr val="tx1"/>
+          </a:fontRef>
+        </p:style>
+      </p:cxnSp>
+      <p:cxnSp>
+        <p:nvCxnSpPr>
+          <p:cNvPr id="28" name="Gerade Verbindung mit Pfeil 27">
+            <a:extLst>
+              <a:ext uri="{FF2B5EF4-FFF2-40B4-BE49-F238E27FC236}">
+                <a16:creationId xmlns:a16="http://schemas.microsoft.com/office/drawing/2014/main" id="{195B627C-358A-4EC7-939A-4B00634E1B10}"/>
+              </a:ext>
+            </a:extLst>
+          </p:cNvPr>
+          <p:cNvCxnSpPr>
+            <a:cxnSpLocks/>
+          </p:cNvCxnSpPr>
+          <p:nvPr/>
+        </p:nvCxnSpPr>
+        <p:spPr>
+          <a:xfrm>
+            <a:off x="5148000" y="1845000"/>
+            <a:ext cx="432000" cy="0"/>
+          </a:xfrm>
+          <a:prstGeom prst="straightConnector1">
+            <a:avLst/>
+          </a:prstGeom>
+          <a:ln>
+            <a:tailEnd type="triangle"/>
+          </a:ln>
+        </p:spPr>
+        <p:style>
+          <a:lnRef idx="1">
+            <a:schemeClr val="accent1"/>
+          </a:lnRef>
+          <a:fillRef idx="0">
+            <a:schemeClr val="accent1"/>
+          </a:fillRef>
+          <a:effectRef idx="0">
+            <a:schemeClr val="accent1"/>
+          </a:effectRef>
+          <a:fontRef idx="minor">
+            <a:schemeClr val="tx1"/>
+          </a:fontRef>
+        </p:style>
+      </p:cxnSp>
+      <p:sp>
+        <p:nvSpPr>
+          <p:cNvPr id="31" name="Rechteck 30">
+            <a:extLst>
+              <a:ext uri="{FF2B5EF4-FFF2-40B4-BE49-F238E27FC236}">
+                <a16:creationId xmlns:a16="http://schemas.microsoft.com/office/drawing/2014/main" id="{226E8BC4-EB97-4613-B3B1-2871B43C7114}"/>
+              </a:ext>
+            </a:extLst>
+          </p:cNvPr>
+          <p:cNvSpPr/>
+          <p:nvPr/>
+        </p:nvSpPr>
+        <p:spPr>
+          <a:xfrm>
+            <a:off x="756000" y="1197000"/>
+            <a:ext cx="2232000" cy="216000"/>
+          </a:xfrm>
+          <a:prstGeom prst="rect">
+            <a:avLst/>
+          </a:prstGeom>
+          <a:noFill/>
+          <a:ln w="9525">
+            <a:noFill/>
+          </a:ln>
+        </p:spPr>
+        <p:style>
+          <a:lnRef idx="2">
+            <a:schemeClr val="accent1">
+              <a:shade val="50000"/>
+            </a:schemeClr>
+          </a:lnRef>
+          <a:fillRef idx="1">
+            <a:schemeClr val="accent1"/>
+          </a:fillRef>
+          <a:effectRef idx="0">
+            <a:schemeClr val="accent1"/>
+          </a:effectRef>
+          <a:fontRef idx="minor">
+            <a:schemeClr val="lt1"/>
+          </a:fontRef>
+        </p:style>
+        <p:txBody>
+          <a:bodyPr wrap="none" lIns="36000" tIns="36000" rIns="36000" bIns="36000" rtlCol="0" anchor="t" anchorCtr="0"/>
+          <a:lstStyle/>
+          <a:p>
+            <a:r>
+              <a:rPr lang="en-US" sz="1000" dirty="0">
+                <a:solidFill>
+                  <a:schemeClr val="tx1"/>
+                </a:solidFill>
+              </a:rPr>
+              <a:t>Transactions consist of the following sequence</a:t>
+            </a:r>
+          </a:p>
+        </p:txBody>
+      </p:sp>
+      <p:sp>
+        <p:nvSpPr>
+          <p:cNvPr id="34" name="Rechteck 33">
+            <a:extLst>
+              <a:ext uri="{FF2B5EF4-FFF2-40B4-BE49-F238E27FC236}">
+                <a16:creationId xmlns:a16="http://schemas.microsoft.com/office/drawing/2014/main" id="{589D22FF-67D3-4B5B-8976-2F25CC8CFF72}"/>
+              </a:ext>
+            </a:extLst>
+          </p:cNvPr>
+          <p:cNvSpPr/>
+          <p:nvPr/>
+        </p:nvSpPr>
+        <p:spPr>
+          <a:xfrm>
+            <a:off x="396000" y="2061000"/>
+            <a:ext cx="2160000" cy="360000"/>
+          </a:xfrm>
+          <a:prstGeom prst="rect">
+            <a:avLst/>
+          </a:prstGeom>
+          <a:noFill/>
+          <a:ln w="9525">
+            <a:noFill/>
+          </a:ln>
+        </p:spPr>
+        <p:style>
+          <a:lnRef idx="2">
+            <a:schemeClr val="accent1">
+              <a:shade val="50000"/>
+            </a:schemeClr>
+          </a:lnRef>
+          <a:fillRef idx="1">
+            <a:schemeClr val="accent1"/>
+          </a:fillRef>
+          <a:effectRef idx="0">
+            <a:schemeClr val="accent1"/>
+          </a:effectRef>
+          <a:fontRef idx="minor">
+            <a:schemeClr val="lt1"/>
+          </a:fontRef>
+        </p:style>
+        <p:txBody>
+          <a:bodyPr wrap="none" lIns="36000" tIns="36000" rIns="36000" bIns="36000" rtlCol="0" anchor="t" anchorCtr="0"/>
+          <a:lstStyle/>
+          <a:p>
+            <a:r>
+              <a:rPr lang="en-US" sz="1000" dirty="0">
+                <a:solidFill>
+                  <a:schemeClr val="tx1"/>
+                </a:solidFill>
+              </a:rPr>
+              <a:t>Expression to specify a</a:t>
+            </a:r>
+            <a:br>
+              <a:rPr lang="en-US" sz="1000" dirty="0">
+                <a:solidFill>
+                  <a:schemeClr val="tx1"/>
+                </a:solidFill>
+              </a:rPr>
+            </a:br>
+            <a:r>
+              <a:rPr lang="en-US" sz="1000" dirty="0">
+                <a:solidFill>
+                  <a:schemeClr val="tx1"/>
+                </a:solidFill>
+              </a:rPr>
+              <a:t>variable or table entry</a:t>
+            </a:r>
+          </a:p>
+        </p:txBody>
+      </p:sp>
+      <p:sp>
+        <p:nvSpPr>
+          <p:cNvPr id="36" name="Rechteck 35">
+            <a:extLst>
+              <a:ext uri="{FF2B5EF4-FFF2-40B4-BE49-F238E27FC236}">
+                <a16:creationId xmlns:a16="http://schemas.microsoft.com/office/drawing/2014/main" id="{C2977F68-7F4D-4C9E-8588-62C40CEE4B1D}"/>
+              </a:ext>
+            </a:extLst>
+          </p:cNvPr>
+          <p:cNvSpPr/>
+          <p:nvPr/>
+        </p:nvSpPr>
+        <p:spPr>
+          <a:xfrm>
+            <a:off x="5580000" y="2061000"/>
+            <a:ext cx="2160000" cy="360000"/>
+          </a:xfrm>
+          <a:prstGeom prst="rect">
+            <a:avLst/>
+          </a:prstGeom>
+          <a:noFill/>
+          <a:ln w="9525">
+            <a:noFill/>
+          </a:ln>
+        </p:spPr>
+        <p:style>
+          <a:lnRef idx="2">
+            <a:schemeClr val="accent1">
+              <a:shade val="50000"/>
+            </a:schemeClr>
+          </a:lnRef>
+          <a:fillRef idx="1">
+            <a:schemeClr val="accent1"/>
+          </a:fillRef>
+          <a:effectRef idx="0">
+            <a:schemeClr val="accent1"/>
+          </a:effectRef>
+          <a:fontRef idx="minor">
+            <a:schemeClr val="lt1"/>
+          </a:fontRef>
+        </p:style>
+        <p:txBody>
+          <a:bodyPr wrap="none" lIns="36000" tIns="36000" rIns="36000" bIns="36000" rtlCol="0" anchor="t" anchorCtr="0"/>
+          <a:lstStyle/>
+          <a:p>
+            <a:r>
+              <a:rPr lang="en-US" sz="1000" dirty="0">
+                <a:solidFill>
+                  <a:schemeClr val="tx1"/>
+                </a:solidFill>
+              </a:rPr>
+              <a:t>Expression to specify, retrieve and/or</a:t>
+            </a:r>
+          </a:p>
+          <a:p>
+            <a:r>
+              <a:rPr lang="en-US" sz="1000" dirty="0">
+                <a:solidFill>
+                  <a:schemeClr val="tx1"/>
+                </a:solidFill>
+              </a:rPr>
+              <a:t>calculate a value</a:t>
+            </a:r>
+          </a:p>
+        </p:txBody>
+      </p:sp>
+      <p:sp>
+        <p:nvSpPr>
+          <p:cNvPr id="38" name="Rechteck 37">
+            <a:extLst>
+              <a:ext uri="{FF2B5EF4-FFF2-40B4-BE49-F238E27FC236}">
+                <a16:creationId xmlns:a16="http://schemas.microsoft.com/office/drawing/2014/main" id="{D99B0301-6E4C-48BF-ACEE-E17BE828AD2F}"/>
+              </a:ext>
+            </a:extLst>
+          </p:cNvPr>
+          <p:cNvSpPr/>
+          <p:nvPr/>
+        </p:nvSpPr>
+        <p:spPr>
+          <a:xfrm>
+            <a:off x="2988000" y="2061000"/>
+            <a:ext cx="2160000" cy="360000"/>
+          </a:xfrm>
+          <a:prstGeom prst="rect">
+            <a:avLst/>
+          </a:prstGeom>
+          <a:noFill/>
+          <a:ln w="9525">
+            <a:noFill/>
+          </a:ln>
+        </p:spPr>
+        <p:style>
+          <a:lnRef idx="2">
+            <a:schemeClr val="accent1">
+              <a:shade val="50000"/>
+            </a:schemeClr>
+          </a:lnRef>
+          <a:fillRef idx="1">
+            <a:schemeClr val="accent1"/>
+          </a:fillRef>
+          <a:effectRef idx="0">
+            <a:schemeClr val="accent1"/>
+          </a:effectRef>
+          <a:fontRef idx="minor">
+            <a:schemeClr val="lt1"/>
+          </a:fontRef>
+        </p:style>
+        <p:txBody>
+          <a:bodyPr wrap="none" lIns="36000" tIns="36000" rIns="36000" bIns="36000" rtlCol="0" anchor="t" anchorCtr="0"/>
+          <a:lstStyle/>
+          <a:p>
+            <a:r>
+              <a:rPr lang="en-US" sz="1000" dirty="0">
+                <a:solidFill>
+                  <a:schemeClr val="tx1"/>
+                </a:solidFill>
+              </a:rPr>
+              <a:t>Simple assignment symbol: </a:t>
+            </a:r>
+            <a:r>
+              <a:rPr lang="en-US" sz="1000" b="1" dirty="0">
+                <a:solidFill>
+                  <a:srgbClr val="0000FF"/>
+                </a:solidFill>
+              </a:rPr>
+              <a:t>&lt;==</a:t>
+            </a:r>
+          </a:p>
+          <a:p>
+            <a:r>
+              <a:rPr lang="en-US" sz="1000" dirty="0">
+                <a:solidFill>
+                  <a:schemeClr val="tx1"/>
+                </a:solidFill>
+              </a:rPr>
+              <a:t>or preceded by a binary operator</a:t>
+            </a:r>
+          </a:p>
+        </p:txBody>
+      </p:sp>
+      <p:sp>
+        <p:nvSpPr>
+          <p:cNvPr id="40" name="Rechteck 39">
+            <a:extLst>
+              <a:ext uri="{FF2B5EF4-FFF2-40B4-BE49-F238E27FC236}">
+                <a16:creationId xmlns:a16="http://schemas.microsoft.com/office/drawing/2014/main" id="{1931DDB2-070E-41B6-AE42-46B74B1FB6F3}"/>
+              </a:ext>
+            </a:extLst>
+          </p:cNvPr>
+          <p:cNvSpPr/>
+          <p:nvPr/>
+        </p:nvSpPr>
+        <p:spPr>
+          <a:xfrm>
+            <a:off x="396000" y="5229000"/>
+            <a:ext cx="2232000" cy="216000"/>
+          </a:xfrm>
+          <a:prstGeom prst="rect">
+            <a:avLst/>
+          </a:prstGeom>
+          <a:noFill/>
+          <a:ln w="9525">
+            <a:noFill/>
+          </a:ln>
+        </p:spPr>
+        <p:style>
+          <a:lnRef idx="2">
+            <a:schemeClr val="accent1">
+              <a:shade val="50000"/>
+            </a:schemeClr>
+          </a:lnRef>
+          <a:fillRef idx="1">
+            <a:schemeClr val="accent1"/>
+          </a:fillRef>
+          <a:effectRef idx="0">
+            <a:schemeClr val="accent1"/>
+          </a:effectRef>
+          <a:fontRef idx="minor">
+            <a:schemeClr val="lt1"/>
+          </a:fontRef>
+        </p:style>
+        <p:txBody>
+          <a:bodyPr wrap="none" lIns="36000" tIns="36000" rIns="36000" bIns="36000" rtlCol="0" anchor="t" anchorCtr="0"/>
+          <a:lstStyle/>
+          <a:p>
+            <a:r>
+              <a:rPr lang="en-US" sz="1000" dirty="0">
+                <a:solidFill>
+                  <a:schemeClr val="tx1"/>
+                </a:solidFill>
+              </a:rPr>
+              <a:t>Examples (Simple transactions)</a:t>
+            </a:r>
+          </a:p>
+        </p:txBody>
+      </p:sp>
+      <p:sp>
+        <p:nvSpPr>
+          <p:cNvPr id="41" name="Rechteck 40">
+            <a:extLst>
+              <a:ext uri="{FF2B5EF4-FFF2-40B4-BE49-F238E27FC236}">
+                <a16:creationId xmlns:a16="http://schemas.microsoft.com/office/drawing/2014/main" id="{C102D107-AC2C-4A2A-AEB5-E9FCF73ED5E8}"/>
+              </a:ext>
+            </a:extLst>
+          </p:cNvPr>
+          <p:cNvSpPr/>
+          <p:nvPr/>
+        </p:nvSpPr>
+        <p:spPr>
+          <a:xfrm>
+            <a:off x="396000" y="5445000"/>
+            <a:ext cx="4104000" cy="576000"/>
+          </a:xfrm>
+          <a:prstGeom prst="rect">
+            <a:avLst/>
+          </a:prstGeom>
+          <a:solidFill>
+            <a:schemeClr val="bg1">
+              <a:lumMod val="95000"/>
+            </a:schemeClr>
+          </a:solidFill>
+          <a:ln w="9525">
+            <a:noFill/>
+          </a:ln>
+        </p:spPr>
+        <p:style>
+          <a:lnRef idx="2">
+            <a:schemeClr val="accent1">
+              <a:shade val="50000"/>
+            </a:schemeClr>
+          </a:lnRef>
+          <a:fillRef idx="1">
+            <a:schemeClr val="accent1"/>
+          </a:fillRef>
+          <a:effectRef idx="0">
+            <a:schemeClr val="accent1"/>
+          </a:effectRef>
+          <a:fontRef idx="minor">
+            <a:schemeClr val="lt1"/>
+          </a:fontRef>
+        </p:style>
+        <p:txBody>
+          <a:bodyPr wrap="none" lIns="36000" tIns="36000" rIns="36000" bIns="36000" rtlCol="0" anchor="t" anchorCtr="0"/>
+          <a:lstStyle/>
+          <a:p>
+            <a:r>
+              <a:rPr lang="en-US" sz="1000" dirty="0">
+                <a:solidFill>
+                  <a:schemeClr val="tx1"/>
+                </a:solidFill>
+                <a:latin typeface="Courier New" panose="02070309020205020404" pitchFamily="49" charset="0"/>
+                <a:cs typeface="Courier New" panose="02070309020205020404" pitchFamily="49" charset="0"/>
+              </a:rPr>
+              <a:t>a[] </a:t>
+            </a:r>
+            <a:r>
+              <a:rPr lang="en-US" sz="1000" b="1" dirty="0">
+                <a:solidFill>
+                  <a:srgbClr val="0000FF"/>
+                </a:solidFill>
+                <a:latin typeface="Courier New" panose="02070309020205020404" pitchFamily="49" charset="0"/>
+                <a:cs typeface="Courier New" panose="02070309020205020404" pitchFamily="49" charset="0"/>
+              </a:rPr>
+              <a:t>&lt;==</a:t>
+            </a:r>
+            <a:r>
+              <a:rPr lang="en-US" sz="1000" dirty="0">
+                <a:solidFill>
+                  <a:schemeClr val="tx1"/>
+                </a:solidFill>
+                <a:latin typeface="Courier New" panose="02070309020205020404" pitchFamily="49" charset="0"/>
+                <a:cs typeface="Courier New" panose="02070309020205020404" pitchFamily="49" charset="0"/>
+              </a:rPr>
+              <a:t> b[];</a:t>
+            </a:r>
+          </a:p>
+          <a:p>
+            <a:r>
+              <a:rPr lang="en-US" sz="1000" dirty="0">
+                <a:solidFill>
+                  <a:schemeClr val="tx1"/>
+                </a:solidFill>
+                <a:latin typeface="Courier New" panose="02070309020205020404" pitchFamily="49" charset="0"/>
+                <a:cs typeface="Courier New" panose="02070309020205020404" pitchFamily="49" charset="0"/>
+              </a:rPr>
+              <a:t>[table:..,3] </a:t>
+            </a:r>
+            <a:r>
+              <a:rPr lang="en-US" sz="1000" b="1" dirty="0">
+                <a:solidFill>
+                  <a:srgbClr val="0000FF"/>
+                </a:solidFill>
+                <a:latin typeface="Courier New" panose="02070309020205020404" pitchFamily="49" charset="0"/>
+                <a:cs typeface="Courier New" panose="02070309020205020404" pitchFamily="49" charset="0"/>
+              </a:rPr>
+              <a:t>&lt;&lt;=</a:t>
+            </a:r>
+            <a:r>
+              <a:rPr lang="en-US" sz="1000" dirty="0">
+                <a:solidFill>
+                  <a:schemeClr val="tx1"/>
+                </a:solidFill>
+                <a:latin typeface="Courier New" panose="02070309020205020404" pitchFamily="49" charset="0"/>
+                <a:cs typeface="Courier New" panose="02070309020205020404" pitchFamily="49" charset="0"/>
+              </a:rPr>
+              <a:t> c[];</a:t>
+            </a:r>
+          </a:p>
+          <a:p>
+            <a:r>
+              <a:rPr lang="en-US" sz="1000" dirty="0">
+                <a:solidFill>
+                  <a:schemeClr val="tx1"/>
+                </a:solidFill>
+                <a:latin typeface="Courier New" panose="02070309020205020404" pitchFamily="49" charset="0"/>
+                <a:cs typeface="Courier New" panose="02070309020205020404" pitchFamily="49" charset="0"/>
+              </a:rPr>
+              <a:t>c[] </a:t>
+            </a:r>
+            <a:r>
+              <a:rPr lang="en-US" sz="1000" b="1" dirty="0">
+                <a:solidFill>
+                  <a:srgbClr val="0000FF"/>
+                </a:solidFill>
+                <a:latin typeface="Courier New" panose="02070309020205020404" pitchFamily="49" charset="0"/>
+                <a:cs typeface="Courier New" panose="02070309020205020404" pitchFamily="49" charset="0"/>
+              </a:rPr>
+              <a:t>^</a:t>
+            </a:r>
+            <a:r>
+              <a:rPr lang="en-US" sz="1000" b="1" dirty="0">
+                <a:solidFill>
+                  <a:srgbClr val="0000FF"/>
+                </a:solidFill>
+                <a:latin typeface="Courier New" panose="02070309020205020404" pitchFamily="49" charset="0"/>
+                <a:cs typeface="Courier New" panose="02070309020205020404" pitchFamily="49" charset="0"/>
+                <a:sym typeface="Wingdings" panose="05000000000000000000" pitchFamily="2" charset="2"/>
+              </a:rPr>
+              <a:t>&lt;=&gt;</a:t>
+            </a:r>
+            <a:r>
+              <a:rPr lang="en-US" sz="1000" dirty="0">
+                <a:solidFill>
+                  <a:schemeClr val="tx1"/>
+                </a:solidFill>
+                <a:latin typeface="Courier New" panose="02070309020205020404" pitchFamily="49" charset="0"/>
+                <a:cs typeface="Courier New" panose="02070309020205020404" pitchFamily="49" charset="0"/>
+                <a:sym typeface="Wingdings" panose="05000000000000000000" pitchFamily="2" charset="2"/>
+              </a:rPr>
+              <a:t> d[]; // Base variable untouched</a:t>
+            </a:r>
+            <a:endParaRPr lang="en-US" sz="1000" dirty="0">
+              <a:solidFill>
+                <a:schemeClr val="tx1"/>
+              </a:solidFill>
+              <a:latin typeface="Courier New" panose="02070309020205020404" pitchFamily="49" charset="0"/>
+              <a:cs typeface="Courier New" panose="02070309020205020404" pitchFamily="49" charset="0"/>
+            </a:endParaRPr>
+          </a:p>
+        </p:txBody>
+      </p:sp>
+      <p:sp>
+        <p:nvSpPr>
+          <p:cNvPr id="42" name="Rechteck 41">
+            <a:extLst>
+              <a:ext uri="{FF2B5EF4-FFF2-40B4-BE49-F238E27FC236}">
+                <a16:creationId xmlns:a16="http://schemas.microsoft.com/office/drawing/2014/main" id="{B932074D-067C-43AF-93B1-B237A140835C}"/>
+              </a:ext>
+            </a:extLst>
+          </p:cNvPr>
+          <p:cNvSpPr/>
+          <p:nvPr/>
+        </p:nvSpPr>
+        <p:spPr>
+          <a:xfrm>
+            <a:off x="4788000" y="5229000"/>
+            <a:ext cx="2232000" cy="216000"/>
+          </a:xfrm>
+          <a:prstGeom prst="rect">
+            <a:avLst/>
+          </a:prstGeom>
+          <a:noFill/>
+          <a:ln w="9525">
+            <a:noFill/>
+          </a:ln>
+        </p:spPr>
+        <p:style>
+          <a:lnRef idx="2">
+            <a:schemeClr val="accent1">
+              <a:shade val="50000"/>
+            </a:schemeClr>
+          </a:lnRef>
+          <a:fillRef idx="1">
+            <a:schemeClr val="accent1"/>
+          </a:fillRef>
+          <a:effectRef idx="0">
+            <a:schemeClr val="accent1"/>
+          </a:effectRef>
+          <a:fontRef idx="minor">
+            <a:schemeClr val="lt1"/>
+          </a:fontRef>
+        </p:style>
+        <p:txBody>
+          <a:bodyPr wrap="none" lIns="36000" tIns="36000" rIns="36000" bIns="36000" rtlCol="0" anchor="t" anchorCtr="0"/>
+          <a:lstStyle/>
+          <a:p>
+            <a:r>
+              <a:rPr lang="en-US" sz="1000" dirty="0">
+                <a:solidFill>
+                  <a:schemeClr val="tx1"/>
+                </a:solidFill>
+              </a:rPr>
+              <a:t>Examples (With assignment operators)</a:t>
+            </a:r>
+          </a:p>
+        </p:txBody>
+      </p:sp>
+      <p:sp>
+        <p:nvSpPr>
+          <p:cNvPr id="43" name="Rechteck 42">
+            <a:extLst>
+              <a:ext uri="{FF2B5EF4-FFF2-40B4-BE49-F238E27FC236}">
+                <a16:creationId xmlns:a16="http://schemas.microsoft.com/office/drawing/2014/main" id="{2C58D9B2-1600-472D-9EDB-E447A2895348}"/>
+              </a:ext>
+            </a:extLst>
+          </p:cNvPr>
+          <p:cNvSpPr/>
+          <p:nvPr/>
+        </p:nvSpPr>
+        <p:spPr>
+          <a:xfrm>
+            <a:off x="4788000" y="5445000"/>
+            <a:ext cx="4104000" cy="576000"/>
+          </a:xfrm>
+          <a:prstGeom prst="rect">
+            <a:avLst/>
+          </a:prstGeom>
+          <a:solidFill>
+            <a:schemeClr val="bg1">
+              <a:lumMod val="95000"/>
+            </a:schemeClr>
+          </a:solidFill>
+          <a:ln w="9525">
+            <a:noFill/>
+          </a:ln>
+        </p:spPr>
+        <p:style>
+          <a:lnRef idx="2">
+            <a:schemeClr val="accent1">
+              <a:shade val="50000"/>
+            </a:schemeClr>
+          </a:lnRef>
+          <a:fillRef idx="1">
+            <a:schemeClr val="accent1"/>
+          </a:fillRef>
+          <a:effectRef idx="0">
+            <a:schemeClr val="accent1"/>
+          </a:effectRef>
+          <a:fontRef idx="minor">
+            <a:schemeClr val="lt1"/>
+          </a:fontRef>
+        </p:style>
+        <p:txBody>
+          <a:bodyPr wrap="none" lIns="36000" tIns="36000" rIns="36000" bIns="36000" rtlCol="0" anchor="t" anchorCtr="0"/>
+          <a:lstStyle/>
+          <a:p>
+            <a:r>
+              <a:rPr lang="en-US" sz="1000" dirty="0">
+                <a:solidFill>
+                  <a:schemeClr val="tx1"/>
+                </a:solidFill>
+                <a:latin typeface="Courier New" panose="02070309020205020404" pitchFamily="49" charset="0"/>
+                <a:cs typeface="Courier New" panose="02070309020205020404" pitchFamily="49" charset="0"/>
+              </a:rPr>
+              <a:t>a[] </a:t>
+            </a:r>
+            <a:r>
+              <a:rPr lang="en-US" sz="1000" b="1" dirty="0">
+                <a:solidFill>
+                  <a:srgbClr val="0000FF"/>
+                </a:solidFill>
+                <a:latin typeface="Courier New" panose="02070309020205020404" pitchFamily="49" charset="0"/>
+                <a:cs typeface="Courier New" panose="02070309020205020404" pitchFamily="49" charset="0"/>
+              </a:rPr>
+              <a:t>&amp;&lt;==</a:t>
+            </a:r>
+            <a:r>
+              <a:rPr lang="en-US" sz="1000" dirty="0">
+                <a:solidFill>
+                  <a:schemeClr val="tx1"/>
+                </a:solidFill>
+                <a:latin typeface="Courier New" panose="02070309020205020404" pitchFamily="49" charset="0"/>
+                <a:cs typeface="Courier New" panose="02070309020205020404" pitchFamily="49" charset="0"/>
+              </a:rPr>
+              <a:t> b[];</a:t>
+            </a:r>
+          </a:p>
+          <a:p>
+            <a:r>
+              <a:rPr lang="en-US" sz="1000" dirty="0">
+                <a:solidFill>
+                  <a:schemeClr val="tx1"/>
+                </a:solidFill>
+                <a:latin typeface="Courier New" panose="02070309020205020404" pitchFamily="49" charset="0"/>
+                <a:cs typeface="Courier New" panose="02070309020205020404" pitchFamily="49" charset="0"/>
+              </a:rPr>
+              <a:t>b[] </a:t>
+            </a:r>
+            <a:r>
+              <a:rPr lang="en-US" sz="1000" b="1" dirty="0">
+                <a:solidFill>
+                  <a:srgbClr val="0000FF"/>
+                </a:solidFill>
+                <a:latin typeface="Courier New" panose="02070309020205020404" pitchFamily="49" charset="0"/>
+                <a:cs typeface="Courier New" panose="02070309020205020404" pitchFamily="49" charset="0"/>
+              </a:rPr>
+              <a:t>|&lt;==</a:t>
+            </a:r>
+            <a:r>
+              <a:rPr lang="en-US" sz="1000" dirty="0">
+                <a:solidFill>
+                  <a:schemeClr val="tx1"/>
+                </a:solidFill>
+                <a:latin typeface="Courier New" panose="02070309020205020404" pitchFamily="49" charset="0"/>
+                <a:cs typeface="Courier New" panose="02070309020205020404" pitchFamily="49" charset="0"/>
+              </a:rPr>
+              <a:t> [table:..,5];</a:t>
+            </a:r>
+          </a:p>
+          <a:p>
+            <a:r>
+              <a:rPr lang="en-US" sz="1000" dirty="0">
+                <a:solidFill>
+                  <a:schemeClr val="tx1"/>
+                </a:solidFill>
+                <a:latin typeface="Courier New" panose="02070309020205020404" pitchFamily="49" charset="0"/>
+                <a:cs typeface="Courier New" panose="02070309020205020404" pitchFamily="49" charset="0"/>
+              </a:rPr>
+              <a:t>c[] </a:t>
+            </a:r>
+            <a:r>
+              <a:rPr lang="en-US" sz="1000" b="1" dirty="0">
+                <a:solidFill>
+                  <a:srgbClr val="0000FF"/>
+                </a:solidFill>
+                <a:latin typeface="Courier New" panose="02070309020205020404" pitchFamily="49" charset="0"/>
+                <a:cs typeface="Courier New" panose="02070309020205020404" pitchFamily="49" charset="0"/>
+              </a:rPr>
+              <a:t>+&lt;=&gt;</a:t>
+            </a:r>
+            <a:r>
+              <a:rPr lang="en-US" sz="1000" dirty="0">
+                <a:solidFill>
+                  <a:schemeClr val="tx1"/>
+                </a:solidFill>
+                <a:latin typeface="Courier New" panose="02070309020205020404" pitchFamily="49" charset="0"/>
+                <a:cs typeface="Courier New" panose="02070309020205020404" pitchFamily="49" charset="0"/>
+              </a:rPr>
+              <a:t> d[]; // Complement each other</a:t>
+            </a:r>
+          </a:p>
+        </p:txBody>
+      </p:sp>
+      <p:sp>
+        <p:nvSpPr>
+          <p:cNvPr id="19" name="Rechteck 18">
+            <a:extLst>
+              <a:ext uri="{FF2B5EF4-FFF2-40B4-BE49-F238E27FC236}">
+                <a16:creationId xmlns:a16="http://schemas.microsoft.com/office/drawing/2014/main" id="{5F18E83C-F029-4233-BE9B-999397EE22ED}"/>
+              </a:ext>
+            </a:extLst>
+          </p:cNvPr>
+          <p:cNvSpPr/>
+          <p:nvPr/>
+        </p:nvSpPr>
+        <p:spPr>
+          <a:xfrm>
+            <a:off x="2052000" y="2781000"/>
+            <a:ext cx="1728000" cy="216000"/>
+          </a:xfrm>
+          <a:prstGeom prst="rect">
+            <a:avLst/>
+          </a:prstGeom>
+          <a:solidFill>
+            <a:schemeClr val="bg1">
+              <a:lumMod val="85000"/>
+            </a:schemeClr>
+          </a:solidFill>
+          <a:ln w="9525">
+            <a:noFill/>
+          </a:ln>
+        </p:spPr>
+        <p:style>
+          <a:lnRef idx="2">
+            <a:schemeClr val="accent1">
+              <a:shade val="50000"/>
+            </a:schemeClr>
+          </a:lnRef>
+          <a:fillRef idx="1">
+            <a:schemeClr val="accent1"/>
+          </a:fillRef>
+          <a:effectRef idx="0">
+            <a:schemeClr val="accent1"/>
+          </a:effectRef>
+          <a:fontRef idx="minor">
+            <a:schemeClr val="lt1"/>
+          </a:fontRef>
+        </p:style>
+        <p:txBody>
+          <a:bodyPr wrap="none" lIns="36000" tIns="36000" rIns="36000" bIns="36000" rtlCol="0" anchor="ctr" anchorCtr="0"/>
+          <a:lstStyle/>
+          <a:p>
+            <a:r>
+              <a:rPr lang="en-US" sz="1200" b="1" dirty="0">
+                <a:solidFill>
+                  <a:schemeClr val="tx1"/>
+                </a:solidFill>
+              </a:rPr>
+              <a:t>Move</a:t>
+            </a:r>
+          </a:p>
+        </p:txBody>
+      </p:sp>
+      <p:sp>
+        <p:nvSpPr>
+          <p:cNvPr id="24" name="Rechteck 23">
+            <a:extLst>
+              <a:ext uri="{FF2B5EF4-FFF2-40B4-BE49-F238E27FC236}">
+                <a16:creationId xmlns:a16="http://schemas.microsoft.com/office/drawing/2014/main" id="{CF50DE27-5927-4D4D-8CED-A6F30FA81F1C}"/>
+              </a:ext>
+            </a:extLst>
+          </p:cNvPr>
+          <p:cNvSpPr/>
+          <p:nvPr/>
+        </p:nvSpPr>
+        <p:spPr>
+          <a:xfrm>
+            <a:off x="2052000" y="3069000"/>
+            <a:ext cx="1728000" cy="216000"/>
+          </a:xfrm>
+          <a:prstGeom prst="rect">
+            <a:avLst/>
+          </a:prstGeom>
+          <a:solidFill>
+            <a:schemeClr val="bg1">
+              <a:lumMod val="85000"/>
+            </a:schemeClr>
+          </a:solidFill>
+          <a:ln w="9525">
+            <a:noFill/>
+          </a:ln>
+        </p:spPr>
+        <p:style>
+          <a:lnRef idx="2">
+            <a:schemeClr val="accent1">
+              <a:shade val="50000"/>
+            </a:schemeClr>
+          </a:lnRef>
+          <a:fillRef idx="1">
+            <a:schemeClr val="accent1"/>
+          </a:fillRef>
+          <a:effectRef idx="0">
+            <a:schemeClr val="accent1"/>
+          </a:effectRef>
+          <a:fontRef idx="minor">
+            <a:schemeClr val="lt1"/>
+          </a:fontRef>
+        </p:style>
+        <p:txBody>
+          <a:bodyPr wrap="none" lIns="36000" tIns="36000" rIns="36000" bIns="36000" rtlCol="0" anchor="ctr" anchorCtr="0"/>
+          <a:lstStyle/>
+          <a:p>
+            <a:r>
+              <a:rPr lang="en-US" sz="1200" b="1" dirty="0">
+                <a:solidFill>
+                  <a:schemeClr val="tx1"/>
+                </a:solidFill>
+              </a:rPr>
+              <a:t>Copy</a:t>
+            </a:r>
+          </a:p>
+        </p:txBody>
+      </p:sp>
+      <p:sp>
+        <p:nvSpPr>
+          <p:cNvPr id="25" name="Rechteck 24">
+            <a:extLst>
+              <a:ext uri="{FF2B5EF4-FFF2-40B4-BE49-F238E27FC236}">
+                <a16:creationId xmlns:a16="http://schemas.microsoft.com/office/drawing/2014/main" id="{086E2A76-9173-4DB5-80C1-F62D71C2C163}"/>
+              </a:ext>
+            </a:extLst>
+          </p:cNvPr>
+          <p:cNvSpPr/>
+          <p:nvPr/>
+        </p:nvSpPr>
+        <p:spPr>
+          <a:xfrm>
+            <a:off x="2052000" y="3357000"/>
+            <a:ext cx="1728000" cy="216000"/>
+          </a:xfrm>
+          <a:prstGeom prst="rect">
+            <a:avLst/>
+          </a:prstGeom>
+          <a:solidFill>
+            <a:schemeClr val="bg1">
+              <a:lumMod val="85000"/>
+            </a:schemeClr>
+          </a:solidFill>
+          <a:ln w="9525">
+            <a:noFill/>
+          </a:ln>
+        </p:spPr>
+        <p:style>
+          <a:lnRef idx="2">
+            <a:schemeClr val="accent1">
+              <a:shade val="50000"/>
+            </a:schemeClr>
+          </a:lnRef>
+          <a:fillRef idx="1">
+            <a:schemeClr val="accent1"/>
+          </a:fillRef>
+          <a:effectRef idx="0">
+            <a:schemeClr val="accent1"/>
+          </a:effectRef>
+          <a:fontRef idx="minor">
+            <a:schemeClr val="lt1"/>
+          </a:fontRef>
+        </p:style>
+        <p:txBody>
+          <a:bodyPr wrap="none" lIns="36000" tIns="36000" rIns="36000" bIns="36000" rtlCol="0" anchor="ctr" anchorCtr="0"/>
+          <a:lstStyle/>
+          <a:p>
+            <a:r>
+              <a:rPr lang="en-US" sz="1200" b="1" dirty="0">
+                <a:solidFill>
+                  <a:schemeClr val="tx1"/>
+                </a:solidFill>
+              </a:rPr>
+              <a:t>Swap</a:t>
+            </a:r>
+          </a:p>
+        </p:txBody>
+      </p:sp>
+      <p:sp>
+        <p:nvSpPr>
+          <p:cNvPr id="27" name="Rechteck 26">
+            <a:extLst>
+              <a:ext uri="{FF2B5EF4-FFF2-40B4-BE49-F238E27FC236}">
+                <a16:creationId xmlns:a16="http://schemas.microsoft.com/office/drawing/2014/main" id="{265BEB81-50D0-4B9D-BD1B-983CCA0D4473}"/>
+              </a:ext>
+            </a:extLst>
+          </p:cNvPr>
+          <p:cNvSpPr/>
+          <p:nvPr/>
+        </p:nvSpPr>
+        <p:spPr>
+          <a:xfrm>
+            <a:off x="1476000" y="2781000"/>
+            <a:ext cx="576000" cy="216000"/>
+          </a:xfrm>
+          <a:prstGeom prst="rect">
+            <a:avLst/>
+          </a:prstGeom>
+          <a:noFill/>
+          <a:ln w="9525">
+            <a:noFill/>
+          </a:ln>
+        </p:spPr>
+        <p:style>
+          <a:lnRef idx="2">
+            <a:schemeClr val="accent1">
+              <a:shade val="50000"/>
+            </a:schemeClr>
+          </a:lnRef>
+          <a:fillRef idx="1">
+            <a:schemeClr val="accent1"/>
+          </a:fillRef>
+          <a:effectRef idx="0">
+            <a:schemeClr val="accent1"/>
+          </a:effectRef>
+          <a:fontRef idx="minor">
+            <a:schemeClr val="lt1"/>
+          </a:fontRef>
+        </p:style>
+        <p:txBody>
+          <a:bodyPr wrap="none" lIns="36000" tIns="36000" rIns="36000" bIns="36000" rtlCol="0" anchor="ctr" anchorCtr="0"/>
+          <a:lstStyle/>
+          <a:p>
+            <a:r>
+              <a:rPr lang="en-US" sz="2000" b="1" dirty="0">
+                <a:solidFill>
+                  <a:schemeClr val="tx1"/>
+                </a:solidFill>
+                <a:latin typeface="Cordia New" panose="020B0502040204020203" pitchFamily="34" charset="-34"/>
+                <a:cs typeface="Cordia New" panose="020B0502040204020203" pitchFamily="34" charset="-34"/>
+              </a:rPr>
+              <a:t>&lt;&lt;=</a:t>
+            </a:r>
+          </a:p>
+        </p:txBody>
+      </p:sp>
+      <p:sp>
+        <p:nvSpPr>
+          <p:cNvPr id="29" name="Rechteck 28">
+            <a:extLst>
+              <a:ext uri="{FF2B5EF4-FFF2-40B4-BE49-F238E27FC236}">
+                <a16:creationId xmlns:a16="http://schemas.microsoft.com/office/drawing/2014/main" id="{80DA7CAC-72CB-48BC-834E-0FAFEB47C843}"/>
+              </a:ext>
+            </a:extLst>
+          </p:cNvPr>
+          <p:cNvSpPr/>
+          <p:nvPr/>
+        </p:nvSpPr>
+        <p:spPr>
+          <a:xfrm>
+            <a:off x="1476000" y="3069000"/>
+            <a:ext cx="576000" cy="216000"/>
+          </a:xfrm>
+          <a:prstGeom prst="rect">
+            <a:avLst/>
+          </a:prstGeom>
+          <a:noFill/>
+          <a:ln w="9525">
+            <a:noFill/>
+          </a:ln>
+        </p:spPr>
+        <p:style>
+          <a:lnRef idx="2">
+            <a:schemeClr val="accent1">
+              <a:shade val="50000"/>
+            </a:schemeClr>
+          </a:lnRef>
+          <a:fillRef idx="1">
+            <a:schemeClr val="accent1"/>
+          </a:fillRef>
+          <a:effectRef idx="0">
+            <a:schemeClr val="accent1"/>
+          </a:effectRef>
+          <a:fontRef idx="minor">
+            <a:schemeClr val="lt1"/>
+          </a:fontRef>
+        </p:style>
+        <p:txBody>
+          <a:bodyPr wrap="none" lIns="36000" tIns="36000" rIns="36000" bIns="36000" rtlCol="0" anchor="ctr" anchorCtr="0"/>
+          <a:lstStyle/>
+          <a:p>
+            <a:r>
+              <a:rPr lang="en-US" sz="2000" b="1" dirty="0">
+                <a:solidFill>
+                  <a:schemeClr val="tx1"/>
+                </a:solidFill>
+                <a:latin typeface="Cordia New" panose="020B0502040204020203" pitchFamily="34" charset="-34"/>
+                <a:cs typeface="Cordia New" panose="020B0502040204020203" pitchFamily="34" charset="-34"/>
+              </a:rPr>
+              <a:t>&lt;==</a:t>
+            </a:r>
+          </a:p>
+        </p:txBody>
+      </p:sp>
+      <p:sp>
+        <p:nvSpPr>
+          <p:cNvPr id="30" name="Rechteck 29">
+            <a:extLst>
+              <a:ext uri="{FF2B5EF4-FFF2-40B4-BE49-F238E27FC236}">
+                <a16:creationId xmlns:a16="http://schemas.microsoft.com/office/drawing/2014/main" id="{EBB2EF05-C801-4216-AD31-40018AC8372B}"/>
+              </a:ext>
+            </a:extLst>
+          </p:cNvPr>
+          <p:cNvSpPr/>
+          <p:nvPr/>
+        </p:nvSpPr>
+        <p:spPr>
+          <a:xfrm>
+            <a:off x="1476000" y="3357000"/>
+            <a:ext cx="576000" cy="216000"/>
+          </a:xfrm>
+          <a:prstGeom prst="rect">
+            <a:avLst/>
+          </a:prstGeom>
+          <a:noFill/>
+          <a:ln w="9525">
+            <a:noFill/>
+          </a:ln>
+        </p:spPr>
+        <p:style>
+          <a:lnRef idx="2">
+            <a:schemeClr val="accent1">
+              <a:shade val="50000"/>
+            </a:schemeClr>
+          </a:lnRef>
+          <a:fillRef idx="1">
+            <a:schemeClr val="accent1"/>
+          </a:fillRef>
+          <a:effectRef idx="0">
+            <a:schemeClr val="accent1"/>
+          </a:effectRef>
+          <a:fontRef idx="minor">
+            <a:schemeClr val="lt1"/>
+          </a:fontRef>
+        </p:style>
+        <p:txBody>
+          <a:bodyPr wrap="none" lIns="36000" tIns="36000" rIns="36000" bIns="36000" rtlCol="0" anchor="ctr" anchorCtr="0"/>
+          <a:lstStyle/>
+          <a:p>
+            <a:r>
+              <a:rPr lang="en-US" sz="2000" b="1" dirty="0">
+                <a:solidFill>
+                  <a:schemeClr val="tx1"/>
+                </a:solidFill>
+                <a:latin typeface="Cordia New" panose="020B0502040204020203" pitchFamily="34" charset="-34"/>
+                <a:cs typeface="Cordia New" panose="020B0502040204020203" pitchFamily="34" charset="-34"/>
+              </a:rPr>
+              <a:t>&lt;=&gt;</a:t>
+            </a:r>
+          </a:p>
+        </p:txBody>
+      </p:sp>
+      <p:sp>
+        <p:nvSpPr>
+          <p:cNvPr id="32" name="Rechteck 31">
+            <a:extLst>
+              <a:ext uri="{FF2B5EF4-FFF2-40B4-BE49-F238E27FC236}">
+                <a16:creationId xmlns:a16="http://schemas.microsoft.com/office/drawing/2014/main" id="{629512F4-BB50-412C-BC19-62C22DC99E03}"/>
+              </a:ext>
+            </a:extLst>
+          </p:cNvPr>
+          <p:cNvSpPr/>
+          <p:nvPr/>
+        </p:nvSpPr>
+        <p:spPr>
+          <a:xfrm>
+            <a:off x="4788000" y="2781000"/>
+            <a:ext cx="1728000" cy="216000"/>
+          </a:xfrm>
+          <a:prstGeom prst="rect">
+            <a:avLst/>
+          </a:prstGeom>
+          <a:solidFill>
+            <a:schemeClr val="bg1">
+              <a:lumMod val="85000"/>
+            </a:schemeClr>
+          </a:solidFill>
+          <a:ln w="9525">
+            <a:noFill/>
+          </a:ln>
+        </p:spPr>
+        <p:style>
+          <a:lnRef idx="2">
+            <a:schemeClr val="accent1">
+              <a:shade val="50000"/>
+            </a:schemeClr>
+          </a:lnRef>
+          <a:fillRef idx="1">
+            <a:schemeClr val="accent1"/>
+          </a:fillRef>
+          <a:effectRef idx="0">
+            <a:schemeClr val="accent1"/>
+          </a:effectRef>
+          <a:fontRef idx="minor">
+            <a:schemeClr val="lt1"/>
+          </a:fontRef>
+        </p:style>
+        <p:txBody>
+          <a:bodyPr wrap="none" lIns="36000" tIns="36000" rIns="36000" bIns="36000" rtlCol="0" anchor="ctr" anchorCtr="0"/>
+          <a:lstStyle/>
+          <a:p>
+            <a:r>
+              <a:rPr lang="en-US" sz="1200" b="1" dirty="0">
+                <a:solidFill>
+                  <a:schemeClr val="tx1"/>
+                </a:solidFill>
+              </a:rPr>
+              <a:t>Move Members</a:t>
+            </a:r>
+          </a:p>
+        </p:txBody>
+      </p:sp>
+      <p:sp>
+        <p:nvSpPr>
+          <p:cNvPr id="33" name="Rechteck 32">
+            <a:extLst>
+              <a:ext uri="{FF2B5EF4-FFF2-40B4-BE49-F238E27FC236}">
+                <a16:creationId xmlns:a16="http://schemas.microsoft.com/office/drawing/2014/main" id="{4D4C3E7B-4126-464B-9D09-469818364F83}"/>
+              </a:ext>
+            </a:extLst>
+          </p:cNvPr>
+          <p:cNvSpPr/>
+          <p:nvPr/>
+        </p:nvSpPr>
+        <p:spPr>
+          <a:xfrm>
+            <a:off x="4788000" y="3069000"/>
+            <a:ext cx="1728000" cy="216000"/>
+          </a:xfrm>
+          <a:prstGeom prst="rect">
+            <a:avLst/>
+          </a:prstGeom>
+          <a:solidFill>
+            <a:schemeClr val="bg1">
+              <a:lumMod val="85000"/>
+            </a:schemeClr>
+          </a:solidFill>
+          <a:ln w="9525">
+            <a:noFill/>
+          </a:ln>
+        </p:spPr>
+        <p:style>
+          <a:lnRef idx="2">
+            <a:schemeClr val="accent1">
+              <a:shade val="50000"/>
+            </a:schemeClr>
+          </a:lnRef>
+          <a:fillRef idx="1">
+            <a:schemeClr val="accent1"/>
+          </a:fillRef>
+          <a:effectRef idx="0">
+            <a:schemeClr val="accent1"/>
+          </a:effectRef>
+          <a:fontRef idx="minor">
+            <a:schemeClr val="lt1"/>
+          </a:fontRef>
+        </p:style>
+        <p:txBody>
+          <a:bodyPr wrap="none" lIns="36000" tIns="36000" rIns="36000" bIns="36000" rtlCol="0" anchor="ctr" anchorCtr="0"/>
+          <a:lstStyle/>
+          <a:p>
+            <a:r>
+              <a:rPr lang="en-US" sz="1200" b="1" dirty="0">
+                <a:solidFill>
+                  <a:schemeClr val="tx1"/>
+                </a:solidFill>
+              </a:rPr>
+              <a:t>Copy Members</a:t>
+            </a:r>
+          </a:p>
+        </p:txBody>
+      </p:sp>
+      <p:sp>
+        <p:nvSpPr>
+          <p:cNvPr id="35" name="Rechteck 34">
+            <a:extLst>
+              <a:ext uri="{FF2B5EF4-FFF2-40B4-BE49-F238E27FC236}">
+                <a16:creationId xmlns:a16="http://schemas.microsoft.com/office/drawing/2014/main" id="{B9906D15-76E2-436B-A14D-EE56F418B851}"/>
+              </a:ext>
+            </a:extLst>
+          </p:cNvPr>
+          <p:cNvSpPr/>
+          <p:nvPr/>
+        </p:nvSpPr>
+        <p:spPr>
+          <a:xfrm>
+            <a:off x="4788000" y="3357000"/>
+            <a:ext cx="1728000" cy="216000"/>
+          </a:xfrm>
+          <a:prstGeom prst="rect">
+            <a:avLst/>
+          </a:prstGeom>
+          <a:solidFill>
+            <a:schemeClr val="bg1">
+              <a:lumMod val="85000"/>
+            </a:schemeClr>
+          </a:solidFill>
+          <a:ln w="9525">
+            <a:noFill/>
+          </a:ln>
+        </p:spPr>
+        <p:style>
+          <a:lnRef idx="2">
+            <a:schemeClr val="accent1">
+              <a:shade val="50000"/>
+            </a:schemeClr>
+          </a:lnRef>
+          <a:fillRef idx="1">
+            <a:schemeClr val="accent1"/>
+          </a:fillRef>
+          <a:effectRef idx="0">
+            <a:schemeClr val="accent1"/>
+          </a:effectRef>
+          <a:fontRef idx="minor">
+            <a:schemeClr val="lt1"/>
+          </a:fontRef>
+        </p:style>
+        <p:txBody>
+          <a:bodyPr wrap="none" lIns="36000" tIns="36000" rIns="36000" bIns="36000" rtlCol="0" anchor="ctr" anchorCtr="0"/>
+          <a:lstStyle/>
+          <a:p>
+            <a:r>
+              <a:rPr lang="en-US" sz="1200" b="1" dirty="0">
+                <a:solidFill>
+                  <a:schemeClr val="tx1"/>
+                </a:solidFill>
+              </a:rPr>
+              <a:t>Swap Members</a:t>
+            </a:r>
+          </a:p>
+        </p:txBody>
+      </p:sp>
+      <p:sp>
+        <p:nvSpPr>
+          <p:cNvPr id="37" name="Rechteck 36">
+            <a:extLst>
+              <a:ext uri="{FF2B5EF4-FFF2-40B4-BE49-F238E27FC236}">
+                <a16:creationId xmlns:a16="http://schemas.microsoft.com/office/drawing/2014/main" id="{7135213E-3D18-48A3-87B8-FE24DD28532D}"/>
+              </a:ext>
+            </a:extLst>
+          </p:cNvPr>
+          <p:cNvSpPr/>
+          <p:nvPr/>
+        </p:nvSpPr>
+        <p:spPr>
+          <a:xfrm>
+            <a:off x="4212000" y="2781000"/>
+            <a:ext cx="576000" cy="216000"/>
+          </a:xfrm>
+          <a:prstGeom prst="rect">
+            <a:avLst/>
+          </a:prstGeom>
+          <a:noFill/>
+          <a:ln w="9525">
+            <a:noFill/>
+          </a:ln>
+        </p:spPr>
+        <p:style>
+          <a:lnRef idx="2">
+            <a:schemeClr val="accent1">
+              <a:shade val="50000"/>
+            </a:schemeClr>
+          </a:lnRef>
+          <a:fillRef idx="1">
+            <a:schemeClr val="accent1"/>
+          </a:fillRef>
+          <a:effectRef idx="0">
+            <a:schemeClr val="accent1"/>
+          </a:effectRef>
+          <a:fontRef idx="minor">
+            <a:schemeClr val="lt1"/>
+          </a:fontRef>
+        </p:style>
+        <p:txBody>
+          <a:bodyPr wrap="none" lIns="36000" tIns="36000" rIns="36000" bIns="36000" rtlCol="0" anchor="ctr" anchorCtr="0"/>
+          <a:lstStyle/>
+          <a:p>
+            <a:r>
+              <a:rPr lang="en-US" sz="2000" b="1" dirty="0">
+                <a:solidFill>
+                  <a:schemeClr val="tx1"/>
+                </a:solidFill>
+                <a:latin typeface="Cordia New" panose="020B0502040204020203" pitchFamily="34" charset="-34"/>
+                <a:cs typeface="Cordia New" panose="020B0502040204020203" pitchFamily="34" charset="-34"/>
+              </a:rPr>
+              <a:t>&lt;&lt;=^</a:t>
+            </a:r>
+          </a:p>
+        </p:txBody>
+      </p:sp>
+      <p:sp>
+        <p:nvSpPr>
+          <p:cNvPr id="39" name="Rechteck 38">
+            <a:extLst>
+              <a:ext uri="{FF2B5EF4-FFF2-40B4-BE49-F238E27FC236}">
+                <a16:creationId xmlns:a16="http://schemas.microsoft.com/office/drawing/2014/main" id="{B01511C7-0570-4B60-8594-915595339FD8}"/>
+              </a:ext>
+            </a:extLst>
+          </p:cNvPr>
+          <p:cNvSpPr/>
+          <p:nvPr/>
+        </p:nvSpPr>
+        <p:spPr>
+          <a:xfrm>
+            <a:off x="4212000" y="3069000"/>
+            <a:ext cx="576000" cy="216000"/>
+          </a:xfrm>
+          <a:prstGeom prst="rect">
+            <a:avLst/>
+          </a:prstGeom>
+          <a:noFill/>
+          <a:ln w="9525">
+            <a:noFill/>
+          </a:ln>
+        </p:spPr>
+        <p:style>
+          <a:lnRef idx="2">
+            <a:schemeClr val="accent1">
+              <a:shade val="50000"/>
+            </a:schemeClr>
+          </a:lnRef>
+          <a:fillRef idx="1">
+            <a:schemeClr val="accent1"/>
+          </a:fillRef>
+          <a:effectRef idx="0">
+            <a:schemeClr val="accent1"/>
+          </a:effectRef>
+          <a:fontRef idx="minor">
+            <a:schemeClr val="lt1"/>
+          </a:fontRef>
+        </p:style>
+        <p:txBody>
+          <a:bodyPr wrap="none" lIns="36000" tIns="36000" rIns="36000" bIns="36000" rtlCol="0" anchor="ctr" anchorCtr="0"/>
+          <a:lstStyle/>
+          <a:p>
+            <a:r>
+              <a:rPr lang="en-US" sz="2000" b="1" dirty="0">
+                <a:solidFill>
+                  <a:schemeClr val="tx1"/>
+                </a:solidFill>
+                <a:latin typeface="Cordia New" panose="020B0502040204020203" pitchFamily="34" charset="-34"/>
+                <a:cs typeface="Cordia New" panose="020B0502040204020203" pitchFamily="34" charset="-34"/>
+              </a:rPr>
+              <a:t>&lt;==^</a:t>
+            </a:r>
+          </a:p>
+        </p:txBody>
+      </p:sp>
+      <p:sp>
+        <p:nvSpPr>
+          <p:cNvPr id="44" name="Rechteck 43">
+            <a:extLst>
+              <a:ext uri="{FF2B5EF4-FFF2-40B4-BE49-F238E27FC236}">
+                <a16:creationId xmlns:a16="http://schemas.microsoft.com/office/drawing/2014/main" id="{98F1BC49-9E54-4CA1-B86F-0834FD8DB1F9}"/>
+              </a:ext>
+            </a:extLst>
+          </p:cNvPr>
+          <p:cNvSpPr/>
+          <p:nvPr/>
+        </p:nvSpPr>
+        <p:spPr>
+          <a:xfrm>
+            <a:off x="4212000" y="3357000"/>
+            <a:ext cx="576000" cy="216000"/>
+          </a:xfrm>
+          <a:prstGeom prst="rect">
+            <a:avLst/>
+          </a:prstGeom>
+          <a:noFill/>
+          <a:ln w="9525">
+            <a:noFill/>
+          </a:ln>
+        </p:spPr>
+        <p:style>
+          <a:lnRef idx="2">
+            <a:schemeClr val="accent1">
+              <a:shade val="50000"/>
+            </a:schemeClr>
+          </a:lnRef>
+          <a:fillRef idx="1">
+            <a:schemeClr val="accent1"/>
+          </a:fillRef>
+          <a:effectRef idx="0">
+            <a:schemeClr val="accent1"/>
+          </a:effectRef>
+          <a:fontRef idx="minor">
+            <a:schemeClr val="lt1"/>
+          </a:fontRef>
+        </p:style>
+        <p:txBody>
+          <a:bodyPr wrap="none" lIns="36000" tIns="36000" rIns="36000" bIns="36000" rtlCol="0" anchor="ctr" anchorCtr="0"/>
+          <a:lstStyle/>
+          <a:p>
+            <a:r>
+              <a:rPr lang="en-US" sz="2000" b="1" dirty="0">
+                <a:solidFill>
+                  <a:schemeClr val="tx1"/>
+                </a:solidFill>
+                <a:latin typeface="Cordia New" panose="020B0502040204020203" pitchFamily="34" charset="-34"/>
+                <a:cs typeface="Cordia New" panose="020B0502040204020203" pitchFamily="34" charset="-34"/>
+              </a:rPr>
+              <a:t>&lt;=&gt;^</a:t>
+            </a:r>
+          </a:p>
+        </p:txBody>
+      </p:sp>
+      <p:sp>
+        <p:nvSpPr>
+          <p:cNvPr id="48" name="Rechteck 47">
+            <a:extLst>
+              <a:ext uri="{FF2B5EF4-FFF2-40B4-BE49-F238E27FC236}">
+                <a16:creationId xmlns:a16="http://schemas.microsoft.com/office/drawing/2014/main" id="{393BE86C-1DA9-4491-8FE5-9277FD7327D9}"/>
+              </a:ext>
+            </a:extLst>
+          </p:cNvPr>
+          <p:cNvSpPr/>
+          <p:nvPr/>
+        </p:nvSpPr>
+        <p:spPr>
+          <a:xfrm>
+            <a:off x="396000" y="2493000"/>
+            <a:ext cx="2232000" cy="216000"/>
+          </a:xfrm>
+          <a:prstGeom prst="rect">
+            <a:avLst/>
+          </a:prstGeom>
+          <a:noFill/>
+          <a:ln w="9525">
+            <a:noFill/>
+          </a:ln>
+        </p:spPr>
+        <p:style>
+          <a:lnRef idx="2">
+            <a:schemeClr val="accent1">
+              <a:shade val="50000"/>
+            </a:schemeClr>
+          </a:lnRef>
+          <a:fillRef idx="1">
+            <a:schemeClr val="accent1"/>
+          </a:fillRef>
+          <a:effectRef idx="0">
+            <a:schemeClr val="accent1"/>
+          </a:effectRef>
+          <a:fontRef idx="minor">
+            <a:schemeClr val="lt1"/>
+          </a:fontRef>
+        </p:style>
+        <p:txBody>
+          <a:bodyPr wrap="none" lIns="36000" tIns="36000" rIns="36000" bIns="36000" rtlCol="0" anchor="ctr" anchorCtr="0"/>
+          <a:lstStyle/>
+          <a:p>
+            <a:r>
+              <a:rPr lang="en-US" sz="1200" b="1" dirty="0">
+                <a:solidFill>
+                  <a:schemeClr val="tx1"/>
+                </a:solidFill>
+              </a:rPr>
+              <a:t>Transaction Symbols</a:t>
+            </a:r>
+          </a:p>
+        </p:txBody>
+      </p:sp>
+      <p:cxnSp>
+        <p:nvCxnSpPr>
+          <p:cNvPr id="49" name="Gerader Verbinder 48">
+            <a:extLst>
+              <a:ext uri="{FF2B5EF4-FFF2-40B4-BE49-F238E27FC236}">
+                <a16:creationId xmlns:a16="http://schemas.microsoft.com/office/drawing/2014/main" id="{562CEA4B-1124-4566-9FF8-27356E005006}"/>
+              </a:ext>
+            </a:extLst>
+          </p:cNvPr>
+          <p:cNvCxnSpPr>
+            <a:cxnSpLocks/>
+          </p:cNvCxnSpPr>
+          <p:nvPr/>
+        </p:nvCxnSpPr>
+        <p:spPr>
+          <a:xfrm>
+            <a:off x="396000" y="2709000"/>
+            <a:ext cx="8496000" cy="0"/>
+          </a:xfrm>
+          <a:prstGeom prst="line">
+            <a:avLst/>
+          </a:prstGeom>
+        </p:spPr>
+        <p:style>
+          <a:lnRef idx="1">
+            <a:schemeClr val="accent1"/>
+          </a:lnRef>
+          <a:fillRef idx="0">
+            <a:schemeClr val="accent1"/>
+          </a:fillRef>
+          <a:effectRef idx="0">
+            <a:schemeClr val="accent1"/>
+          </a:effectRef>
+          <a:fontRef idx="minor">
+            <a:schemeClr val="tx1"/>
+          </a:fontRef>
+        </p:style>
+      </p:cxnSp>
+      <p:sp>
+        <p:nvSpPr>
+          <p:cNvPr id="50" name="Rechteck 49">
+            <a:extLst>
+              <a:ext uri="{FF2B5EF4-FFF2-40B4-BE49-F238E27FC236}">
+                <a16:creationId xmlns:a16="http://schemas.microsoft.com/office/drawing/2014/main" id="{404D6F9A-AC80-478E-8A96-469F635A0846}"/>
+              </a:ext>
+            </a:extLst>
+          </p:cNvPr>
+          <p:cNvSpPr/>
+          <p:nvPr/>
+        </p:nvSpPr>
+        <p:spPr>
+          <a:xfrm>
+            <a:off x="396000" y="3789000"/>
+            <a:ext cx="2232000" cy="216000"/>
+          </a:xfrm>
+          <a:prstGeom prst="rect">
+            <a:avLst/>
+          </a:prstGeom>
+          <a:noFill/>
+          <a:ln w="9525">
+            <a:noFill/>
+          </a:ln>
+        </p:spPr>
+        <p:style>
+          <a:lnRef idx="2">
+            <a:schemeClr val="accent1">
+              <a:shade val="50000"/>
+            </a:schemeClr>
+          </a:lnRef>
+          <a:fillRef idx="1">
+            <a:schemeClr val="accent1"/>
+          </a:fillRef>
+          <a:effectRef idx="0">
+            <a:schemeClr val="accent1"/>
+          </a:effectRef>
+          <a:fontRef idx="minor">
+            <a:schemeClr val="lt1"/>
+          </a:fontRef>
+        </p:style>
+        <p:txBody>
+          <a:bodyPr wrap="none" lIns="36000" tIns="36000" rIns="36000" bIns="36000" rtlCol="0" anchor="ctr" anchorCtr="0"/>
+          <a:lstStyle/>
+          <a:p>
+            <a:r>
+              <a:rPr lang="en-US" sz="1200" b="1" dirty="0">
+                <a:solidFill>
+                  <a:schemeClr val="tx1"/>
+                </a:solidFill>
+              </a:rPr>
+              <a:t>Transaction Prefixes </a:t>
+            </a:r>
+            <a:r>
+              <a:rPr lang="en-US" sz="1200" dirty="0">
+                <a:solidFill>
+                  <a:schemeClr val="tx1"/>
+                </a:solidFill>
+              </a:rPr>
+              <a:t>(Supported with all Transaction Symbols)</a:t>
+            </a:r>
+          </a:p>
+        </p:txBody>
+      </p:sp>
+      <p:cxnSp>
+        <p:nvCxnSpPr>
+          <p:cNvPr id="51" name="Gerader Verbinder 50">
+            <a:extLst>
+              <a:ext uri="{FF2B5EF4-FFF2-40B4-BE49-F238E27FC236}">
+                <a16:creationId xmlns:a16="http://schemas.microsoft.com/office/drawing/2014/main" id="{A2F9330D-3E09-419A-9CD9-63E0FFE57019}"/>
+              </a:ext>
+            </a:extLst>
+          </p:cNvPr>
+          <p:cNvCxnSpPr>
+            <a:cxnSpLocks/>
+          </p:cNvCxnSpPr>
+          <p:nvPr/>
+        </p:nvCxnSpPr>
+        <p:spPr>
+          <a:xfrm>
+            <a:off x="396000" y="4005000"/>
+            <a:ext cx="8496000" cy="0"/>
+          </a:xfrm>
+          <a:prstGeom prst="line">
+            <a:avLst/>
+          </a:prstGeom>
+        </p:spPr>
+        <p:style>
+          <a:lnRef idx="1">
+            <a:schemeClr val="accent1"/>
+          </a:lnRef>
+          <a:fillRef idx="0">
+            <a:schemeClr val="accent1"/>
+          </a:fillRef>
+          <a:effectRef idx="0">
+            <a:schemeClr val="accent1"/>
+          </a:effectRef>
+          <a:fontRef idx="minor">
+            <a:schemeClr val="tx1"/>
+          </a:fontRef>
+        </p:style>
+      </p:cxnSp>
+      <p:sp>
+        <p:nvSpPr>
+          <p:cNvPr id="52" name="Rechteck 51">
+            <a:extLst>
+              <a:ext uri="{FF2B5EF4-FFF2-40B4-BE49-F238E27FC236}">
+                <a16:creationId xmlns:a16="http://schemas.microsoft.com/office/drawing/2014/main" id="{CF028108-C974-458B-8714-88B7CED808B9}"/>
+              </a:ext>
+            </a:extLst>
+          </p:cNvPr>
+          <p:cNvSpPr/>
+          <p:nvPr/>
+        </p:nvSpPr>
+        <p:spPr>
+          <a:xfrm>
+            <a:off x="6588000" y="2709000"/>
+            <a:ext cx="936000" cy="432000"/>
+          </a:xfrm>
+          <a:prstGeom prst="rect">
+            <a:avLst/>
+          </a:prstGeom>
+          <a:noFill/>
+          <a:ln w="9525">
+            <a:noFill/>
+          </a:ln>
+        </p:spPr>
+        <p:style>
+          <a:lnRef idx="2">
+            <a:schemeClr val="accent1">
+              <a:shade val="50000"/>
+            </a:schemeClr>
+          </a:lnRef>
+          <a:fillRef idx="1">
+            <a:schemeClr val="accent1"/>
+          </a:fillRef>
+          <a:effectRef idx="0">
+            <a:schemeClr val="accent1"/>
+          </a:effectRef>
+          <a:fontRef idx="minor">
+            <a:schemeClr val="lt1"/>
+          </a:fontRef>
+        </p:style>
+        <p:txBody>
+          <a:bodyPr wrap="none" lIns="36000" tIns="36000" rIns="36000" bIns="36000" rtlCol="0" anchor="ctr" anchorCtr="0"/>
+          <a:lstStyle/>
+          <a:p>
+            <a:r>
+              <a:rPr lang="en-US" sz="1000" dirty="0">
+                <a:solidFill>
+                  <a:schemeClr val="tx1"/>
+                </a:solidFill>
+              </a:rPr>
+              <a:t>Base variables</a:t>
+            </a:r>
+          </a:p>
+          <a:p>
+            <a:r>
+              <a:rPr lang="en-US" sz="1000" dirty="0">
+                <a:solidFill>
+                  <a:schemeClr val="tx1"/>
+                </a:solidFill>
+              </a:rPr>
+              <a:t>stay untouched here</a:t>
+            </a:r>
+          </a:p>
+        </p:txBody>
+      </p:sp>
+      <p:sp>
+        <p:nvSpPr>
+          <p:cNvPr id="53" name="Rechteck 52">
+            <a:extLst>
+              <a:ext uri="{FF2B5EF4-FFF2-40B4-BE49-F238E27FC236}">
+                <a16:creationId xmlns:a16="http://schemas.microsoft.com/office/drawing/2014/main" id="{2745ABA7-A96C-4543-9EC8-5A3ECCC6BD67}"/>
+              </a:ext>
+            </a:extLst>
+          </p:cNvPr>
+          <p:cNvSpPr/>
+          <p:nvPr/>
+        </p:nvSpPr>
+        <p:spPr>
+          <a:xfrm>
+            <a:off x="972000" y="4149000"/>
+            <a:ext cx="1728000" cy="216000"/>
+          </a:xfrm>
+          <a:prstGeom prst="rect">
+            <a:avLst/>
+          </a:prstGeom>
+          <a:solidFill>
+            <a:schemeClr val="bg1">
+              <a:lumMod val="85000"/>
+            </a:schemeClr>
+          </a:solidFill>
+          <a:ln w="9525">
+            <a:noFill/>
+          </a:ln>
+        </p:spPr>
+        <p:style>
+          <a:lnRef idx="2">
+            <a:schemeClr val="accent1">
+              <a:shade val="50000"/>
+            </a:schemeClr>
+          </a:lnRef>
+          <a:fillRef idx="1">
+            <a:schemeClr val="accent1"/>
+          </a:fillRef>
+          <a:effectRef idx="0">
+            <a:schemeClr val="accent1"/>
+          </a:effectRef>
+          <a:fontRef idx="minor">
+            <a:schemeClr val="lt1"/>
+          </a:fontRef>
+        </p:style>
+        <p:txBody>
+          <a:bodyPr wrap="none" lIns="36000" tIns="36000" rIns="36000" bIns="36000" rtlCol="0" anchor="ctr" anchorCtr="0"/>
+          <a:lstStyle/>
+          <a:p>
+            <a:r>
+              <a:rPr lang="en-US" sz="1200" b="1" dirty="0">
+                <a:solidFill>
+                  <a:schemeClr val="tx1"/>
+                </a:solidFill>
+              </a:rPr>
+              <a:t>AND Prefix</a:t>
+            </a:r>
+          </a:p>
+        </p:txBody>
+      </p:sp>
+      <p:sp>
+        <p:nvSpPr>
+          <p:cNvPr id="54" name="Rechteck 53">
+            <a:extLst>
+              <a:ext uri="{FF2B5EF4-FFF2-40B4-BE49-F238E27FC236}">
+                <a16:creationId xmlns:a16="http://schemas.microsoft.com/office/drawing/2014/main" id="{013AB289-B3AD-4B21-82C7-CCE1AE3F95C1}"/>
+              </a:ext>
+            </a:extLst>
+          </p:cNvPr>
+          <p:cNvSpPr/>
+          <p:nvPr/>
+        </p:nvSpPr>
+        <p:spPr>
+          <a:xfrm>
+            <a:off x="972000" y="4437000"/>
+            <a:ext cx="1728000" cy="216000"/>
+          </a:xfrm>
+          <a:prstGeom prst="rect">
+            <a:avLst/>
+          </a:prstGeom>
+          <a:solidFill>
+            <a:schemeClr val="bg1">
+              <a:lumMod val="85000"/>
+            </a:schemeClr>
+          </a:solidFill>
+          <a:ln w="9525">
+            <a:noFill/>
+          </a:ln>
+        </p:spPr>
+        <p:style>
+          <a:lnRef idx="2">
+            <a:schemeClr val="accent1">
+              <a:shade val="50000"/>
+            </a:schemeClr>
+          </a:lnRef>
+          <a:fillRef idx="1">
+            <a:schemeClr val="accent1"/>
+          </a:fillRef>
+          <a:effectRef idx="0">
+            <a:schemeClr val="accent1"/>
+          </a:effectRef>
+          <a:fontRef idx="minor">
+            <a:schemeClr val="lt1"/>
+          </a:fontRef>
+        </p:style>
+        <p:txBody>
+          <a:bodyPr wrap="none" lIns="36000" tIns="36000" rIns="36000" bIns="36000" rtlCol="0" anchor="ctr" anchorCtr="0"/>
+          <a:lstStyle/>
+          <a:p>
+            <a:r>
+              <a:rPr lang="en-US" sz="1200" b="1" dirty="0">
+                <a:solidFill>
+                  <a:schemeClr val="tx1"/>
+                </a:solidFill>
+              </a:rPr>
+              <a:t>OR Prefix</a:t>
+            </a:r>
+          </a:p>
+        </p:txBody>
+      </p:sp>
+      <p:sp>
+        <p:nvSpPr>
+          <p:cNvPr id="55" name="Rechteck 54">
+            <a:extLst>
+              <a:ext uri="{FF2B5EF4-FFF2-40B4-BE49-F238E27FC236}">
+                <a16:creationId xmlns:a16="http://schemas.microsoft.com/office/drawing/2014/main" id="{86A117CE-8D65-45D6-BE99-E8A59E0658B3}"/>
+              </a:ext>
+            </a:extLst>
+          </p:cNvPr>
+          <p:cNvSpPr/>
+          <p:nvPr/>
+        </p:nvSpPr>
+        <p:spPr>
+          <a:xfrm>
+            <a:off x="972000" y="4725000"/>
+            <a:ext cx="1728000" cy="216000"/>
+          </a:xfrm>
+          <a:prstGeom prst="rect">
+            <a:avLst/>
+          </a:prstGeom>
+          <a:solidFill>
+            <a:schemeClr val="bg1">
+              <a:lumMod val="85000"/>
+            </a:schemeClr>
+          </a:solidFill>
+          <a:ln w="9525">
+            <a:noFill/>
+          </a:ln>
+        </p:spPr>
+        <p:style>
+          <a:lnRef idx="2">
+            <a:schemeClr val="accent1">
+              <a:shade val="50000"/>
+            </a:schemeClr>
+          </a:lnRef>
+          <a:fillRef idx="1">
+            <a:schemeClr val="accent1"/>
+          </a:fillRef>
+          <a:effectRef idx="0">
+            <a:schemeClr val="accent1"/>
+          </a:effectRef>
+          <a:fontRef idx="minor">
+            <a:schemeClr val="lt1"/>
+          </a:fontRef>
+        </p:style>
+        <p:txBody>
+          <a:bodyPr wrap="none" lIns="36000" tIns="36000" rIns="36000" bIns="36000" rtlCol="0" anchor="ctr" anchorCtr="0"/>
+          <a:lstStyle/>
+          <a:p>
+            <a:r>
+              <a:rPr lang="en-US" sz="1200" b="1" dirty="0">
+                <a:solidFill>
+                  <a:schemeClr val="tx1"/>
+                </a:solidFill>
+              </a:rPr>
+              <a:t>PLUS Prefix</a:t>
+            </a:r>
+          </a:p>
+        </p:txBody>
+      </p:sp>
+      <p:sp>
+        <p:nvSpPr>
+          <p:cNvPr id="56" name="Rechteck 55">
+            <a:extLst>
+              <a:ext uri="{FF2B5EF4-FFF2-40B4-BE49-F238E27FC236}">
+                <a16:creationId xmlns:a16="http://schemas.microsoft.com/office/drawing/2014/main" id="{180BB475-342C-40EF-8BCF-F148A9D1599C}"/>
+              </a:ext>
+            </a:extLst>
+          </p:cNvPr>
+          <p:cNvSpPr/>
+          <p:nvPr/>
+        </p:nvSpPr>
+        <p:spPr>
+          <a:xfrm>
+            <a:off x="396000" y="4149000"/>
+            <a:ext cx="576000" cy="216000"/>
+          </a:xfrm>
+          <a:prstGeom prst="rect">
+            <a:avLst/>
+          </a:prstGeom>
+          <a:noFill/>
+          <a:ln w="9525">
+            <a:noFill/>
+          </a:ln>
+        </p:spPr>
+        <p:style>
+          <a:lnRef idx="2">
+            <a:schemeClr val="accent1">
+              <a:shade val="50000"/>
+            </a:schemeClr>
+          </a:lnRef>
+          <a:fillRef idx="1">
+            <a:schemeClr val="accent1"/>
+          </a:fillRef>
+          <a:effectRef idx="0">
+            <a:schemeClr val="accent1"/>
+          </a:effectRef>
+          <a:fontRef idx="minor">
+            <a:schemeClr val="lt1"/>
+          </a:fontRef>
+        </p:style>
+        <p:txBody>
+          <a:bodyPr wrap="none" lIns="36000" tIns="36000" rIns="36000" bIns="36000" rtlCol="0" anchor="ctr" anchorCtr="0"/>
+          <a:lstStyle/>
+          <a:p>
+            <a:r>
+              <a:rPr lang="en-US" sz="2000" b="1" dirty="0">
+                <a:solidFill>
+                  <a:schemeClr val="tx1"/>
+                </a:solidFill>
+                <a:latin typeface="Cordia New" panose="020B0502040204020203" pitchFamily="34" charset="-34"/>
+                <a:cs typeface="Cordia New" panose="020B0502040204020203" pitchFamily="34" charset="-34"/>
+              </a:rPr>
+              <a:t>&amp;&lt;==</a:t>
+            </a:r>
+          </a:p>
+        </p:txBody>
+      </p:sp>
+      <p:sp>
+        <p:nvSpPr>
+          <p:cNvPr id="57" name="Rechteck 56">
+            <a:extLst>
+              <a:ext uri="{FF2B5EF4-FFF2-40B4-BE49-F238E27FC236}">
+                <a16:creationId xmlns:a16="http://schemas.microsoft.com/office/drawing/2014/main" id="{E667EC6D-6DCD-4AB3-B90A-0FCD10A11073}"/>
+              </a:ext>
+            </a:extLst>
+          </p:cNvPr>
+          <p:cNvSpPr/>
+          <p:nvPr/>
+        </p:nvSpPr>
+        <p:spPr>
+          <a:xfrm>
+            <a:off x="396000" y="4437000"/>
+            <a:ext cx="576000" cy="216000"/>
+          </a:xfrm>
+          <a:prstGeom prst="rect">
+            <a:avLst/>
+          </a:prstGeom>
+          <a:noFill/>
+          <a:ln w="9525">
+            <a:noFill/>
+          </a:ln>
+        </p:spPr>
+        <p:style>
+          <a:lnRef idx="2">
+            <a:schemeClr val="accent1">
+              <a:shade val="50000"/>
+            </a:schemeClr>
+          </a:lnRef>
+          <a:fillRef idx="1">
+            <a:schemeClr val="accent1"/>
+          </a:fillRef>
+          <a:effectRef idx="0">
+            <a:schemeClr val="accent1"/>
+          </a:effectRef>
+          <a:fontRef idx="minor">
+            <a:schemeClr val="lt1"/>
+          </a:fontRef>
+        </p:style>
+        <p:txBody>
+          <a:bodyPr wrap="none" lIns="36000" tIns="36000" rIns="36000" bIns="36000" rtlCol="0" anchor="ctr" anchorCtr="0"/>
+          <a:lstStyle/>
+          <a:p>
+            <a:r>
+              <a:rPr lang="en-US" sz="2000" b="1" dirty="0">
+                <a:solidFill>
+                  <a:schemeClr val="tx1"/>
+                </a:solidFill>
+                <a:latin typeface="Cordia New" panose="020B0502040204020203" pitchFamily="34" charset="-34"/>
+                <a:cs typeface="Cordia New" panose="020B0502040204020203" pitchFamily="34" charset="-34"/>
+              </a:rPr>
+              <a:t>|&lt;==</a:t>
+            </a:r>
+          </a:p>
+        </p:txBody>
+      </p:sp>
+      <p:sp>
+        <p:nvSpPr>
+          <p:cNvPr id="58" name="Rechteck 57">
+            <a:extLst>
+              <a:ext uri="{FF2B5EF4-FFF2-40B4-BE49-F238E27FC236}">
+                <a16:creationId xmlns:a16="http://schemas.microsoft.com/office/drawing/2014/main" id="{1CC6180C-3F42-43D4-9497-7A1BC9DCCF9C}"/>
+              </a:ext>
+            </a:extLst>
+          </p:cNvPr>
+          <p:cNvSpPr/>
+          <p:nvPr/>
+        </p:nvSpPr>
+        <p:spPr>
+          <a:xfrm>
+            <a:off x="396000" y="4725000"/>
+            <a:ext cx="576000" cy="216000"/>
+          </a:xfrm>
+          <a:prstGeom prst="rect">
+            <a:avLst/>
+          </a:prstGeom>
+          <a:noFill/>
+          <a:ln w="9525">
+            <a:noFill/>
+          </a:ln>
+        </p:spPr>
+        <p:style>
+          <a:lnRef idx="2">
+            <a:schemeClr val="accent1">
+              <a:shade val="50000"/>
+            </a:schemeClr>
+          </a:lnRef>
+          <a:fillRef idx="1">
+            <a:schemeClr val="accent1"/>
+          </a:fillRef>
+          <a:effectRef idx="0">
+            <a:schemeClr val="accent1"/>
+          </a:effectRef>
+          <a:fontRef idx="minor">
+            <a:schemeClr val="lt1"/>
+          </a:fontRef>
+        </p:style>
+        <p:txBody>
+          <a:bodyPr wrap="none" lIns="36000" tIns="36000" rIns="36000" bIns="36000" rtlCol="0" anchor="ctr" anchorCtr="0"/>
+          <a:lstStyle/>
+          <a:p>
+            <a:r>
+              <a:rPr lang="en-US" sz="2000" b="1" dirty="0">
+                <a:solidFill>
+                  <a:schemeClr val="tx1"/>
+                </a:solidFill>
+                <a:latin typeface="Cordia New" panose="020B0502040204020203" pitchFamily="34" charset="-34"/>
+                <a:cs typeface="Cordia New" panose="020B0502040204020203" pitchFamily="34" charset="-34"/>
+              </a:rPr>
+              <a:t>+&lt;==</a:t>
+            </a:r>
+          </a:p>
+        </p:txBody>
+      </p:sp>
+      <p:sp>
+        <p:nvSpPr>
+          <p:cNvPr id="59" name="Rechteck 58">
+            <a:extLst>
+              <a:ext uri="{FF2B5EF4-FFF2-40B4-BE49-F238E27FC236}">
+                <a16:creationId xmlns:a16="http://schemas.microsoft.com/office/drawing/2014/main" id="{9E29CA85-1321-4BC7-8736-835DD35D09D4}"/>
+              </a:ext>
+            </a:extLst>
+          </p:cNvPr>
+          <p:cNvSpPr/>
+          <p:nvPr/>
+        </p:nvSpPr>
+        <p:spPr>
+          <a:xfrm>
+            <a:off x="2844000" y="4149000"/>
+            <a:ext cx="2232000" cy="216000"/>
+          </a:xfrm>
+          <a:prstGeom prst="rect">
+            <a:avLst/>
+          </a:prstGeom>
+          <a:noFill/>
+          <a:ln w="9525">
+            <a:noFill/>
+          </a:ln>
+        </p:spPr>
+        <p:style>
+          <a:lnRef idx="2">
+            <a:schemeClr val="accent1">
+              <a:shade val="50000"/>
+            </a:schemeClr>
+          </a:lnRef>
+          <a:fillRef idx="1">
+            <a:schemeClr val="accent1"/>
+          </a:fillRef>
+          <a:effectRef idx="0">
+            <a:schemeClr val="accent1"/>
+          </a:effectRef>
+          <a:fontRef idx="minor">
+            <a:schemeClr val="lt1"/>
+          </a:fontRef>
+        </p:style>
+        <p:txBody>
+          <a:bodyPr wrap="none" lIns="36000" tIns="36000" rIns="36000" bIns="36000" rtlCol="0" anchor="t" anchorCtr="0"/>
+          <a:lstStyle/>
+          <a:p>
+            <a:r>
+              <a:rPr lang="en-US" sz="1000" dirty="0">
+                <a:solidFill>
+                  <a:schemeClr val="tx1"/>
+                </a:solidFill>
+              </a:rPr>
+              <a:t>Overwrite data from source variable and table if already existing. Otherwise, ignore</a:t>
+            </a:r>
+          </a:p>
+        </p:txBody>
+      </p:sp>
+      <p:sp>
+        <p:nvSpPr>
+          <p:cNvPr id="60" name="Rechteck 59">
+            <a:extLst>
+              <a:ext uri="{FF2B5EF4-FFF2-40B4-BE49-F238E27FC236}">
+                <a16:creationId xmlns:a16="http://schemas.microsoft.com/office/drawing/2014/main" id="{70A49876-1B33-4FB6-BDC4-5277645C4D9D}"/>
+              </a:ext>
+            </a:extLst>
+          </p:cNvPr>
+          <p:cNvSpPr/>
+          <p:nvPr/>
+        </p:nvSpPr>
+        <p:spPr>
+          <a:xfrm>
+            <a:off x="2844000" y="4437000"/>
+            <a:ext cx="2232000" cy="216000"/>
+          </a:xfrm>
+          <a:prstGeom prst="rect">
+            <a:avLst/>
+          </a:prstGeom>
+          <a:noFill/>
+          <a:ln w="9525">
+            <a:noFill/>
+          </a:ln>
+        </p:spPr>
+        <p:style>
+          <a:lnRef idx="2">
+            <a:schemeClr val="accent1">
+              <a:shade val="50000"/>
+            </a:schemeClr>
+          </a:lnRef>
+          <a:fillRef idx="1">
+            <a:schemeClr val="accent1"/>
+          </a:fillRef>
+          <a:effectRef idx="0">
+            <a:schemeClr val="accent1"/>
+          </a:effectRef>
+          <a:fontRef idx="minor">
+            <a:schemeClr val="lt1"/>
+          </a:fontRef>
+        </p:style>
+        <p:txBody>
+          <a:bodyPr wrap="none" lIns="36000" tIns="36000" rIns="36000" bIns="36000" rtlCol="0" anchor="t" anchorCtr="0"/>
+          <a:lstStyle/>
+          <a:p>
+            <a:r>
+              <a:rPr lang="en-US" sz="1000" dirty="0">
+                <a:solidFill>
+                  <a:schemeClr val="tx1"/>
+                </a:solidFill>
+              </a:rPr>
+              <a:t>Overwrite data from source variable and table and create new members to write the data</a:t>
+            </a:r>
+          </a:p>
+        </p:txBody>
+      </p:sp>
+      <p:sp>
+        <p:nvSpPr>
+          <p:cNvPr id="61" name="Rechteck 60">
+            <a:extLst>
+              <a:ext uri="{FF2B5EF4-FFF2-40B4-BE49-F238E27FC236}">
+                <a16:creationId xmlns:a16="http://schemas.microsoft.com/office/drawing/2014/main" id="{97FE9405-725B-4C55-B9FF-F048A0A8C757}"/>
+              </a:ext>
+            </a:extLst>
+          </p:cNvPr>
+          <p:cNvSpPr/>
+          <p:nvPr/>
+        </p:nvSpPr>
+        <p:spPr>
+          <a:xfrm>
+            <a:off x="396000" y="981000"/>
+            <a:ext cx="2160000" cy="216000"/>
+          </a:xfrm>
+          <a:prstGeom prst="rect">
+            <a:avLst/>
+          </a:prstGeom>
+          <a:noFill/>
+          <a:ln w="9525">
+            <a:noFill/>
+          </a:ln>
+        </p:spPr>
+        <p:style>
+          <a:lnRef idx="2">
+            <a:schemeClr val="accent1">
+              <a:shade val="50000"/>
+            </a:schemeClr>
+          </a:lnRef>
+          <a:fillRef idx="1">
+            <a:schemeClr val="accent1"/>
+          </a:fillRef>
+          <a:effectRef idx="0">
+            <a:schemeClr val="accent1"/>
+          </a:effectRef>
+          <a:fontRef idx="minor">
+            <a:schemeClr val="lt1"/>
+          </a:fontRef>
+        </p:style>
+        <p:txBody>
+          <a:bodyPr wrap="none" lIns="36000" tIns="36000" rIns="36000" bIns="36000" rtlCol="0" anchor="t" anchorCtr="0"/>
+          <a:lstStyle/>
+          <a:p>
+            <a:r>
+              <a:rPr lang="en-US" sz="1000" dirty="0">
+                <a:solidFill>
+                  <a:schemeClr val="tx1"/>
+                </a:solidFill>
+              </a:rPr>
+              <a:t>Processing member variables</a:t>
+            </a:r>
+          </a:p>
+        </p:txBody>
+      </p:sp>
+      <p:sp>
+        <p:nvSpPr>
+          <p:cNvPr id="62" name="Rechteck 61">
+            <a:extLst>
+              <a:ext uri="{FF2B5EF4-FFF2-40B4-BE49-F238E27FC236}">
+                <a16:creationId xmlns:a16="http://schemas.microsoft.com/office/drawing/2014/main" id="{6C1F77D3-2357-488C-85CF-10825BA03509}"/>
+              </a:ext>
+            </a:extLst>
+          </p:cNvPr>
+          <p:cNvSpPr/>
+          <p:nvPr/>
+        </p:nvSpPr>
+        <p:spPr>
+          <a:xfrm>
+            <a:off x="2844000" y="4725000"/>
+            <a:ext cx="2232000" cy="216000"/>
+          </a:xfrm>
+          <a:prstGeom prst="rect">
+            <a:avLst/>
+          </a:prstGeom>
+          <a:noFill/>
+          <a:ln w="9525">
+            <a:noFill/>
+          </a:ln>
+        </p:spPr>
+        <p:style>
+          <a:lnRef idx="2">
+            <a:schemeClr val="accent1">
+              <a:shade val="50000"/>
+            </a:schemeClr>
+          </a:lnRef>
+          <a:fillRef idx="1">
+            <a:schemeClr val="accent1"/>
+          </a:fillRef>
+          <a:effectRef idx="0">
+            <a:schemeClr val="accent1"/>
+          </a:effectRef>
+          <a:fontRef idx="minor">
+            <a:schemeClr val="lt1"/>
+          </a:fontRef>
+        </p:style>
+        <p:txBody>
+          <a:bodyPr wrap="none" lIns="36000" tIns="36000" rIns="36000" bIns="36000" rtlCol="0" anchor="t" anchorCtr="0"/>
+          <a:lstStyle/>
+          <a:p>
+            <a:r>
+              <a:rPr lang="en-US" sz="1000" dirty="0">
+                <a:solidFill>
+                  <a:schemeClr val="tx1"/>
+                </a:solidFill>
+              </a:rPr>
+              <a:t>Do not overwrite data from source variable, but create new members with new data inside</a:t>
+            </a:r>
+          </a:p>
+        </p:txBody>
+      </p:sp>
+    </p:spTree>
+    <p:extLst>
+      <p:ext uri="{BB962C8B-B14F-4D97-AF65-F5344CB8AC3E}">
+        <p14:creationId xmlns:p14="http://schemas.microsoft.com/office/powerpoint/2010/main" val="2861172724"/>
+      </p:ext>
+    </p:extLst>
+  </p:cSld>
+  <p:clrMapOvr>
+    <a:masterClrMapping/>
+  </p:clrMapOvr>
+</p:sld>
+</file>
+
+<file path=ppt/slides/slide11.xml><?xml version="1.0" encoding="utf-8"?>
+<p:sld xmlns:a="http://schemas.openxmlformats.org/drawingml/2006/main" xmlns:r="http://schemas.openxmlformats.org/officeDocument/2006/relationships" xmlns:p="http://schemas.openxmlformats.org/presentationml/2006/main">
+  <p:cSld>
+    <p:spTree>
+      <p:nvGrpSpPr>
+        <p:cNvPr id="1" name=""/>
+        <p:cNvGrpSpPr/>
+        <p:nvPr/>
+      </p:nvGrpSpPr>
+      <p:grpSpPr>
+        <a:xfrm>
+          <a:off x="0" y="0"/>
+          <a:ext cx="0" cy="0"/>
+          <a:chOff x="0" y="0"/>
+          <a:chExt cx="0" cy="0"/>
+        </a:xfrm>
+      </p:grpSpPr>
+      <p:sp>
+        <p:nvSpPr>
+          <p:cNvPr id="2" name="Titel 1"/>
+          <p:cNvSpPr>
+            <a:spLocks noGrp="1"/>
+          </p:cNvSpPr>
+          <p:nvPr>
+            <p:ph type="title"/>
+          </p:nvPr>
+        </p:nvSpPr>
+        <p:spPr/>
+        <p:txBody>
+          <a:bodyPr/>
+          <a:lstStyle/>
+          <a:p>
+            <a:r>
               <a:rPr lang="en-US"/>
               <a:t>Functions Overview</a:t>
             </a:r>
@@ -16892,7 +21079,7 @@
 </p:sld>
 </file>
 
-<file path=ppt/slides/slide11.xml><?xml version="1.0" encoding="utf-8"?>
+<file path=ppt/slides/slide12.xml><?xml version="1.0" encoding="utf-8"?>
 <p:sld xmlns:a="http://schemas.openxmlformats.org/drawingml/2006/main" xmlns:r="http://schemas.openxmlformats.org/officeDocument/2006/relationships" xmlns:p="http://schemas.openxmlformats.org/presentationml/2006/main">
   <p:cSld>
     <p:spTree>
@@ -33658,7 +37845,7 @@
         <p:spPr>
           <a:xfrm>
             <a:off x="3132000" y="1413000"/>
-            <a:ext cx="5184000" cy="2664000"/>
+            <a:ext cx="5760000" cy="2664000"/>
           </a:xfrm>
           <a:prstGeom prst="rect">
             <a:avLst/>
@@ -33716,7 +37903,7 @@
         <p:spPr>
           <a:xfrm>
             <a:off x="7164000" y="3069000"/>
-            <a:ext cx="1152000" cy="576000"/>
+            <a:ext cx="1728000" cy="576000"/>
           </a:xfrm>
           <a:prstGeom prst="rect">
             <a:avLst/>
@@ -34321,7 +38508,7 @@
         <p:spPr>
           <a:xfrm>
             <a:off x="3132000" y="2277000"/>
-            <a:ext cx="5184000" cy="144000"/>
+            <a:ext cx="5760000" cy="144000"/>
           </a:xfrm>
           <a:prstGeom prst="rect">
             <a:avLst/>
@@ -34577,7 +38764,7 @@
         </p:nvSpPr>
         <p:spPr>
           <a:xfrm>
-            <a:off x="324000" y="1485000"/>
+            <a:off x="396000" y="1485000"/>
             <a:ext cx="2160000" cy="288000"/>
           </a:xfrm>
           <a:prstGeom prst="rect">
@@ -34636,7 +38823,7 @@
         <p:spPr>
           <a:xfrm>
             <a:off x="3132000" y="1125000"/>
-            <a:ext cx="5184000" cy="288000"/>
+            <a:ext cx="5760000" cy="288000"/>
           </a:xfrm>
           <a:prstGeom prst="rect">
             <a:avLst/>
@@ -34696,7 +38883,7 @@
         <p:spPr>
           <a:xfrm flipH="1">
             <a:off x="3132000" y="4077000"/>
-            <a:ext cx="5184000" cy="0"/>
+            <a:ext cx="5760000" cy="0"/>
           </a:xfrm>
           <a:prstGeom prst="line">
             <a:avLst/>
@@ -34734,7 +38921,7 @@
         <p:spPr>
           <a:xfrm flipH="1">
             <a:off x="3132000" y="1125000"/>
-            <a:ext cx="5184000" cy="0"/>
+            <a:ext cx="5760000" cy="0"/>
           </a:xfrm>
           <a:prstGeom prst="line">
             <a:avLst/>
@@ -34772,7 +38959,7 @@
         <p:spPr>
           <a:xfrm flipH="1">
             <a:off x="3132000" y="1413000"/>
-            <a:ext cx="5184000" cy="0"/>
+            <a:ext cx="5760000" cy="0"/>
           </a:xfrm>
           <a:prstGeom prst="line">
             <a:avLst/>
@@ -34987,7 +39174,7 @@
         </p:nvSpPr>
         <p:spPr>
           <a:xfrm>
-            <a:off x="324000" y="2061000"/>
+            <a:off x="396000" y="2061000"/>
             <a:ext cx="2160000" cy="288000"/>
           </a:xfrm>
           <a:prstGeom prst="rect">
@@ -35045,7 +39232,7 @@
         </p:nvSpPr>
         <p:spPr>
           <a:xfrm>
-            <a:off x="324000" y="2637000"/>
+            <a:off x="396000" y="2637000"/>
             <a:ext cx="2160000" cy="288000"/>
           </a:xfrm>
           <a:prstGeom prst="rect">
@@ -35103,7 +39290,7 @@
         </p:nvSpPr>
         <p:spPr>
           <a:xfrm>
-            <a:off x="324000" y="3213000"/>
+            <a:off x="396000" y="3213000"/>
             <a:ext cx="2160000" cy="288000"/>
           </a:xfrm>
           <a:prstGeom prst="rect">
@@ -35161,7 +39348,7 @@
         </p:nvSpPr>
         <p:spPr>
           <a:xfrm rot="5400000">
-            <a:off x="2556000" y="1485000"/>
+            <a:off x="2628000" y="1485000"/>
             <a:ext cx="288000" cy="288000"/>
           </a:xfrm>
           <a:prstGeom prst="triangle">
@@ -35219,7 +39406,7 @@
         </p:nvSpPr>
         <p:spPr>
           <a:xfrm rot="5400000">
-            <a:off x="2556000" y="2061000"/>
+            <a:off x="2628000" y="2061000"/>
             <a:ext cx="288000" cy="288000"/>
           </a:xfrm>
           <a:prstGeom prst="triangle">
@@ -35277,7 +39464,7 @@
         </p:nvSpPr>
         <p:spPr>
           <a:xfrm rot="5400000">
-            <a:off x="2556000" y="2637000"/>
+            <a:off x="2628000" y="2637000"/>
             <a:ext cx="288000" cy="288000"/>
           </a:xfrm>
           <a:prstGeom prst="triangle">
@@ -35335,7 +39522,7 @@
         </p:nvSpPr>
         <p:spPr>
           <a:xfrm rot="5400000">
-            <a:off x="2556000" y="3213000"/>
+            <a:off x="2628000" y="3213000"/>
             <a:ext cx="288000" cy="288000"/>
           </a:xfrm>
           <a:prstGeom prst="triangle">
@@ -35379,465 +39566,386 @@
           </a:p>
         </p:txBody>
       </p:sp>
-      <p:sp>
-        <p:nvSpPr>
-          <p:cNvPr id="61" name="Rechteck 60">
+      <p:cxnSp>
+        <p:nvCxnSpPr>
+          <p:cNvPr id="4" name="Gerader Verbinder 3">
             <a:extLst>
               <a:ext uri="{FF2B5EF4-FFF2-40B4-BE49-F238E27FC236}">
-                <a16:creationId xmlns:a16="http://schemas.microsoft.com/office/drawing/2014/main" id="{9FBE586E-4B6F-4673-BA29-204C64B2DE17}"/>
+                <a16:creationId xmlns:a16="http://schemas.microsoft.com/office/drawing/2014/main" id="{F842D469-7273-4A60-A4B8-5BD7647CADB0}"/>
               </a:ext>
             </a:extLst>
           </p:cNvPr>
-          <p:cNvSpPr/>
+          <p:cNvCxnSpPr>
+            <a:cxnSpLocks/>
+          </p:cNvCxnSpPr>
           <p:nvPr/>
-        </p:nvSpPr>
+        </p:nvCxnSpPr>
         <p:spPr>
           <a:xfrm>
-            <a:off x="3132000" y="4437000"/>
-            <a:ext cx="2160000" cy="432000"/>
+            <a:off x="3132000" y="1125000"/>
+            <a:ext cx="0" cy="2952000"/>
           </a:xfrm>
-          <a:prstGeom prst="rect">
+          <a:prstGeom prst="line">
             <a:avLst/>
           </a:prstGeom>
-          <a:solidFill>
-            <a:srgbClr val="C1E0FF"/>
-          </a:solidFill>
-          <a:ln w="9525">
-            <a:noFill/>
-          </a:ln>
         </p:spPr>
         <p:style>
-          <a:lnRef idx="2">
-            <a:schemeClr val="accent1">
-              <a:shade val="50000"/>
-            </a:schemeClr>
+          <a:lnRef idx="1">
+            <a:schemeClr val="accent1"/>
           </a:lnRef>
-          <a:fillRef idx="1">
+          <a:fillRef idx="0">
             <a:schemeClr val="accent1"/>
           </a:fillRef>
           <a:effectRef idx="0">
             <a:schemeClr val="accent1"/>
           </a:effectRef>
           <a:fontRef idx="minor">
-            <a:schemeClr val="lt1"/>
+            <a:schemeClr val="tx1"/>
           </a:fontRef>
         </p:style>
-        <p:txBody>
-          <a:bodyPr wrap="none" lIns="36000" tIns="36000" rIns="36000" bIns="36000" rtlCol="0" anchor="t" anchorCtr="0"/>
-          <a:lstStyle/>
-          <a:p>
-            <a:r>
-              <a:rPr lang="en-US" sz="1200" b="1" dirty="0">
-                <a:solidFill>
-                  <a:schemeClr val="tx1"/>
-                </a:solidFill>
-              </a:rPr>
-              <a:t>Partial Table Specifications</a:t>
-            </a:r>
-          </a:p>
-        </p:txBody>
-      </p:sp>
-      <p:grpSp>
-        <p:nvGrpSpPr>
-          <p:cNvPr id="108" name="Gruppieren 107">
+      </p:cxnSp>
+      <p:cxnSp>
+        <p:nvCxnSpPr>
+          <p:cNvPr id="39" name="Gerader Verbinder 38">
             <a:extLst>
               <a:ext uri="{FF2B5EF4-FFF2-40B4-BE49-F238E27FC236}">
-                <a16:creationId xmlns:a16="http://schemas.microsoft.com/office/drawing/2014/main" id="{23A4939E-7A11-4DE4-ABA5-4A699BA25ED4}"/>
+                <a16:creationId xmlns:a16="http://schemas.microsoft.com/office/drawing/2014/main" id="{A4894391-C828-4D75-B11E-96527C1724D4}"/>
               </a:ext>
             </a:extLst>
           </p:cNvPr>
-          <p:cNvGrpSpPr/>
+          <p:cNvCxnSpPr>
+            <a:cxnSpLocks/>
+          </p:cNvCxnSpPr>
           <p:nvPr/>
-        </p:nvGrpSpPr>
-        <p:grpSpPr>
+        </p:nvCxnSpPr>
+        <p:spPr>
           <a:xfrm>
-            <a:off x="3132000" y="1125000"/>
-            <a:ext cx="5184000" cy="2952000"/>
-            <a:chOff x="3132000" y="1125000"/>
-            <a:chExt cx="5184000" cy="2808000"/>
+            <a:off x="3708000" y="1125000"/>
+            <a:ext cx="0" cy="2952000"/>
           </a:xfrm>
-        </p:grpSpPr>
-        <p:cxnSp>
-          <p:nvCxnSpPr>
-            <p:cNvPr id="4" name="Gerader Verbinder 3">
-              <a:extLst>
-                <a:ext uri="{FF2B5EF4-FFF2-40B4-BE49-F238E27FC236}">
-                  <a16:creationId xmlns:a16="http://schemas.microsoft.com/office/drawing/2014/main" id="{F842D469-7273-4A60-A4B8-5BD7647CADB0}"/>
-                </a:ext>
-              </a:extLst>
-            </p:cNvPr>
-            <p:cNvCxnSpPr>
-              <a:cxnSpLocks/>
-            </p:cNvCxnSpPr>
-            <p:nvPr/>
-          </p:nvCxnSpPr>
-          <p:spPr>
-            <a:xfrm>
-              <a:off x="3132000" y="1125000"/>
-              <a:ext cx="0" cy="2808000"/>
-            </a:xfrm>
-            <a:prstGeom prst="line">
-              <a:avLst/>
-            </a:prstGeom>
-          </p:spPr>
-          <p:style>
-            <a:lnRef idx="1">
-              <a:schemeClr val="accent1"/>
-            </a:lnRef>
-            <a:fillRef idx="0">
-              <a:schemeClr val="accent1"/>
-            </a:fillRef>
-            <a:effectRef idx="0">
-              <a:schemeClr val="accent1"/>
-            </a:effectRef>
-            <a:fontRef idx="minor">
-              <a:schemeClr val="tx1"/>
-            </a:fontRef>
-          </p:style>
-        </p:cxnSp>
-        <p:cxnSp>
-          <p:nvCxnSpPr>
-            <p:cNvPr id="39" name="Gerader Verbinder 38">
-              <a:extLst>
-                <a:ext uri="{FF2B5EF4-FFF2-40B4-BE49-F238E27FC236}">
-                  <a16:creationId xmlns:a16="http://schemas.microsoft.com/office/drawing/2014/main" id="{A4894391-C828-4D75-B11E-96527C1724D4}"/>
-                </a:ext>
-              </a:extLst>
-            </p:cNvPr>
-            <p:cNvCxnSpPr>
-              <a:cxnSpLocks/>
-            </p:cNvCxnSpPr>
-            <p:nvPr/>
-          </p:nvCxnSpPr>
-          <p:spPr>
-            <a:xfrm>
-              <a:off x="3708000" y="1125000"/>
-              <a:ext cx="0" cy="2808000"/>
-            </a:xfrm>
-            <a:prstGeom prst="line">
-              <a:avLst/>
-            </a:prstGeom>
-          </p:spPr>
-          <p:style>
-            <a:lnRef idx="1">
-              <a:schemeClr val="accent1"/>
-            </a:lnRef>
-            <a:fillRef idx="0">
-              <a:schemeClr val="accent1"/>
-            </a:fillRef>
-            <a:effectRef idx="0">
-              <a:schemeClr val="accent1"/>
-            </a:effectRef>
-            <a:fontRef idx="minor">
-              <a:schemeClr val="tx1"/>
-            </a:fontRef>
-          </p:style>
-        </p:cxnSp>
-        <p:cxnSp>
-          <p:nvCxnSpPr>
-            <p:cNvPr id="69" name="Gerader Verbinder 68">
-              <a:extLst>
-                <a:ext uri="{FF2B5EF4-FFF2-40B4-BE49-F238E27FC236}">
-                  <a16:creationId xmlns:a16="http://schemas.microsoft.com/office/drawing/2014/main" id="{35E8535F-64D6-4F95-AED8-8D390630AA4B}"/>
-                </a:ext>
-              </a:extLst>
-            </p:cNvPr>
-            <p:cNvCxnSpPr>
-              <a:cxnSpLocks/>
-            </p:cNvCxnSpPr>
-            <p:nvPr/>
-          </p:nvCxnSpPr>
-          <p:spPr>
-            <a:xfrm>
-              <a:off x="4284000" y="1125000"/>
-              <a:ext cx="0" cy="2808000"/>
-            </a:xfrm>
-            <a:prstGeom prst="line">
-              <a:avLst/>
-            </a:prstGeom>
-          </p:spPr>
-          <p:style>
-            <a:lnRef idx="1">
-              <a:schemeClr val="accent1"/>
-            </a:lnRef>
-            <a:fillRef idx="0">
-              <a:schemeClr val="accent1"/>
-            </a:fillRef>
-            <a:effectRef idx="0">
-              <a:schemeClr val="accent1"/>
-            </a:effectRef>
-            <a:fontRef idx="minor">
-              <a:schemeClr val="tx1"/>
-            </a:fontRef>
-          </p:style>
-        </p:cxnSp>
-        <p:cxnSp>
-          <p:nvCxnSpPr>
-            <p:cNvPr id="70" name="Gerader Verbinder 69">
-              <a:extLst>
-                <a:ext uri="{FF2B5EF4-FFF2-40B4-BE49-F238E27FC236}">
-                  <a16:creationId xmlns:a16="http://schemas.microsoft.com/office/drawing/2014/main" id="{02EA09E3-29FD-4B40-BAB8-14FB177F4597}"/>
-                </a:ext>
-              </a:extLst>
-            </p:cNvPr>
-            <p:cNvCxnSpPr>
-              <a:cxnSpLocks/>
-            </p:cNvCxnSpPr>
-            <p:nvPr/>
-          </p:nvCxnSpPr>
-          <p:spPr>
-            <a:xfrm>
-              <a:off x="4860000" y="1125000"/>
-              <a:ext cx="0" cy="2808000"/>
-            </a:xfrm>
-            <a:prstGeom prst="line">
-              <a:avLst/>
-            </a:prstGeom>
-          </p:spPr>
-          <p:style>
-            <a:lnRef idx="1">
-              <a:schemeClr val="accent1"/>
-            </a:lnRef>
-            <a:fillRef idx="0">
-              <a:schemeClr val="accent1"/>
-            </a:fillRef>
-            <a:effectRef idx="0">
-              <a:schemeClr val="accent1"/>
-            </a:effectRef>
-            <a:fontRef idx="minor">
-              <a:schemeClr val="tx1"/>
-            </a:fontRef>
-          </p:style>
-        </p:cxnSp>
-        <p:cxnSp>
-          <p:nvCxnSpPr>
-            <p:cNvPr id="71" name="Gerader Verbinder 70">
-              <a:extLst>
-                <a:ext uri="{FF2B5EF4-FFF2-40B4-BE49-F238E27FC236}">
-                  <a16:creationId xmlns:a16="http://schemas.microsoft.com/office/drawing/2014/main" id="{6B49EAB6-DBB6-47F2-8C5A-0E730310F041}"/>
-                </a:ext>
-              </a:extLst>
-            </p:cNvPr>
-            <p:cNvCxnSpPr>
-              <a:cxnSpLocks/>
-            </p:cNvCxnSpPr>
-            <p:nvPr/>
-          </p:nvCxnSpPr>
-          <p:spPr>
-            <a:xfrm>
-              <a:off x="5436000" y="1125000"/>
-              <a:ext cx="0" cy="2808000"/>
-            </a:xfrm>
-            <a:prstGeom prst="line">
-              <a:avLst/>
-            </a:prstGeom>
-          </p:spPr>
-          <p:style>
-            <a:lnRef idx="1">
-              <a:schemeClr val="accent1"/>
-            </a:lnRef>
-            <a:fillRef idx="0">
-              <a:schemeClr val="accent1"/>
-            </a:fillRef>
-            <a:effectRef idx="0">
-              <a:schemeClr val="accent1"/>
-            </a:effectRef>
-            <a:fontRef idx="minor">
-              <a:schemeClr val="tx1"/>
-            </a:fontRef>
-          </p:style>
-        </p:cxnSp>
-        <p:cxnSp>
-          <p:nvCxnSpPr>
-            <p:cNvPr id="72" name="Gerader Verbinder 71">
-              <a:extLst>
-                <a:ext uri="{FF2B5EF4-FFF2-40B4-BE49-F238E27FC236}">
-                  <a16:creationId xmlns:a16="http://schemas.microsoft.com/office/drawing/2014/main" id="{71F89E94-DF9E-4448-8D76-C7306D691158}"/>
-                </a:ext>
-              </a:extLst>
-            </p:cNvPr>
-            <p:cNvCxnSpPr>
-              <a:cxnSpLocks/>
-            </p:cNvCxnSpPr>
-            <p:nvPr/>
-          </p:nvCxnSpPr>
-          <p:spPr>
-            <a:xfrm>
-              <a:off x="6012000" y="1125000"/>
-              <a:ext cx="0" cy="2808000"/>
-            </a:xfrm>
-            <a:prstGeom prst="line">
-              <a:avLst/>
-            </a:prstGeom>
-          </p:spPr>
-          <p:style>
-            <a:lnRef idx="1">
-              <a:schemeClr val="accent1"/>
-            </a:lnRef>
-            <a:fillRef idx="0">
-              <a:schemeClr val="accent1"/>
-            </a:fillRef>
-            <a:effectRef idx="0">
-              <a:schemeClr val="accent1"/>
-            </a:effectRef>
-            <a:fontRef idx="minor">
-              <a:schemeClr val="tx1"/>
-            </a:fontRef>
-          </p:style>
-        </p:cxnSp>
-        <p:cxnSp>
-          <p:nvCxnSpPr>
-            <p:cNvPr id="73" name="Gerader Verbinder 72">
-              <a:extLst>
-                <a:ext uri="{FF2B5EF4-FFF2-40B4-BE49-F238E27FC236}">
-                  <a16:creationId xmlns:a16="http://schemas.microsoft.com/office/drawing/2014/main" id="{AC2345D7-453F-48DA-9856-BB628BAE4862}"/>
-                </a:ext>
-              </a:extLst>
-            </p:cNvPr>
-            <p:cNvCxnSpPr>
-              <a:cxnSpLocks/>
-            </p:cNvCxnSpPr>
-            <p:nvPr/>
-          </p:nvCxnSpPr>
-          <p:spPr>
-            <a:xfrm>
-              <a:off x="6588000" y="1125000"/>
-              <a:ext cx="0" cy="2808000"/>
-            </a:xfrm>
-            <a:prstGeom prst="line">
-              <a:avLst/>
-            </a:prstGeom>
-          </p:spPr>
-          <p:style>
-            <a:lnRef idx="1">
-              <a:schemeClr val="accent1"/>
-            </a:lnRef>
-            <a:fillRef idx="0">
-              <a:schemeClr val="accent1"/>
-            </a:fillRef>
-            <a:effectRef idx="0">
-              <a:schemeClr val="accent1"/>
-            </a:effectRef>
-            <a:fontRef idx="minor">
-              <a:schemeClr val="tx1"/>
-            </a:fontRef>
-          </p:style>
-        </p:cxnSp>
-        <p:cxnSp>
-          <p:nvCxnSpPr>
-            <p:cNvPr id="74" name="Gerader Verbinder 73">
-              <a:extLst>
-                <a:ext uri="{FF2B5EF4-FFF2-40B4-BE49-F238E27FC236}">
-                  <a16:creationId xmlns:a16="http://schemas.microsoft.com/office/drawing/2014/main" id="{9441C0AC-0429-4B88-A95F-F3DD8C427E3F}"/>
-                </a:ext>
-              </a:extLst>
-            </p:cNvPr>
-            <p:cNvCxnSpPr>
-              <a:cxnSpLocks/>
-            </p:cNvCxnSpPr>
-            <p:nvPr/>
-          </p:nvCxnSpPr>
-          <p:spPr>
-            <a:xfrm>
-              <a:off x="7164000" y="1125000"/>
-              <a:ext cx="0" cy="2808000"/>
-            </a:xfrm>
-            <a:prstGeom prst="line">
-              <a:avLst/>
-            </a:prstGeom>
-          </p:spPr>
-          <p:style>
-            <a:lnRef idx="1">
-              <a:schemeClr val="accent1"/>
-            </a:lnRef>
-            <a:fillRef idx="0">
-              <a:schemeClr val="accent1"/>
-            </a:fillRef>
-            <a:effectRef idx="0">
-              <a:schemeClr val="accent1"/>
-            </a:effectRef>
-            <a:fontRef idx="minor">
-              <a:schemeClr val="tx1"/>
-            </a:fontRef>
-          </p:style>
-        </p:cxnSp>
-        <p:cxnSp>
-          <p:nvCxnSpPr>
-            <p:cNvPr id="75" name="Gerader Verbinder 74">
-              <a:extLst>
-                <a:ext uri="{FF2B5EF4-FFF2-40B4-BE49-F238E27FC236}">
-                  <a16:creationId xmlns:a16="http://schemas.microsoft.com/office/drawing/2014/main" id="{42DEA55A-A88E-43ED-9C06-D58243AFDD69}"/>
-                </a:ext>
-              </a:extLst>
-            </p:cNvPr>
-            <p:cNvCxnSpPr>
-              <a:cxnSpLocks/>
-            </p:cNvCxnSpPr>
-            <p:nvPr/>
-          </p:nvCxnSpPr>
-          <p:spPr>
-            <a:xfrm>
-              <a:off x="7740000" y="1125000"/>
-              <a:ext cx="0" cy="2808000"/>
-            </a:xfrm>
-            <a:prstGeom prst="line">
-              <a:avLst/>
-            </a:prstGeom>
-          </p:spPr>
-          <p:style>
-            <a:lnRef idx="1">
-              <a:schemeClr val="accent1"/>
-            </a:lnRef>
-            <a:fillRef idx="0">
-              <a:schemeClr val="accent1"/>
-            </a:fillRef>
-            <a:effectRef idx="0">
-              <a:schemeClr val="accent1"/>
-            </a:effectRef>
-            <a:fontRef idx="minor">
-              <a:schemeClr val="tx1"/>
-            </a:fontRef>
-          </p:style>
-        </p:cxnSp>
-        <p:cxnSp>
-          <p:nvCxnSpPr>
-            <p:cNvPr id="76" name="Gerader Verbinder 75">
-              <a:extLst>
-                <a:ext uri="{FF2B5EF4-FFF2-40B4-BE49-F238E27FC236}">
-                  <a16:creationId xmlns:a16="http://schemas.microsoft.com/office/drawing/2014/main" id="{39345581-3111-489E-AF08-1B7C443C9F3D}"/>
-                </a:ext>
-              </a:extLst>
-            </p:cNvPr>
-            <p:cNvCxnSpPr>
-              <a:cxnSpLocks/>
-            </p:cNvCxnSpPr>
-            <p:nvPr/>
-          </p:nvCxnSpPr>
-          <p:spPr>
-            <a:xfrm>
-              <a:off x="8316000" y="1125000"/>
-              <a:ext cx="0" cy="2808000"/>
-            </a:xfrm>
-            <a:prstGeom prst="line">
-              <a:avLst/>
-            </a:prstGeom>
-          </p:spPr>
-          <p:style>
-            <a:lnRef idx="1">
-              <a:schemeClr val="accent1"/>
-            </a:lnRef>
-            <a:fillRef idx="0">
-              <a:schemeClr val="accent1"/>
-            </a:fillRef>
-            <a:effectRef idx="0">
-              <a:schemeClr val="accent1"/>
-            </a:effectRef>
-            <a:fontRef idx="minor">
-              <a:schemeClr val="tx1"/>
-            </a:fontRef>
-          </p:style>
-        </p:cxnSp>
-      </p:grpSp>
+          <a:prstGeom prst="line">
+            <a:avLst/>
+          </a:prstGeom>
+        </p:spPr>
+        <p:style>
+          <a:lnRef idx="1">
+            <a:schemeClr val="accent1"/>
+          </a:lnRef>
+          <a:fillRef idx="0">
+            <a:schemeClr val="accent1"/>
+          </a:fillRef>
+          <a:effectRef idx="0">
+            <a:schemeClr val="accent1"/>
+          </a:effectRef>
+          <a:fontRef idx="minor">
+            <a:schemeClr val="tx1"/>
+          </a:fontRef>
+        </p:style>
+      </p:cxnSp>
+      <p:cxnSp>
+        <p:nvCxnSpPr>
+          <p:cNvPr id="69" name="Gerader Verbinder 68">
+            <a:extLst>
+              <a:ext uri="{FF2B5EF4-FFF2-40B4-BE49-F238E27FC236}">
+                <a16:creationId xmlns:a16="http://schemas.microsoft.com/office/drawing/2014/main" id="{35E8535F-64D6-4F95-AED8-8D390630AA4B}"/>
+              </a:ext>
+            </a:extLst>
+          </p:cNvPr>
+          <p:cNvCxnSpPr>
+            <a:cxnSpLocks/>
+          </p:cNvCxnSpPr>
+          <p:nvPr/>
+        </p:nvCxnSpPr>
+        <p:spPr>
+          <a:xfrm>
+            <a:off x="4284000" y="1125000"/>
+            <a:ext cx="0" cy="2952000"/>
+          </a:xfrm>
+          <a:prstGeom prst="line">
+            <a:avLst/>
+          </a:prstGeom>
+        </p:spPr>
+        <p:style>
+          <a:lnRef idx="1">
+            <a:schemeClr val="accent1"/>
+          </a:lnRef>
+          <a:fillRef idx="0">
+            <a:schemeClr val="accent1"/>
+          </a:fillRef>
+          <a:effectRef idx="0">
+            <a:schemeClr val="accent1"/>
+          </a:effectRef>
+          <a:fontRef idx="minor">
+            <a:schemeClr val="tx1"/>
+          </a:fontRef>
+        </p:style>
+      </p:cxnSp>
+      <p:cxnSp>
+        <p:nvCxnSpPr>
+          <p:cNvPr id="70" name="Gerader Verbinder 69">
+            <a:extLst>
+              <a:ext uri="{FF2B5EF4-FFF2-40B4-BE49-F238E27FC236}">
+                <a16:creationId xmlns:a16="http://schemas.microsoft.com/office/drawing/2014/main" id="{02EA09E3-29FD-4B40-BAB8-14FB177F4597}"/>
+              </a:ext>
+            </a:extLst>
+          </p:cNvPr>
+          <p:cNvCxnSpPr>
+            <a:cxnSpLocks/>
+          </p:cNvCxnSpPr>
+          <p:nvPr/>
+        </p:nvCxnSpPr>
+        <p:spPr>
+          <a:xfrm>
+            <a:off x="4860000" y="1125000"/>
+            <a:ext cx="0" cy="2952000"/>
+          </a:xfrm>
+          <a:prstGeom prst="line">
+            <a:avLst/>
+          </a:prstGeom>
+        </p:spPr>
+        <p:style>
+          <a:lnRef idx="1">
+            <a:schemeClr val="accent1"/>
+          </a:lnRef>
+          <a:fillRef idx="0">
+            <a:schemeClr val="accent1"/>
+          </a:fillRef>
+          <a:effectRef idx="0">
+            <a:schemeClr val="accent1"/>
+          </a:effectRef>
+          <a:fontRef idx="minor">
+            <a:schemeClr val="tx1"/>
+          </a:fontRef>
+        </p:style>
+      </p:cxnSp>
+      <p:cxnSp>
+        <p:nvCxnSpPr>
+          <p:cNvPr id="71" name="Gerader Verbinder 70">
+            <a:extLst>
+              <a:ext uri="{FF2B5EF4-FFF2-40B4-BE49-F238E27FC236}">
+                <a16:creationId xmlns:a16="http://schemas.microsoft.com/office/drawing/2014/main" id="{6B49EAB6-DBB6-47F2-8C5A-0E730310F041}"/>
+              </a:ext>
+            </a:extLst>
+          </p:cNvPr>
+          <p:cNvCxnSpPr>
+            <a:cxnSpLocks/>
+          </p:cNvCxnSpPr>
+          <p:nvPr/>
+        </p:nvCxnSpPr>
+        <p:spPr>
+          <a:xfrm>
+            <a:off x="5436000" y="1125000"/>
+            <a:ext cx="0" cy="2952000"/>
+          </a:xfrm>
+          <a:prstGeom prst="line">
+            <a:avLst/>
+          </a:prstGeom>
+        </p:spPr>
+        <p:style>
+          <a:lnRef idx="1">
+            <a:schemeClr val="accent1"/>
+          </a:lnRef>
+          <a:fillRef idx="0">
+            <a:schemeClr val="accent1"/>
+          </a:fillRef>
+          <a:effectRef idx="0">
+            <a:schemeClr val="accent1"/>
+          </a:effectRef>
+          <a:fontRef idx="minor">
+            <a:schemeClr val="tx1"/>
+          </a:fontRef>
+        </p:style>
+      </p:cxnSp>
+      <p:cxnSp>
+        <p:nvCxnSpPr>
+          <p:cNvPr id="72" name="Gerader Verbinder 71">
+            <a:extLst>
+              <a:ext uri="{FF2B5EF4-FFF2-40B4-BE49-F238E27FC236}">
+                <a16:creationId xmlns:a16="http://schemas.microsoft.com/office/drawing/2014/main" id="{71F89E94-DF9E-4448-8D76-C7306D691158}"/>
+              </a:ext>
+            </a:extLst>
+          </p:cNvPr>
+          <p:cNvCxnSpPr>
+            <a:cxnSpLocks/>
+          </p:cNvCxnSpPr>
+          <p:nvPr/>
+        </p:nvCxnSpPr>
+        <p:spPr>
+          <a:xfrm>
+            <a:off x="6012000" y="1125000"/>
+            <a:ext cx="0" cy="2952000"/>
+          </a:xfrm>
+          <a:prstGeom prst="line">
+            <a:avLst/>
+          </a:prstGeom>
+        </p:spPr>
+        <p:style>
+          <a:lnRef idx="1">
+            <a:schemeClr val="accent1"/>
+          </a:lnRef>
+          <a:fillRef idx="0">
+            <a:schemeClr val="accent1"/>
+          </a:fillRef>
+          <a:effectRef idx="0">
+            <a:schemeClr val="accent1"/>
+          </a:effectRef>
+          <a:fontRef idx="minor">
+            <a:schemeClr val="tx1"/>
+          </a:fontRef>
+        </p:style>
+      </p:cxnSp>
+      <p:cxnSp>
+        <p:nvCxnSpPr>
+          <p:cNvPr id="73" name="Gerader Verbinder 72">
+            <a:extLst>
+              <a:ext uri="{FF2B5EF4-FFF2-40B4-BE49-F238E27FC236}">
+                <a16:creationId xmlns:a16="http://schemas.microsoft.com/office/drawing/2014/main" id="{AC2345D7-453F-48DA-9856-BB628BAE4862}"/>
+              </a:ext>
+            </a:extLst>
+          </p:cNvPr>
+          <p:cNvCxnSpPr>
+            <a:cxnSpLocks/>
+          </p:cNvCxnSpPr>
+          <p:nvPr/>
+        </p:nvCxnSpPr>
+        <p:spPr>
+          <a:xfrm>
+            <a:off x="6588000" y="1125000"/>
+            <a:ext cx="0" cy="2952000"/>
+          </a:xfrm>
+          <a:prstGeom prst="line">
+            <a:avLst/>
+          </a:prstGeom>
+        </p:spPr>
+        <p:style>
+          <a:lnRef idx="1">
+            <a:schemeClr val="accent1"/>
+          </a:lnRef>
+          <a:fillRef idx="0">
+            <a:schemeClr val="accent1"/>
+          </a:fillRef>
+          <a:effectRef idx="0">
+            <a:schemeClr val="accent1"/>
+          </a:effectRef>
+          <a:fontRef idx="minor">
+            <a:schemeClr val="tx1"/>
+          </a:fontRef>
+        </p:style>
+      </p:cxnSp>
+      <p:cxnSp>
+        <p:nvCxnSpPr>
+          <p:cNvPr id="74" name="Gerader Verbinder 73">
+            <a:extLst>
+              <a:ext uri="{FF2B5EF4-FFF2-40B4-BE49-F238E27FC236}">
+                <a16:creationId xmlns:a16="http://schemas.microsoft.com/office/drawing/2014/main" id="{9441C0AC-0429-4B88-A95F-F3DD8C427E3F}"/>
+              </a:ext>
+            </a:extLst>
+          </p:cNvPr>
+          <p:cNvCxnSpPr>
+            <a:cxnSpLocks/>
+          </p:cNvCxnSpPr>
+          <p:nvPr/>
+        </p:nvCxnSpPr>
+        <p:spPr>
+          <a:xfrm>
+            <a:off x="7164000" y="1125000"/>
+            <a:ext cx="0" cy="2952000"/>
+          </a:xfrm>
+          <a:prstGeom prst="line">
+            <a:avLst/>
+          </a:prstGeom>
+        </p:spPr>
+        <p:style>
+          <a:lnRef idx="1">
+            <a:schemeClr val="accent1"/>
+          </a:lnRef>
+          <a:fillRef idx="0">
+            <a:schemeClr val="accent1"/>
+          </a:fillRef>
+          <a:effectRef idx="0">
+            <a:schemeClr val="accent1"/>
+          </a:effectRef>
+          <a:fontRef idx="minor">
+            <a:schemeClr val="tx1"/>
+          </a:fontRef>
+        </p:style>
+      </p:cxnSp>
+      <p:cxnSp>
+        <p:nvCxnSpPr>
+          <p:cNvPr id="75" name="Gerader Verbinder 74">
+            <a:extLst>
+              <a:ext uri="{FF2B5EF4-FFF2-40B4-BE49-F238E27FC236}">
+                <a16:creationId xmlns:a16="http://schemas.microsoft.com/office/drawing/2014/main" id="{42DEA55A-A88E-43ED-9C06-D58243AFDD69}"/>
+              </a:ext>
+            </a:extLst>
+          </p:cNvPr>
+          <p:cNvCxnSpPr>
+            <a:cxnSpLocks/>
+          </p:cNvCxnSpPr>
+          <p:nvPr/>
+        </p:nvCxnSpPr>
+        <p:spPr>
+          <a:xfrm>
+            <a:off x="7740000" y="1125000"/>
+            <a:ext cx="0" cy="2952000"/>
+          </a:xfrm>
+          <a:prstGeom prst="line">
+            <a:avLst/>
+          </a:prstGeom>
+        </p:spPr>
+        <p:style>
+          <a:lnRef idx="1">
+            <a:schemeClr val="accent1"/>
+          </a:lnRef>
+          <a:fillRef idx="0">
+            <a:schemeClr val="accent1"/>
+          </a:fillRef>
+          <a:effectRef idx="0">
+            <a:schemeClr val="accent1"/>
+          </a:effectRef>
+          <a:fontRef idx="minor">
+            <a:schemeClr val="tx1"/>
+          </a:fontRef>
+        </p:style>
+      </p:cxnSp>
+      <p:cxnSp>
+        <p:nvCxnSpPr>
+          <p:cNvPr id="76" name="Gerader Verbinder 75">
+            <a:extLst>
+              <a:ext uri="{FF2B5EF4-FFF2-40B4-BE49-F238E27FC236}">
+                <a16:creationId xmlns:a16="http://schemas.microsoft.com/office/drawing/2014/main" id="{39345581-3111-489E-AF08-1B7C443C9F3D}"/>
+              </a:ext>
+            </a:extLst>
+          </p:cNvPr>
+          <p:cNvCxnSpPr>
+            <a:cxnSpLocks/>
+          </p:cNvCxnSpPr>
+          <p:nvPr/>
+        </p:nvCxnSpPr>
+        <p:spPr>
+          <a:xfrm>
+            <a:off x="8316000" y="1125000"/>
+            <a:ext cx="0" cy="2952000"/>
+          </a:xfrm>
+          <a:prstGeom prst="line">
+            <a:avLst/>
+          </a:prstGeom>
+        </p:spPr>
+        <p:style>
+          <a:lnRef idx="1">
+            <a:schemeClr val="accent1"/>
+          </a:lnRef>
+          <a:fillRef idx="0">
+            <a:schemeClr val="accent1"/>
+          </a:fillRef>
+          <a:effectRef idx="0">
+            <a:schemeClr val="accent1"/>
+          </a:effectRef>
+          <a:fontRef idx="minor">
+            <a:schemeClr val="tx1"/>
+          </a:fontRef>
+        </p:style>
+      </p:cxnSp>
       <p:sp>
         <p:nvSpPr>
           <p:cNvPr id="94" name="Rechteck 93">
@@ -35852,7 +39960,7 @@
         </p:nvSpPr>
         <p:spPr>
           <a:xfrm>
-            <a:off x="324000" y="1773000"/>
+            <a:off x="396000" y="1773000"/>
             <a:ext cx="2160000" cy="216000"/>
           </a:xfrm>
           <a:prstGeom prst="rect">
@@ -35908,7 +40016,7 @@
         </p:nvSpPr>
         <p:spPr>
           <a:xfrm>
-            <a:off x="324000" y="2349000"/>
+            <a:off x="396000" y="2349000"/>
             <a:ext cx="2160000" cy="216000"/>
           </a:xfrm>
           <a:prstGeom prst="rect">
@@ -35964,7 +40072,7 @@
         </p:nvSpPr>
         <p:spPr>
           <a:xfrm>
-            <a:off x="324000" y="2925000"/>
+            <a:off x="396000" y="2925000"/>
             <a:ext cx="2160000" cy="216000"/>
           </a:xfrm>
           <a:prstGeom prst="rect">
@@ -36020,7 +40128,7 @@
         </p:nvSpPr>
         <p:spPr>
           <a:xfrm>
-            <a:off x="324000" y="3501000"/>
+            <a:off x="396000" y="3501000"/>
             <a:ext cx="2160000" cy="216000"/>
           </a:xfrm>
           <a:prstGeom prst="rect">
@@ -36076,7 +40184,7 @@
         </p:nvSpPr>
         <p:spPr>
           <a:xfrm>
-            <a:off x="5364000" y="4221000"/>
+            <a:off x="4716000" y="4293000"/>
             <a:ext cx="2160000" cy="648000"/>
           </a:xfrm>
           <a:prstGeom prst="rect">
@@ -36158,52 +40266,6 @@
               <a:t>optionally a column number</a:t>
             </a:r>
           </a:p>
-        </p:txBody>
-      </p:sp>
-      <p:sp>
-        <p:nvSpPr>
-          <p:cNvPr id="99" name="Rechteck 98">
-            <a:extLst>
-              <a:ext uri="{FF2B5EF4-FFF2-40B4-BE49-F238E27FC236}">
-                <a16:creationId xmlns:a16="http://schemas.microsoft.com/office/drawing/2014/main" id="{20834EA1-5C27-45CE-8593-82B1476477A8}"/>
-              </a:ext>
-            </a:extLst>
-          </p:cNvPr>
-          <p:cNvSpPr/>
-          <p:nvPr/>
-        </p:nvSpPr>
-        <p:spPr>
-          <a:xfrm>
-            <a:off x="3132000" y="4653000"/>
-            <a:ext cx="2160000" cy="216000"/>
-          </a:xfrm>
-          <a:prstGeom prst="rect">
-            <a:avLst/>
-          </a:prstGeom>
-          <a:noFill/>
-          <a:ln w="9525">
-            <a:noFill/>
-          </a:ln>
-        </p:spPr>
-        <p:style>
-          <a:lnRef idx="2">
-            <a:schemeClr val="accent1">
-              <a:shade val="50000"/>
-            </a:schemeClr>
-          </a:lnRef>
-          <a:fillRef idx="1">
-            <a:schemeClr val="accent1"/>
-          </a:fillRef>
-          <a:effectRef idx="0">
-            <a:schemeClr val="accent1"/>
-          </a:effectRef>
-          <a:fontRef idx="minor">
-            <a:schemeClr val="lt1"/>
-          </a:fontRef>
-        </p:style>
-        <p:txBody>
-          <a:bodyPr wrap="none" lIns="36000" tIns="36000" rIns="36000" bIns="36000" rtlCol="0" anchor="ctr" anchorCtr="0"/>
-          <a:lstStyle/>
           <a:p>
             <a:r>
               <a:rPr lang="en-US" sz="1000" dirty="0">
@@ -36211,7 +40273,7 @@
                   <a:schemeClr val="tx1"/>
                 </a:solidFill>
               </a:rPr>
-              <a:t>Simplifies accessing contents</a:t>
+              <a:t>Supports multiple nested contexts</a:t>
             </a:r>
           </a:p>
         </p:txBody>
@@ -36231,7 +40293,7 @@
         <p:spPr>
           <a:xfrm>
             <a:off x="3132000" y="2637000"/>
-            <a:ext cx="5184000" cy="144000"/>
+            <a:ext cx="5760000" cy="144000"/>
           </a:xfrm>
           <a:prstGeom prst="rect">
             <a:avLst/>
@@ -36282,18 +40344,19 @@
           </p:cNvPr>
           <p:cNvCxnSpPr>
             <a:cxnSpLocks/>
+            <a:stCxn id="78" idx="0"/>
           </p:cNvCxnSpPr>
           <p:nvPr/>
         </p:nvCxnSpPr>
         <p:spPr>
           <a:xfrm flipV="1">
-            <a:off x="4572000" y="2781000"/>
-            <a:ext cx="0" cy="1656000"/>
+            <a:off x="4644000" y="2781000"/>
+            <a:ext cx="0" cy="2448000"/>
           </a:xfrm>
           <a:prstGeom prst="straightConnector1">
             <a:avLst/>
           </a:prstGeom>
-          <a:ln>
+          <a:ln w="19050">
             <a:solidFill>
               <a:srgbClr val="00B0F0"/>
             </a:solidFill>
@@ -36329,7 +40392,7 @@
         </p:nvSpPr>
         <p:spPr>
           <a:xfrm>
-            <a:off x="6948000" y="909000"/>
+            <a:off x="7524000" y="909000"/>
             <a:ext cx="1368000" cy="216000"/>
           </a:xfrm>
           <a:prstGeom prst="rect">
@@ -36454,7 +40517,7 @@
         </p:nvSpPr>
         <p:spPr>
           <a:xfrm>
-            <a:off x="324000" y="3861000"/>
+            <a:off x="396000" y="3789000"/>
             <a:ext cx="2160000" cy="1008000"/>
           </a:xfrm>
           <a:prstGeom prst="rect">
@@ -36578,6 +40641,935 @@
           </a:p>
         </p:txBody>
       </p:sp>
+      <p:sp>
+        <p:nvSpPr>
+          <p:cNvPr id="62" name="Rechteck 61">
+            <a:extLst>
+              <a:ext uri="{FF2B5EF4-FFF2-40B4-BE49-F238E27FC236}">
+                <a16:creationId xmlns:a16="http://schemas.microsoft.com/office/drawing/2014/main" id="{9E2FE2F2-1788-4F96-AF84-4C0BFF317B17}"/>
+              </a:ext>
+            </a:extLst>
+          </p:cNvPr>
+          <p:cNvSpPr/>
+          <p:nvPr/>
+        </p:nvSpPr>
+        <p:spPr>
+          <a:xfrm>
+            <a:off x="6156000" y="5229000"/>
+            <a:ext cx="2736000" cy="648000"/>
+          </a:xfrm>
+          <a:prstGeom prst="rect">
+            <a:avLst/>
+          </a:prstGeom>
+          <a:solidFill>
+            <a:schemeClr val="bg1">
+              <a:lumMod val="85000"/>
+            </a:schemeClr>
+          </a:solidFill>
+          <a:ln w="9525">
+            <a:noFill/>
+          </a:ln>
+        </p:spPr>
+        <p:style>
+          <a:lnRef idx="2">
+            <a:schemeClr val="accent1">
+              <a:shade val="50000"/>
+            </a:schemeClr>
+          </a:lnRef>
+          <a:fillRef idx="1">
+            <a:schemeClr val="accent1"/>
+          </a:fillRef>
+          <a:effectRef idx="0">
+            <a:schemeClr val="accent1"/>
+          </a:effectRef>
+          <a:fontRef idx="minor">
+            <a:schemeClr val="lt1"/>
+          </a:fontRef>
+        </p:style>
+        <p:txBody>
+          <a:bodyPr wrap="none" lIns="36000" tIns="36000" rIns="36000" bIns="36000" rtlCol="0" anchor="t" anchorCtr="0"/>
+          <a:lstStyle/>
+          <a:p>
+            <a:r>
+              <a:rPr lang="en-US" sz="1200" b="1" dirty="0">
+                <a:solidFill>
+                  <a:schemeClr val="tx1"/>
+                </a:solidFill>
+              </a:rPr>
+              <a:t>Shifted Table Columns</a:t>
+            </a:r>
+          </a:p>
+          <a:p>
+            <a:r>
+              <a:rPr lang="en-US" sz="1200" dirty="0">
+                <a:solidFill>
+                  <a:schemeClr val="tx1"/>
+                </a:solidFill>
+              </a:rPr>
+              <a:t>Simple way to access next</a:t>
+            </a:r>
+            <a:br>
+              <a:rPr lang="en-US" sz="1200" dirty="0">
+                <a:solidFill>
+                  <a:schemeClr val="tx1"/>
+                </a:solidFill>
+              </a:rPr>
+            </a:br>
+            <a:r>
+              <a:rPr lang="en-US" sz="1200" dirty="0">
+                <a:solidFill>
+                  <a:schemeClr val="tx1"/>
+                </a:solidFill>
+              </a:rPr>
+              <a:t>column(s) to left or right</a:t>
+            </a:r>
+            <a:endParaRPr lang="en-US" sz="1200" b="1" dirty="0">
+              <a:solidFill>
+                <a:schemeClr val="tx1"/>
+              </a:solidFill>
+            </a:endParaRPr>
+          </a:p>
+        </p:txBody>
+      </p:sp>
+      <p:sp>
+        <p:nvSpPr>
+          <p:cNvPr id="63" name="Rechteck 62">
+            <a:extLst>
+              <a:ext uri="{FF2B5EF4-FFF2-40B4-BE49-F238E27FC236}">
+                <a16:creationId xmlns:a16="http://schemas.microsoft.com/office/drawing/2014/main" id="{226720B9-7CAA-4842-8978-732F616667C0}"/>
+              </a:ext>
+            </a:extLst>
+          </p:cNvPr>
+          <p:cNvSpPr/>
+          <p:nvPr/>
+        </p:nvSpPr>
+        <p:spPr>
+          <a:xfrm>
+            <a:off x="8316000" y="5301000"/>
+            <a:ext cx="504000" cy="504000"/>
+          </a:xfrm>
+          <a:prstGeom prst="rect">
+            <a:avLst/>
+          </a:prstGeom>
+          <a:solidFill>
+            <a:schemeClr val="bg1"/>
+          </a:solidFill>
+          <a:ln w="9525">
+            <a:noFill/>
+          </a:ln>
+        </p:spPr>
+        <p:style>
+          <a:lnRef idx="2">
+            <a:schemeClr val="accent1">
+              <a:shade val="50000"/>
+            </a:schemeClr>
+          </a:lnRef>
+          <a:fillRef idx="1">
+            <a:schemeClr val="accent1"/>
+          </a:fillRef>
+          <a:effectRef idx="0">
+            <a:schemeClr val="accent1"/>
+          </a:effectRef>
+          <a:fontRef idx="minor">
+            <a:schemeClr val="lt1"/>
+          </a:fontRef>
+        </p:style>
+        <p:txBody>
+          <a:bodyPr wrap="none" lIns="36000" tIns="36000" rIns="36000" bIns="36000" rtlCol="0" anchor="ctr" anchorCtr="0"/>
+          <a:lstStyle/>
+          <a:p>
+            <a:pPr algn="ctr"/>
+            <a:endParaRPr lang="de-CH" sz="1400" dirty="0">
+              <a:solidFill>
+                <a:schemeClr val="tx1"/>
+              </a:solidFill>
+            </a:endParaRPr>
+          </a:p>
+        </p:txBody>
+      </p:sp>
+      <p:sp>
+        <p:nvSpPr>
+          <p:cNvPr id="67" name="Rechteck 66">
+            <a:extLst>
+              <a:ext uri="{FF2B5EF4-FFF2-40B4-BE49-F238E27FC236}">
+                <a16:creationId xmlns:a16="http://schemas.microsoft.com/office/drawing/2014/main" id="{62C84D46-9B3C-4842-BC48-3F5C12DDBD44}"/>
+              </a:ext>
+            </a:extLst>
+          </p:cNvPr>
+          <p:cNvSpPr/>
+          <p:nvPr/>
+        </p:nvSpPr>
+        <p:spPr>
+          <a:xfrm>
+            <a:off x="396000" y="4941000"/>
+            <a:ext cx="2160000" cy="216000"/>
+          </a:xfrm>
+          <a:prstGeom prst="rect">
+            <a:avLst/>
+          </a:prstGeom>
+          <a:noFill/>
+          <a:ln w="9525">
+            <a:noFill/>
+          </a:ln>
+        </p:spPr>
+        <p:style>
+          <a:lnRef idx="2">
+            <a:schemeClr val="accent1">
+              <a:shade val="50000"/>
+            </a:schemeClr>
+          </a:lnRef>
+          <a:fillRef idx="1">
+            <a:schemeClr val="accent1"/>
+          </a:fillRef>
+          <a:effectRef idx="0">
+            <a:schemeClr val="accent1"/>
+          </a:effectRef>
+          <a:fontRef idx="minor">
+            <a:schemeClr val="lt1"/>
+          </a:fontRef>
+        </p:style>
+        <p:txBody>
+          <a:bodyPr wrap="none" lIns="36000" tIns="36000" rIns="36000" bIns="36000" rtlCol="0" anchor="ctr" anchorCtr="0"/>
+          <a:lstStyle/>
+          <a:p>
+            <a:r>
+              <a:rPr lang="en-US" sz="1200" b="1" dirty="0">
+                <a:solidFill>
+                  <a:schemeClr val="tx1"/>
+                </a:solidFill>
+              </a:rPr>
+              <a:t>Rich Feature Set</a:t>
+            </a:r>
+          </a:p>
+        </p:txBody>
+      </p:sp>
+      <p:cxnSp>
+        <p:nvCxnSpPr>
+          <p:cNvPr id="68" name="Gerader Verbinder 67">
+            <a:extLst>
+              <a:ext uri="{FF2B5EF4-FFF2-40B4-BE49-F238E27FC236}">
+                <a16:creationId xmlns:a16="http://schemas.microsoft.com/office/drawing/2014/main" id="{230D1EC6-F16F-4298-AD40-F64AB2F1C60D}"/>
+              </a:ext>
+            </a:extLst>
+          </p:cNvPr>
+          <p:cNvCxnSpPr>
+            <a:cxnSpLocks/>
+          </p:cNvCxnSpPr>
+          <p:nvPr/>
+        </p:nvCxnSpPr>
+        <p:spPr>
+          <a:xfrm>
+            <a:off x="396000" y="5157000"/>
+            <a:ext cx="8496000" cy="0"/>
+          </a:xfrm>
+          <a:prstGeom prst="line">
+            <a:avLst/>
+          </a:prstGeom>
+        </p:spPr>
+        <p:style>
+          <a:lnRef idx="1">
+            <a:schemeClr val="accent1"/>
+          </a:lnRef>
+          <a:fillRef idx="0">
+            <a:schemeClr val="accent1"/>
+          </a:fillRef>
+          <a:effectRef idx="0">
+            <a:schemeClr val="accent1"/>
+          </a:effectRef>
+          <a:fontRef idx="minor">
+            <a:schemeClr val="tx1"/>
+          </a:fontRef>
+        </p:style>
+      </p:cxnSp>
+      <p:sp>
+        <p:nvSpPr>
+          <p:cNvPr id="77" name="Rechteck 76">
+            <a:extLst>
+              <a:ext uri="{FF2B5EF4-FFF2-40B4-BE49-F238E27FC236}">
+                <a16:creationId xmlns:a16="http://schemas.microsoft.com/office/drawing/2014/main" id="{58873046-094B-4379-A30B-0D3B93D54AA7}"/>
+              </a:ext>
+            </a:extLst>
+          </p:cNvPr>
+          <p:cNvSpPr/>
+          <p:nvPr/>
+        </p:nvSpPr>
+        <p:spPr>
+          <a:xfrm>
+            <a:off x="396000" y="5229000"/>
+            <a:ext cx="2736000" cy="648000"/>
+          </a:xfrm>
+          <a:prstGeom prst="rect">
+            <a:avLst/>
+          </a:prstGeom>
+          <a:solidFill>
+            <a:schemeClr val="bg1">
+              <a:lumMod val="85000"/>
+            </a:schemeClr>
+          </a:solidFill>
+          <a:ln w="9525">
+            <a:noFill/>
+          </a:ln>
+        </p:spPr>
+        <p:style>
+          <a:lnRef idx="2">
+            <a:schemeClr val="accent1">
+              <a:shade val="50000"/>
+            </a:schemeClr>
+          </a:lnRef>
+          <a:fillRef idx="1">
+            <a:schemeClr val="accent1"/>
+          </a:fillRef>
+          <a:effectRef idx="0">
+            <a:schemeClr val="accent1"/>
+          </a:effectRef>
+          <a:fontRef idx="minor">
+            <a:schemeClr val="lt1"/>
+          </a:fontRef>
+        </p:style>
+        <p:txBody>
+          <a:bodyPr wrap="none" lIns="36000" tIns="36000" rIns="36000" bIns="36000" rtlCol="0" anchor="t" anchorCtr="0"/>
+          <a:lstStyle/>
+          <a:p>
+            <a:r>
+              <a:rPr lang="en-US" sz="1200" b="1" dirty="0">
+                <a:solidFill>
+                  <a:schemeClr val="tx1"/>
+                </a:solidFill>
+              </a:rPr>
+              <a:t>Comprehensive Library</a:t>
+            </a:r>
+          </a:p>
+          <a:p>
+            <a:r>
+              <a:rPr lang="en-US" sz="1200" dirty="0">
+                <a:solidFill>
+                  <a:schemeClr val="tx1"/>
+                </a:solidFill>
+              </a:rPr>
+              <a:t>of powerful and versatile</a:t>
+            </a:r>
+          </a:p>
+          <a:p>
+            <a:r>
+              <a:rPr lang="en-US" sz="1200" dirty="0">
+                <a:solidFill>
+                  <a:schemeClr val="tx1"/>
+                </a:solidFill>
+              </a:rPr>
+              <a:t>variable processing functions</a:t>
+            </a:r>
+          </a:p>
+          <a:p>
+            <a:endParaRPr lang="en-US" sz="1200" b="1" dirty="0">
+              <a:solidFill>
+                <a:schemeClr val="tx1"/>
+              </a:solidFill>
+            </a:endParaRPr>
+          </a:p>
+        </p:txBody>
+      </p:sp>
+      <p:sp>
+        <p:nvSpPr>
+          <p:cNvPr id="78" name="Rechteck 77">
+            <a:extLst>
+              <a:ext uri="{FF2B5EF4-FFF2-40B4-BE49-F238E27FC236}">
+                <a16:creationId xmlns:a16="http://schemas.microsoft.com/office/drawing/2014/main" id="{17AAD421-5D48-4ABB-BB80-18BEC1C21F25}"/>
+              </a:ext>
+            </a:extLst>
+          </p:cNvPr>
+          <p:cNvSpPr/>
+          <p:nvPr/>
+        </p:nvSpPr>
+        <p:spPr>
+          <a:xfrm>
+            <a:off x="3276000" y="5229000"/>
+            <a:ext cx="2736000" cy="648000"/>
+          </a:xfrm>
+          <a:prstGeom prst="rect">
+            <a:avLst/>
+          </a:prstGeom>
+          <a:solidFill>
+            <a:schemeClr val="bg1">
+              <a:lumMod val="85000"/>
+            </a:schemeClr>
+          </a:solidFill>
+          <a:ln w="9525">
+            <a:noFill/>
+          </a:ln>
+        </p:spPr>
+        <p:style>
+          <a:lnRef idx="2">
+            <a:schemeClr val="accent1">
+              <a:shade val="50000"/>
+            </a:schemeClr>
+          </a:lnRef>
+          <a:fillRef idx="1">
+            <a:schemeClr val="accent1"/>
+          </a:fillRef>
+          <a:effectRef idx="0">
+            <a:schemeClr val="accent1"/>
+          </a:effectRef>
+          <a:fontRef idx="minor">
+            <a:schemeClr val="lt1"/>
+          </a:fontRef>
+        </p:style>
+        <p:txBody>
+          <a:bodyPr wrap="none" lIns="36000" tIns="36000" rIns="36000" bIns="36000" rtlCol="0" anchor="t" anchorCtr="0"/>
+          <a:lstStyle/>
+          <a:p>
+            <a:r>
+              <a:rPr lang="en-US" sz="1200" b="1" dirty="0">
+                <a:solidFill>
+                  <a:schemeClr val="tx1"/>
+                </a:solidFill>
+              </a:rPr>
+              <a:t>Partial Table Specifications</a:t>
+            </a:r>
+          </a:p>
+          <a:p>
+            <a:r>
+              <a:rPr lang="en-US" sz="1200" dirty="0">
+                <a:solidFill>
+                  <a:schemeClr val="tx1"/>
+                </a:solidFill>
+              </a:rPr>
+              <a:t>Simplifies accessing tables</a:t>
+            </a:r>
+            <a:br>
+              <a:rPr lang="en-US" sz="1200" dirty="0">
+                <a:solidFill>
+                  <a:schemeClr val="tx1"/>
+                </a:solidFill>
+              </a:rPr>
+            </a:br>
+            <a:r>
+              <a:rPr lang="en-US" sz="1200" dirty="0">
+                <a:solidFill>
+                  <a:schemeClr val="tx1"/>
+                </a:solidFill>
+              </a:rPr>
+              <a:t>with known context info</a:t>
+            </a:r>
+          </a:p>
+        </p:txBody>
+      </p:sp>
+      <p:pic>
+        <p:nvPicPr>
+          <p:cNvPr id="79" name="Grafik 78">
+            <a:extLst>
+              <a:ext uri="{FF2B5EF4-FFF2-40B4-BE49-F238E27FC236}">
+                <a16:creationId xmlns:a16="http://schemas.microsoft.com/office/drawing/2014/main" id="{4FDF5BEE-9451-41F9-8502-CA268769B2D7}"/>
+              </a:ext>
+            </a:extLst>
+          </p:cNvPr>
+          <p:cNvPicPr>
+            <a:picLocks noChangeAspect="1"/>
+          </p:cNvPicPr>
+          <p:nvPr/>
+        </p:nvPicPr>
+        <p:blipFill>
+          <a:blip r:embed="rId3"/>
+          <a:stretch>
+            <a:fillRect/>
+          </a:stretch>
+        </p:blipFill>
+        <p:spPr>
+          <a:xfrm>
+            <a:off x="2556000" y="5301000"/>
+            <a:ext cx="504000" cy="504000"/>
+          </a:xfrm>
+          <a:prstGeom prst="rect">
+            <a:avLst/>
+          </a:prstGeom>
+        </p:spPr>
+      </p:pic>
+      <p:sp>
+        <p:nvSpPr>
+          <p:cNvPr id="104" name="Rechteck 103">
+            <a:extLst>
+              <a:ext uri="{FF2B5EF4-FFF2-40B4-BE49-F238E27FC236}">
+                <a16:creationId xmlns:a16="http://schemas.microsoft.com/office/drawing/2014/main" id="{B05759CE-F99E-4933-B063-0ECD279B97B6}"/>
+              </a:ext>
+            </a:extLst>
+          </p:cNvPr>
+          <p:cNvSpPr/>
+          <p:nvPr/>
+        </p:nvSpPr>
+        <p:spPr>
+          <a:xfrm>
+            <a:off x="5436152" y="5301000"/>
+            <a:ext cx="504000" cy="504000"/>
+          </a:xfrm>
+          <a:prstGeom prst="rect">
+            <a:avLst/>
+          </a:prstGeom>
+          <a:solidFill>
+            <a:schemeClr val="bg1"/>
+          </a:solidFill>
+          <a:ln w="9525">
+            <a:noFill/>
+          </a:ln>
+        </p:spPr>
+        <p:style>
+          <a:lnRef idx="2">
+            <a:schemeClr val="accent1">
+              <a:shade val="50000"/>
+            </a:schemeClr>
+          </a:lnRef>
+          <a:fillRef idx="1">
+            <a:schemeClr val="accent1"/>
+          </a:fillRef>
+          <a:effectRef idx="0">
+            <a:schemeClr val="accent1"/>
+          </a:effectRef>
+          <a:fontRef idx="minor">
+            <a:schemeClr val="lt1"/>
+          </a:fontRef>
+        </p:style>
+        <p:txBody>
+          <a:bodyPr wrap="none" lIns="36000" tIns="36000" rIns="36000" bIns="36000" rtlCol="0" anchor="ctr" anchorCtr="0"/>
+          <a:lstStyle/>
+          <a:p>
+            <a:pPr algn="ctr"/>
+            <a:endParaRPr lang="de-CH" sz="1400" dirty="0">
+              <a:solidFill>
+                <a:schemeClr val="tx1"/>
+              </a:solidFill>
+            </a:endParaRPr>
+          </a:p>
+        </p:txBody>
+      </p:sp>
+      <p:cxnSp>
+        <p:nvCxnSpPr>
+          <p:cNvPr id="5" name="Gerade Verbindung mit Pfeil 4">
+            <a:extLst>
+              <a:ext uri="{FF2B5EF4-FFF2-40B4-BE49-F238E27FC236}">
+                <a16:creationId xmlns:a16="http://schemas.microsoft.com/office/drawing/2014/main" id="{960A82D9-164B-4A53-98BD-A5D3DC66AD48}"/>
+              </a:ext>
+            </a:extLst>
+          </p:cNvPr>
+          <p:cNvCxnSpPr/>
+          <p:nvPr/>
+        </p:nvCxnSpPr>
+        <p:spPr>
+          <a:xfrm>
+            <a:off x="8388000" y="5373000"/>
+            <a:ext cx="360000" cy="0"/>
+          </a:xfrm>
+          <a:prstGeom prst="straightConnector1">
+            <a:avLst/>
+          </a:prstGeom>
+          <a:ln w="38100">
+            <a:solidFill>
+              <a:schemeClr val="tx1"/>
+            </a:solidFill>
+            <a:tailEnd type="triangle"/>
+          </a:ln>
+        </p:spPr>
+        <p:style>
+          <a:lnRef idx="1">
+            <a:schemeClr val="accent1"/>
+          </a:lnRef>
+          <a:fillRef idx="0">
+            <a:schemeClr val="accent1"/>
+          </a:fillRef>
+          <a:effectRef idx="0">
+            <a:schemeClr val="accent1"/>
+          </a:effectRef>
+          <a:fontRef idx="minor">
+            <a:schemeClr val="tx1"/>
+          </a:fontRef>
+        </p:style>
+      </p:cxnSp>
+      <p:cxnSp>
+        <p:nvCxnSpPr>
+          <p:cNvPr id="113" name="Gerade Verbindung mit Pfeil 112">
+            <a:extLst>
+              <a:ext uri="{FF2B5EF4-FFF2-40B4-BE49-F238E27FC236}">
+                <a16:creationId xmlns:a16="http://schemas.microsoft.com/office/drawing/2014/main" id="{938B1D7F-325A-41B3-9606-480DC9C61F77}"/>
+              </a:ext>
+            </a:extLst>
+          </p:cNvPr>
+          <p:cNvCxnSpPr>
+            <a:cxnSpLocks/>
+          </p:cNvCxnSpPr>
+          <p:nvPr/>
+        </p:nvCxnSpPr>
+        <p:spPr>
+          <a:xfrm flipH="1">
+            <a:off x="8388000" y="5483659"/>
+            <a:ext cx="360000" cy="0"/>
+          </a:xfrm>
+          <a:prstGeom prst="straightConnector1">
+            <a:avLst/>
+          </a:prstGeom>
+          <a:ln w="38100">
+            <a:solidFill>
+              <a:schemeClr val="tx1"/>
+            </a:solidFill>
+            <a:tailEnd type="triangle"/>
+          </a:ln>
+        </p:spPr>
+        <p:style>
+          <a:lnRef idx="1">
+            <a:schemeClr val="accent1"/>
+          </a:lnRef>
+          <a:fillRef idx="0">
+            <a:schemeClr val="accent1"/>
+          </a:fillRef>
+          <a:effectRef idx="0">
+            <a:schemeClr val="accent1"/>
+          </a:effectRef>
+          <a:fontRef idx="minor">
+            <a:schemeClr val="tx1"/>
+          </a:fontRef>
+        </p:style>
+      </p:cxnSp>
+      <p:cxnSp>
+        <p:nvCxnSpPr>
+          <p:cNvPr id="7" name="Gerader Verbinder 6">
+            <a:extLst>
+              <a:ext uri="{FF2B5EF4-FFF2-40B4-BE49-F238E27FC236}">
+                <a16:creationId xmlns:a16="http://schemas.microsoft.com/office/drawing/2014/main" id="{F3766BFA-746D-41E2-9B85-601B732344C3}"/>
+              </a:ext>
+            </a:extLst>
+          </p:cNvPr>
+          <p:cNvCxnSpPr>
+            <a:cxnSpLocks/>
+          </p:cNvCxnSpPr>
+          <p:nvPr/>
+        </p:nvCxnSpPr>
+        <p:spPr>
+          <a:xfrm>
+            <a:off x="8316000" y="5589000"/>
+            <a:ext cx="504000" cy="0"/>
+          </a:xfrm>
+          <a:prstGeom prst="line">
+            <a:avLst/>
+          </a:prstGeom>
+        </p:spPr>
+        <p:style>
+          <a:lnRef idx="1">
+            <a:schemeClr val="accent1"/>
+          </a:lnRef>
+          <a:fillRef idx="0">
+            <a:schemeClr val="accent1"/>
+          </a:fillRef>
+          <a:effectRef idx="0">
+            <a:schemeClr val="accent1"/>
+          </a:effectRef>
+          <a:fontRef idx="minor">
+            <a:schemeClr val="tx1"/>
+          </a:fontRef>
+        </p:style>
+      </p:cxnSp>
+      <p:cxnSp>
+        <p:nvCxnSpPr>
+          <p:cNvPr id="114" name="Gerader Verbinder 113">
+            <a:extLst>
+              <a:ext uri="{FF2B5EF4-FFF2-40B4-BE49-F238E27FC236}">
+                <a16:creationId xmlns:a16="http://schemas.microsoft.com/office/drawing/2014/main" id="{6214C7BE-4543-4901-A84F-E7FCE08A709B}"/>
+              </a:ext>
+            </a:extLst>
+          </p:cNvPr>
+          <p:cNvCxnSpPr>
+            <a:cxnSpLocks/>
+          </p:cNvCxnSpPr>
+          <p:nvPr/>
+        </p:nvCxnSpPr>
+        <p:spPr>
+          <a:xfrm>
+            <a:off x="8316000" y="5661000"/>
+            <a:ext cx="504000" cy="0"/>
+          </a:xfrm>
+          <a:prstGeom prst="line">
+            <a:avLst/>
+          </a:prstGeom>
+        </p:spPr>
+        <p:style>
+          <a:lnRef idx="1">
+            <a:schemeClr val="accent1"/>
+          </a:lnRef>
+          <a:fillRef idx="0">
+            <a:schemeClr val="accent1"/>
+          </a:fillRef>
+          <a:effectRef idx="0">
+            <a:schemeClr val="accent1"/>
+          </a:effectRef>
+          <a:fontRef idx="minor">
+            <a:schemeClr val="tx1"/>
+          </a:fontRef>
+        </p:style>
+      </p:cxnSp>
+      <p:cxnSp>
+        <p:nvCxnSpPr>
+          <p:cNvPr id="115" name="Gerader Verbinder 114">
+            <a:extLst>
+              <a:ext uri="{FF2B5EF4-FFF2-40B4-BE49-F238E27FC236}">
+                <a16:creationId xmlns:a16="http://schemas.microsoft.com/office/drawing/2014/main" id="{0F3ABB7F-4E41-4E33-A850-225BF6427BEC}"/>
+              </a:ext>
+            </a:extLst>
+          </p:cNvPr>
+          <p:cNvCxnSpPr>
+            <a:cxnSpLocks/>
+          </p:cNvCxnSpPr>
+          <p:nvPr/>
+        </p:nvCxnSpPr>
+        <p:spPr>
+          <a:xfrm>
+            <a:off x="8460000" y="5589000"/>
+            <a:ext cx="0" cy="216000"/>
+          </a:xfrm>
+          <a:prstGeom prst="line">
+            <a:avLst/>
+          </a:prstGeom>
+        </p:spPr>
+        <p:style>
+          <a:lnRef idx="1">
+            <a:schemeClr val="accent1"/>
+          </a:lnRef>
+          <a:fillRef idx="0">
+            <a:schemeClr val="accent1"/>
+          </a:fillRef>
+          <a:effectRef idx="0">
+            <a:schemeClr val="accent1"/>
+          </a:effectRef>
+          <a:fontRef idx="minor">
+            <a:schemeClr val="tx1"/>
+          </a:fontRef>
+        </p:style>
+      </p:cxnSp>
+      <p:cxnSp>
+        <p:nvCxnSpPr>
+          <p:cNvPr id="116" name="Gerader Verbinder 115">
+            <a:extLst>
+              <a:ext uri="{FF2B5EF4-FFF2-40B4-BE49-F238E27FC236}">
+                <a16:creationId xmlns:a16="http://schemas.microsoft.com/office/drawing/2014/main" id="{F5D54C9C-82D9-46E3-BECD-AD2E6DB526B2}"/>
+              </a:ext>
+            </a:extLst>
+          </p:cNvPr>
+          <p:cNvCxnSpPr>
+            <a:cxnSpLocks/>
+          </p:cNvCxnSpPr>
+          <p:nvPr/>
+        </p:nvCxnSpPr>
+        <p:spPr>
+          <a:xfrm>
+            <a:off x="8604000" y="5589000"/>
+            <a:ext cx="0" cy="216000"/>
+          </a:xfrm>
+          <a:prstGeom prst="line">
+            <a:avLst/>
+          </a:prstGeom>
+        </p:spPr>
+        <p:style>
+          <a:lnRef idx="1">
+            <a:schemeClr val="accent1"/>
+          </a:lnRef>
+          <a:fillRef idx="0">
+            <a:schemeClr val="accent1"/>
+          </a:fillRef>
+          <a:effectRef idx="0">
+            <a:schemeClr val="accent1"/>
+          </a:effectRef>
+          <a:fontRef idx="minor">
+            <a:schemeClr val="tx1"/>
+          </a:fontRef>
+        </p:style>
+      </p:cxnSp>
+      <p:cxnSp>
+        <p:nvCxnSpPr>
+          <p:cNvPr id="117" name="Gerader Verbinder 116">
+            <a:extLst>
+              <a:ext uri="{FF2B5EF4-FFF2-40B4-BE49-F238E27FC236}">
+                <a16:creationId xmlns:a16="http://schemas.microsoft.com/office/drawing/2014/main" id="{34D53661-5960-4076-8132-0211D8E5D2A8}"/>
+              </a:ext>
+            </a:extLst>
+          </p:cNvPr>
+          <p:cNvCxnSpPr>
+            <a:cxnSpLocks/>
+          </p:cNvCxnSpPr>
+          <p:nvPr/>
+        </p:nvCxnSpPr>
+        <p:spPr>
+          <a:xfrm>
+            <a:off x="8748000" y="5589000"/>
+            <a:ext cx="0" cy="216000"/>
+          </a:xfrm>
+          <a:prstGeom prst="line">
+            <a:avLst/>
+          </a:prstGeom>
+        </p:spPr>
+        <p:style>
+          <a:lnRef idx="1">
+            <a:schemeClr val="accent1"/>
+          </a:lnRef>
+          <a:fillRef idx="0">
+            <a:schemeClr val="accent1"/>
+          </a:fillRef>
+          <a:effectRef idx="0">
+            <a:schemeClr val="accent1"/>
+          </a:effectRef>
+          <a:fontRef idx="minor">
+            <a:schemeClr val="tx1"/>
+          </a:fontRef>
+        </p:style>
+      </p:cxnSp>
+      <p:cxnSp>
+        <p:nvCxnSpPr>
+          <p:cNvPr id="12" name="Gerader Verbinder 11">
+            <a:extLst>
+              <a:ext uri="{FF2B5EF4-FFF2-40B4-BE49-F238E27FC236}">
+                <a16:creationId xmlns:a16="http://schemas.microsoft.com/office/drawing/2014/main" id="{94C4A153-B838-45AC-B05B-421CCE871A83}"/>
+              </a:ext>
+            </a:extLst>
+          </p:cNvPr>
+          <p:cNvCxnSpPr>
+            <a:cxnSpLocks/>
+          </p:cNvCxnSpPr>
+          <p:nvPr/>
+        </p:nvCxnSpPr>
+        <p:spPr>
+          <a:xfrm>
+            <a:off x="5436000" y="5589000"/>
+            <a:ext cx="504000" cy="0"/>
+          </a:xfrm>
+          <a:prstGeom prst="line">
+            <a:avLst/>
+          </a:prstGeom>
+        </p:spPr>
+        <p:style>
+          <a:lnRef idx="1">
+            <a:schemeClr val="accent1"/>
+          </a:lnRef>
+          <a:fillRef idx="0">
+            <a:schemeClr val="accent1"/>
+          </a:fillRef>
+          <a:effectRef idx="0">
+            <a:schemeClr val="accent1"/>
+          </a:effectRef>
+          <a:fontRef idx="minor">
+            <a:schemeClr val="tx1"/>
+          </a:fontRef>
+        </p:style>
+      </p:cxnSp>
+      <p:cxnSp>
+        <p:nvCxnSpPr>
+          <p:cNvPr id="119" name="Gerader Verbinder 118">
+            <a:extLst>
+              <a:ext uri="{FF2B5EF4-FFF2-40B4-BE49-F238E27FC236}">
+                <a16:creationId xmlns:a16="http://schemas.microsoft.com/office/drawing/2014/main" id="{9979F988-AF38-4501-8DA1-6CF2564DE7CD}"/>
+              </a:ext>
+            </a:extLst>
+          </p:cNvPr>
+          <p:cNvCxnSpPr>
+            <a:cxnSpLocks/>
+          </p:cNvCxnSpPr>
+          <p:nvPr/>
+        </p:nvCxnSpPr>
+        <p:spPr>
+          <a:xfrm>
+            <a:off x="5436000" y="5517000"/>
+            <a:ext cx="504000" cy="0"/>
+          </a:xfrm>
+          <a:prstGeom prst="line">
+            <a:avLst/>
+          </a:prstGeom>
+        </p:spPr>
+        <p:style>
+          <a:lnRef idx="1">
+            <a:schemeClr val="accent1"/>
+          </a:lnRef>
+          <a:fillRef idx="0">
+            <a:schemeClr val="accent1"/>
+          </a:fillRef>
+          <a:effectRef idx="0">
+            <a:schemeClr val="accent1"/>
+          </a:effectRef>
+          <a:fontRef idx="minor">
+            <a:schemeClr val="tx1"/>
+          </a:fontRef>
+        </p:style>
+      </p:cxnSp>
+      <p:cxnSp>
+        <p:nvCxnSpPr>
+          <p:cNvPr id="14" name="Gerade Verbindung mit Pfeil 13">
+            <a:extLst>
+              <a:ext uri="{FF2B5EF4-FFF2-40B4-BE49-F238E27FC236}">
+                <a16:creationId xmlns:a16="http://schemas.microsoft.com/office/drawing/2014/main" id="{3B273424-24E9-4339-B18D-D0952313C875}"/>
+              </a:ext>
+            </a:extLst>
+          </p:cNvPr>
+          <p:cNvCxnSpPr>
+            <a:cxnSpLocks/>
+          </p:cNvCxnSpPr>
+          <p:nvPr/>
+        </p:nvCxnSpPr>
+        <p:spPr>
+          <a:xfrm>
+            <a:off x="5580000" y="5301000"/>
+            <a:ext cx="0" cy="216000"/>
+          </a:xfrm>
+          <a:prstGeom prst="straightConnector1">
+            <a:avLst/>
+          </a:prstGeom>
+          <a:ln>
+            <a:tailEnd type="triangle"/>
+          </a:ln>
+        </p:spPr>
+        <p:style>
+          <a:lnRef idx="1">
+            <a:schemeClr val="accent1"/>
+          </a:lnRef>
+          <a:fillRef idx="0">
+            <a:schemeClr val="accent1"/>
+          </a:fillRef>
+          <a:effectRef idx="0">
+            <a:schemeClr val="accent1"/>
+          </a:effectRef>
+          <a:fontRef idx="minor">
+            <a:schemeClr val="tx1"/>
+          </a:fontRef>
+        </p:style>
+      </p:cxnSp>
+      <p:cxnSp>
+        <p:nvCxnSpPr>
+          <p:cNvPr id="120" name="Gerader Verbinder 119">
+            <a:extLst>
+              <a:ext uri="{FF2B5EF4-FFF2-40B4-BE49-F238E27FC236}">
+                <a16:creationId xmlns:a16="http://schemas.microsoft.com/office/drawing/2014/main" id="{B24DF9AB-A029-4A41-AD01-F18F6D1326BC}"/>
+              </a:ext>
+            </a:extLst>
+          </p:cNvPr>
+          <p:cNvCxnSpPr>
+            <a:cxnSpLocks/>
+          </p:cNvCxnSpPr>
+          <p:nvPr/>
+        </p:nvCxnSpPr>
+        <p:spPr>
+          <a:xfrm>
+            <a:off x="8892000" y="1125000"/>
+            <a:ext cx="0" cy="2952000"/>
+          </a:xfrm>
+          <a:prstGeom prst="line">
+            <a:avLst/>
+          </a:prstGeom>
+        </p:spPr>
+        <p:style>
+          <a:lnRef idx="1">
+            <a:schemeClr val="accent1"/>
+          </a:lnRef>
+          <a:fillRef idx="0">
+            <a:schemeClr val="accent1"/>
+          </a:fillRef>
+          <a:effectRef idx="0">
+            <a:schemeClr val="accent1"/>
+          </a:effectRef>
+          <a:fontRef idx="minor">
+            <a:schemeClr val="tx1"/>
+          </a:fontRef>
+        </p:style>
+      </p:cxnSp>
     </p:spTree>
     <p:extLst>
       <p:ext uri="{BB962C8B-B14F-4D97-AF65-F5344CB8AC3E}">
@@ -36610,6 +41602,270 @@
       </p:grpSpPr>
       <p:sp>
         <p:nvSpPr>
+          <p:cNvPr id="57" name="Rechteck 56">
+            <a:extLst>
+              <a:ext uri="{FF2B5EF4-FFF2-40B4-BE49-F238E27FC236}">
+                <a16:creationId xmlns:a16="http://schemas.microsoft.com/office/drawing/2014/main" id="{D49E2CA7-6921-4D62-8B08-37BDF3D83E20}"/>
+              </a:ext>
+            </a:extLst>
+          </p:cNvPr>
+          <p:cNvSpPr/>
+          <p:nvPr/>
+        </p:nvSpPr>
+        <p:spPr>
+          <a:xfrm>
+            <a:off x="6156000" y="5445000"/>
+            <a:ext cx="2736000" cy="648000"/>
+          </a:xfrm>
+          <a:prstGeom prst="rect">
+            <a:avLst/>
+          </a:prstGeom>
+          <a:solidFill>
+            <a:schemeClr val="bg1">
+              <a:lumMod val="85000"/>
+            </a:schemeClr>
+          </a:solidFill>
+          <a:ln w="9525">
+            <a:noFill/>
+          </a:ln>
+        </p:spPr>
+        <p:style>
+          <a:lnRef idx="2">
+            <a:schemeClr val="accent1">
+              <a:shade val="50000"/>
+            </a:schemeClr>
+          </a:lnRef>
+          <a:fillRef idx="1">
+            <a:schemeClr val="accent1"/>
+          </a:fillRef>
+          <a:effectRef idx="0">
+            <a:schemeClr val="accent1"/>
+          </a:effectRef>
+          <a:fontRef idx="minor">
+            <a:schemeClr val="lt1"/>
+          </a:fontRef>
+        </p:style>
+        <p:txBody>
+          <a:bodyPr wrap="none" lIns="36000" tIns="36000" rIns="36000" bIns="36000" rtlCol="0" anchor="t" anchorCtr="0"/>
+          <a:lstStyle/>
+          <a:p>
+            <a:r>
+              <a:rPr lang="en-US" sz="1200" b="1" dirty="0">
+                <a:solidFill>
+                  <a:schemeClr val="tx1"/>
+                </a:solidFill>
+              </a:rPr>
+              <a:t>Protection Settings</a:t>
+            </a:r>
+          </a:p>
+          <a:p>
+            <a:r>
+              <a:rPr lang="en-US" sz="1200" dirty="0">
+                <a:solidFill>
+                  <a:schemeClr val="tx1"/>
+                </a:solidFill>
+              </a:rPr>
+              <a:t>To secure integrity of</a:t>
+            </a:r>
+            <a:br>
+              <a:rPr lang="en-US" sz="1200" dirty="0">
+                <a:solidFill>
+                  <a:schemeClr val="tx1"/>
+                </a:solidFill>
+              </a:rPr>
+            </a:br>
+            <a:r>
+              <a:rPr lang="en-US" sz="1200" dirty="0">
+                <a:solidFill>
+                  <a:schemeClr val="tx1"/>
+                </a:solidFill>
+              </a:rPr>
+              <a:t>variable contents</a:t>
+            </a:r>
+            <a:endParaRPr lang="en-US" sz="1200" b="1" dirty="0">
+              <a:solidFill>
+                <a:schemeClr val="tx1"/>
+              </a:solidFill>
+            </a:endParaRPr>
+          </a:p>
+        </p:txBody>
+      </p:sp>
+      <p:sp>
+        <p:nvSpPr>
+          <p:cNvPr id="9" name="Rechteck 8">
+            <a:extLst>
+              <a:ext uri="{FF2B5EF4-FFF2-40B4-BE49-F238E27FC236}">
+                <a16:creationId xmlns:a16="http://schemas.microsoft.com/office/drawing/2014/main" id="{D6DB5C69-E89B-4B1C-978B-0FBEAB3092A3}"/>
+              </a:ext>
+            </a:extLst>
+          </p:cNvPr>
+          <p:cNvSpPr/>
+          <p:nvPr/>
+        </p:nvSpPr>
+        <p:spPr>
+          <a:xfrm>
+            <a:off x="8316000" y="5517000"/>
+            <a:ext cx="504000" cy="504000"/>
+          </a:xfrm>
+          <a:prstGeom prst="rect">
+            <a:avLst/>
+          </a:prstGeom>
+          <a:solidFill>
+            <a:schemeClr val="bg1"/>
+          </a:solidFill>
+          <a:ln w="9525">
+            <a:noFill/>
+          </a:ln>
+        </p:spPr>
+        <p:style>
+          <a:lnRef idx="2">
+            <a:schemeClr val="accent1">
+              <a:shade val="50000"/>
+            </a:schemeClr>
+          </a:lnRef>
+          <a:fillRef idx="1">
+            <a:schemeClr val="accent1"/>
+          </a:fillRef>
+          <a:effectRef idx="0">
+            <a:schemeClr val="accent1"/>
+          </a:effectRef>
+          <a:fontRef idx="minor">
+            <a:schemeClr val="lt1"/>
+          </a:fontRef>
+        </p:style>
+        <p:txBody>
+          <a:bodyPr wrap="none" lIns="36000" tIns="36000" rIns="36000" bIns="36000" rtlCol="0" anchor="ctr" anchorCtr="0"/>
+          <a:lstStyle/>
+          <a:p>
+            <a:pPr algn="ctr"/>
+            <a:endParaRPr lang="de-CH" sz="1400" dirty="0">
+              <a:solidFill>
+                <a:schemeClr val="tx1"/>
+              </a:solidFill>
+            </a:endParaRPr>
+          </a:p>
+        </p:txBody>
+      </p:sp>
+      <p:sp>
+        <p:nvSpPr>
+          <p:cNvPr id="11" name="Rechteck: abgerundete Ecken 10">
+            <a:extLst>
+              <a:ext uri="{FF2B5EF4-FFF2-40B4-BE49-F238E27FC236}">
+                <a16:creationId xmlns:a16="http://schemas.microsoft.com/office/drawing/2014/main" id="{2FB809CD-3369-42D8-BFF2-00E21D0A683B}"/>
+              </a:ext>
+            </a:extLst>
+          </p:cNvPr>
+          <p:cNvSpPr/>
+          <p:nvPr/>
+        </p:nvSpPr>
+        <p:spPr>
+          <a:xfrm>
+            <a:off x="8460000" y="5589000"/>
+            <a:ext cx="216000" cy="288000"/>
+          </a:xfrm>
+          <a:prstGeom prst="roundRect">
+            <a:avLst>
+              <a:gd name="adj" fmla="val 38716"/>
+            </a:avLst>
+          </a:prstGeom>
+          <a:noFill/>
+          <a:ln w="38100">
+            <a:solidFill>
+              <a:schemeClr val="bg1">
+                <a:lumMod val="50000"/>
+              </a:schemeClr>
+            </a:solidFill>
+          </a:ln>
+        </p:spPr>
+        <p:style>
+          <a:lnRef idx="2">
+            <a:schemeClr val="accent1">
+              <a:shade val="50000"/>
+            </a:schemeClr>
+          </a:lnRef>
+          <a:fillRef idx="1">
+            <a:schemeClr val="accent1"/>
+          </a:fillRef>
+          <a:effectRef idx="0">
+            <a:schemeClr val="accent1"/>
+          </a:effectRef>
+          <a:fontRef idx="minor">
+            <a:schemeClr val="lt1"/>
+          </a:fontRef>
+        </p:style>
+        <p:txBody>
+          <a:bodyPr wrap="none" lIns="36000" tIns="36000" rIns="36000" bIns="36000" rtlCol="0" anchor="ctr" anchorCtr="0"/>
+          <a:lstStyle/>
+          <a:p>
+            <a:pPr algn="ctr"/>
+            <a:endParaRPr lang="de-CH" sz="1400" dirty="0">
+              <a:solidFill>
+                <a:schemeClr val="tx1"/>
+              </a:solidFill>
+            </a:endParaRPr>
+          </a:p>
+        </p:txBody>
+      </p:sp>
+      <p:sp>
+        <p:nvSpPr>
+          <p:cNvPr id="10" name="Rechteck 9">
+            <a:extLst>
+              <a:ext uri="{FF2B5EF4-FFF2-40B4-BE49-F238E27FC236}">
+                <a16:creationId xmlns:a16="http://schemas.microsoft.com/office/drawing/2014/main" id="{B11198C7-EAAF-4BDD-9BAF-321D948C76A3}"/>
+              </a:ext>
+            </a:extLst>
+          </p:cNvPr>
+          <p:cNvSpPr/>
+          <p:nvPr/>
+        </p:nvSpPr>
+        <p:spPr>
+          <a:xfrm>
+            <a:off x="8388000" y="5733000"/>
+            <a:ext cx="360000" cy="216000"/>
+          </a:xfrm>
+          <a:prstGeom prst="rect">
+            <a:avLst/>
+          </a:prstGeom>
+          <a:solidFill>
+            <a:schemeClr val="tx1"/>
+          </a:solidFill>
+          <a:ln w="9525">
+            <a:solidFill>
+              <a:schemeClr val="tx1"/>
+            </a:solidFill>
+          </a:ln>
+        </p:spPr>
+        <p:style>
+          <a:lnRef idx="2">
+            <a:schemeClr val="accent1">
+              <a:shade val="50000"/>
+            </a:schemeClr>
+          </a:lnRef>
+          <a:fillRef idx="1">
+            <a:schemeClr val="accent1"/>
+          </a:fillRef>
+          <a:effectRef idx="0">
+            <a:schemeClr val="accent1"/>
+          </a:effectRef>
+          <a:fontRef idx="minor">
+            <a:schemeClr val="lt1"/>
+          </a:fontRef>
+        </p:style>
+        <p:txBody>
+          <a:bodyPr wrap="none" lIns="36000" tIns="36000" rIns="36000" bIns="36000" rtlCol="0" anchor="ctr" anchorCtr="0"/>
+          <a:lstStyle/>
+          <a:p>
+            <a:pPr algn="ctr"/>
+            <a:endParaRPr lang="de-CH" sz="1400" dirty="0">
+              <a:solidFill>
+                <a:schemeClr val="tx1"/>
+              </a:solidFill>
+            </a:endParaRPr>
+          </a:p>
+        </p:txBody>
+      </p:sp>
+      <p:sp>
+        <p:nvSpPr>
           <p:cNvPr id="2" name="Titel 1"/>
           <p:cNvSpPr>
             <a:spLocks noGrp="1"/>
@@ -36659,7 +41915,7 @@
         </p:nvSpPr>
         <p:spPr>
           <a:xfrm>
-            <a:off x="468000" y="4653000"/>
+            <a:off x="468000" y="4437000"/>
             <a:ext cx="2160000" cy="216000"/>
           </a:xfrm>
           <a:prstGeom prst="rect">
@@ -36717,7 +41973,7 @@
         </p:nvSpPr>
         <p:spPr>
           <a:xfrm>
-            <a:off x="468000" y="4941000"/>
+            <a:off x="468000" y="4725000"/>
             <a:ext cx="2160000" cy="216000"/>
           </a:xfrm>
           <a:prstGeom prst="rect">
@@ -36775,7 +42031,7 @@
         </p:nvSpPr>
         <p:spPr>
           <a:xfrm>
-            <a:off x="468000" y="4365000"/>
+            <a:off x="468000" y="4149000"/>
             <a:ext cx="2160000" cy="216000"/>
           </a:xfrm>
           <a:prstGeom prst="rect">
@@ -36833,7 +42089,7 @@
         </p:nvSpPr>
         <p:spPr>
           <a:xfrm>
-            <a:off x="468000" y="4077000"/>
+            <a:off x="468000" y="3861000"/>
             <a:ext cx="2160000" cy="216000"/>
           </a:xfrm>
           <a:prstGeom prst="rect">
@@ -36891,17 +42147,13 @@
         </p:nvSpPr>
         <p:spPr>
           <a:xfrm>
-            <a:off x="396000" y="3717000"/>
-            <a:ext cx="2232000" cy="288000"/>
+            <a:off x="468000" y="3573000"/>
+            <a:ext cx="2232000" cy="216000"/>
           </a:xfrm>
           <a:prstGeom prst="rect">
             <a:avLst/>
           </a:prstGeom>
-          <a:solidFill>
-            <a:schemeClr val="bg1">
-              <a:lumMod val="95000"/>
-            </a:schemeClr>
-          </a:solidFill>
+          <a:noFill/>
           <a:ln w="9525">
             <a:noFill/>
           </a:ln>
@@ -36923,7 +42175,7 @@
           </a:fontRef>
         </p:style>
         <p:txBody>
-          <a:bodyPr wrap="none" lIns="36000" tIns="36000" rIns="36000" bIns="36000" rtlCol="0" anchor="t" anchorCtr="0"/>
+          <a:bodyPr wrap="none" lIns="36000" tIns="36000" rIns="36000" bIns="36000" rtlCol="0" anchor="ctr" anchorCtr="0"/>
           <a:lstStyle/>
           <a:p>
             <a:r>
@@ -36951,7 +42203,7 @@
         </p:nvSpPr>
         <p:spPr>
           <a:xfrm>
-            <a:off x="468000" y="2205000"/>
+            <a:off x="468000" y="2133000"/>
             <a:ext cx="1728000" cy="288000"/>
           </a:xfrm>
           <a:prstGeom prst="rect">
@@ -37012,7 +42264,7 @@
         </p:nvSpPr>
         <p:spPr>
           <a:xfrm>
-            <a:off x="828000" y="2565000"/>
+            <a:off x="828000" y="2493000"/>
             <a:ext cx="1728000" cy="216000"/>
           </a:xfrm>
           <a:prstGeom prst="rect">
@@ -37072,7 +42324,7 @@
         </p:nvSpPr>
         <p:spPr>
           <a:xfrm>
-            <a:off x="828000" y="2853000"/>
+            <a:off x="828000" y="2781000"/>
             <a:ext cx="1728000" cy="216000"/>
           </a:xfrm>
           <a:prstGeom prst="rect">
@@ -37132,7 +42384,7 @@
         </p:nvSpPr>
         <p:spPr>
           <a:xfrm>
-            <a:off x="828000" y="3285000"/>
+            <a:off x="828000" y="3213000"/>
             <a:ext cx="1728000" cy="216000"/>
           </a:xfrm>
           <a:prstGeom prst="rect">
@@ -37309,7 +42561,7 @@
         </p:nvSpPr>
         <p:spPr>
           <a:xfrm>
-            <a:off x="468000" y="1989000"/>
+            <a:off x="468000" y="1917000"/>
             <a:ext cx="2160000" cy="216000"/>
           </a:xfrm>
           <a:prstGeom prst="rect">
@@ -37365,7 +42617,7 @@
         </p:nvSpPr>
         <p:spPr>
           <a:xfrm>
-            <a:off x="4428000" y="2205000"/>
+            <a:off x="4428000" y="2133000"/>
             <a:ext cx="1728000" cy="288000"/>
           </a:xfrm>
           <a:prstGeom prst="rect">
@@ -37426,7 +42678,7 @@
         </p:nvSpPr>
         <p:spPr>
           <a:xfrm>
-            <a:off x="4788000" y="2565000"/>
+            <a:off x="4788000" y="2493000"/>
             <a:ext cx="1728000" cy="216000"/>
           </a:xfrm>
           <a:prstGeom prst="rect">
@@ -37486,7 +42738,7 @@
         </p:nvSpPr>
         <p:spPr>
           <a:xfrm>
-            <a:off x="4788000" y="2853000"/>
+            <a:off x="4788000" y="2781000"/>
             <a:ext cx="1728000" cy="216000"/>
           </a:xfrm>
           <a:prstGeom prst="rect">
@@ -37546,7 +42798,7 @@
         </p:nvSpPr>
         <p:spPr>
           <a:xfrm>
-            <a:off x="4788000" y="3285000"/>
+            <a:off x="4788000" y="3213000"/>
             <a:ext cx="1728000" cy="216000"/>
           </a:xfrm>
           <a:prstGeom prst="rect">
@@ -37606,7 +42858,7 @@
         </p:nvSpPr>
         <p:spPr>
           <a:xfrm>
-            <a:off x="4428000" y="1989000"/>
+            <a:off x="4428000" y="1917000"/>
             <a:ext cx="2160000" cy="216000"/>
           </a:xfrm>
           <a:prstGeom prst="rect">
@@ -37662,7 +42914,7 @@
         </p:nvSpPr>
         <p:spPr>
           <a:xfrm>
-            <a:off x="2268000" y="2205000"/>
+            <a:off x="2268000" y="2133000"/>
             <a:ext cx="1512000" cy="288000"/>
           </a:xfrm>
           <a:prstGeom prst="rect">
@@ -37718,7 +42970,7 @@
         </p:nvSpPr>
         <p:spPr>
           <a:xfrm>
-            <a:off x="6228000" y="2205000"/>
+            <a:off x="6228000" y="2133000"/>
             <a:ext cx="1512000" cy="288000"/>
           </a:xfrm>
           <a:prstGeom prst="rect">
@@ -37774,7 +43026,7 @@
         </p:nvSpPr>
         <p:spPr>
           <a:xfrm>
-            <a:off x="2628000" y="2565000"/>
+            <a:off x="2628000" y="2493000"/>
             <a:ext cx="1152000" cy="216000"/>
           </a:xfrm>
           <a:prstGeom prst="rect">
@@ -37830,7 +43082,7 @@
         </p:nvSpPr>
         <p:spPr>
           <a:xfrm>
-            <a:off x="2628000" y="2925000"/>
+            <a:off x="2628000" y="2853000"/>
             <a:ext cx="1152000" cy="216000"/>
           </a:xfrm>
           <a:prstGeom prst="rect">
@@ -37886,7 +43138,7 @@
         </p:nvSpPr>
         <p:spPr>
           <a:xfrm>
-            <a:off x="2628000" y="3285000"/>
+            <a:off x="2628000" y="3213000"/>
             <a:ext cx="1152000" cy="216000"/>
           </a:xfrm>
           <a:prstGeom prst="rect">
@@ -37942,7 +43194,7 @@
         </p:nvSpPr>
         <p:spPr>
           <a:xfrm>
-            <a:off x="6588000" y="2565000"/>
+            <a:off x="6588000" y="2493000"/>
             <a:ext cx="1152000" cy="216000"/>
           </a:xfrm>
           <a:prstGeom prst="rect">
@@ -37998,7 +43250,7 @@
         </p:nvSpPr>
         <p:spPr>
           <a:xfrm>
-            <a:off x="6588000" y="2925000"/>
+            <a:off x="6588000" y="2853000"/>
             <a:ext cx="1152000" cy="216000"/>
           </a:xfrm>
           <a:prstGeom prst="rect">
@@ -38054,7 +43306,7 @@
         </p:nvSpPr>
         <p:spPr>
           <a:xfrm>
-            <a:off x="6588000" y="3285000"/>
+            <a:off x="6588000" y="3213000"/>
             <a:ext cx="1152000" cy="216000"/>
           </a:xfrm>
           <a:prstGeom prst="rect">
@@ -38110,7 +43362,7 @@
         </p:nvSpPr>
         <p:spPr>
           <a:xfrm>
-            <a:off x="828000" y="3069000"/>
+            <a:off x="828000" y="2997000"/>
             <a:ext cx="1368000" cy="216000"/>
           </a:xfrm>
           <a:prstGeom prst="rect">
@@ -38166,7 +43418,7 @@
         </p:nvSpPr>
         <p:spPr>
           <a:xfrm>
-            <a:off x="4788000" y="3069000"/>
+            <a:off x="4788000" y="2997000"/>
             <a:ext cx="1368000" cy="216000"/>
           </a:xfrm>
           <a:prstGeom prst="rect">
@@ -38327,62 +43579,6 @@
       </p:sp>
       <p:sp>
         <p:nvSpPr>
-          <p:cNvPr id="130" name="Rechteck 129">
-            <a:extLst>
-              <a:ext uri="{FF2B5EF4-FFF2-40B4-BE49-F238E27FC236}">
-                <a16:creationId xmlns:a16="http://schemas.microsoft.com/office/drawing/2014/main" id="{66E235CC-E737-4AF1-AED3-DF9A28195D4D}"/>
-              </a:ext>
-            </a:extLst>
-          </p:cNvPr>
-          <p:cNvSpPr/>
-          <p:nvPr/>
-        </p:nvSpPr>
-        <p:spPr>
-          <a:xfrm>
-            <a:off x="4428000" y="1701000"/>
-            <a:ext cx="1512000" cy="288000"/>
-          </a:xfrm>
-          <a:prstGeom prst="rect">
-            <a:avLst/>
-          </a:prstGeom>
-          <a:noFill/>
-          <a:ln w="9525">
-            <a:noFill/>
-          </a:ln>
-        </p:spPr>
-        <p:style>
-          <a:lnRef idx="2">
-            <a:schemeClr val="accent1">
-              <a:shade val="50000"/>
-            </a:schemeClr>
-          </a:lnRef>
-          <a:fillRef idx="1">
-            <a:schemeClr val="accent1"/>
-          </a:fillRef>
-          <a:effectRef idx="0">
-            <a:schemeClr val="accent1"/>
-          </a:effectRef>
-          <a:fontRef idx="minor">
-            <a:schemeClr val="lt1"/>
-          </a:fontRef>
-        </p:style>
-        <p:txBody>
-          <a:bodyPr wrap="none" lIns="36000" tIns="36000" rIns="36000" bIns="36000" rtlCol="0" anchor="t" anchorCtr="0"/>
-          <a:lstStyle/>
-          <a:p>
-            <a:r>
-              <a:rPr lang="en-US" sz="1200" dirty="0">
-                <a:solidFill>
-                  <a:schemeClr val="tx1"/>
-                </a:solidFill>
-              </a:rPr>
-              <a:t>Like simple variables, but associated with 0 members</a:t>
-            </a:r>
-          </a:p>
-        </p:txBody>
-      </p:sp>
-      <p:sp>
-        <p:nvSpPr>
           <p:cNvPr id="131" name="Rechteck 130">
             <a:extLst>
               <a:ext uri="{FF2B5EF4-FFF2-40B4-BE49-F238E27FC236}">
@@ -38395,7 +43591,7 @@
         </p:nvSpPr>
         <p:spPr>
           <a:xfrm>
-            <a:off x="2700000" y="4365000"/>
+            <a:off x="2700000" y="4149000"/>
             <a:ext cx="4752000" cy="216000"/>
           </a:xfrm>
           <a:prstGeom prst="rect">
@@ -38432,7 +43628,7 @@
                   <a:schemeClr val="tx1"/>
                 </a:solidFill>
               </a:rPr>
-              <a:t>Local variables can be made accessible to further functions called</a:t>
+              <a:t>Local variables can be made accessible to B4P functions called</a:t>
             </a:r>
           </a:p>
         </p:txBody>
@@ -38451,7 +43647,7 @@
         </p:nvSpPr>
         <p:spPr>
           <a:xfrm>
-            <a:off x="2700000" y="4077000"/>
+            <a:off x="2700000" y="3861000"/>
             <a:ext cx="4752000" cy="216000"/>
           </a:xfrm>
           <a:prstGeom prst="rect">
@@ -38507,7 +43703,7 @@
         </p:nvSpPr>
         <p:spPr>
           <a:xfrm>
-            <a:off x="2700000" y="4653000"/>
+            <a:off x="2700000" y="4437000"/>
             <a:ext cx="4752000" cy="216000"/>
           </a:xfrm>
           <a:prstGeom prst="rect">
@@ -38563,7 +43759,7 @@
         </p:nvSpPr>
         <p:spPr>
           <a:xfrm>
-            <a:off x="2700000" y="4941000"/>
+            <a:off x="2700000" y="4725000"/>
             <a:ext cx="4752000" cy="216000"/>
           </a:xfrm>
           <a:prstGeom prst="rect">
@@ -38600,7 +43796,7 @@
                   <a:schemeClr val="tx1"/>
                 </a:solidFill>
               </a:rPr>
-              <a:t>Reserved variables, globally accessible.</a:t>
+              <a:t>Reserved variables, globally accessible</a:t>
             </a:r>
           </a:p>
         </p:txBody>
@@ -38675,7 +43871,7 @@
         </p:nvSpPr>
         <p:spPr>
           <a:xfrm>
-            <a:off x="6228000" y="1413000"/>
+            <a:off x="6228000" y="1341000"/>
             <a:ext cx="1512000" cy="288000"/>
           </a:xfrm>
           <a:prstGeom prst="rect">
@@ -38712,7 +43908,17 @@
                   <a:schemeClr val="tx1"/>
                 </a:solidFill>
               </a:rPr>
-              <a:t>Base Variable Name</a:t>
+              <a:t>Like simple variables, but</a:t>
+            </a:r>
+          </a:p>
+          <a:p>
+            <a:r>
+              <a:rPr lang="en-US" sz="1200" dirty="0">
+                <a:solidFill>
+                  <a:schemeClr val="tx1"/>
+                </a:solidFill>
+              </a:rPr>
+              <a:t>declared to contain 0 members</a:t>
             </a:r>
           </a:p>
         </p:txBody>
@@ -38731,17 +43937,13 @@
         </p:nvSpPr>
         <p:spPr>
           <a:xfrm>
-            <a:off x="396000" y="837000"/>
-            <a:ext cx="2232000" cy="288000"/>
+            <a:off x="468000" y="909000"/>
+            <a:ext cx="2232000" cy="216000"/>
           </a:xfrm>
           <a:prstGeom prst="rect">
             <a:avLst/>
           </a:prstGeom>
-          <a:solidFill>
-            <a:schemeClr val="bg1">
-              <a:lumMod val="95000"/>
-            </a:schemeClr>
-          </a:solidFill>
+          <a:noFill/>
           <a:ln w="9525">
             <a:noFill/>
           </a:ln>
@@ -38763,7 +43965,7 @@
           </a:fontRef>
         </p:style>
         <p:txBody>
-          <a:bodyPr wrap="none" lIns="36000" tIns="36000" rIns="36000" bIns="36000" rtlCol="0" anchor="t" anchorCtr="0"/>
+          <a:bodyPr wrap="none" lIns="36000" tIns="36000" rIns="36000" bIns="36000" rtlCol="0" anchor="ctr" anchorCtr="0"/>
           <a:lstStyle/>
           <a:p>
             <a:r>
@@ -38772,7 +43974,15 @@
                   <a:schemeClr val="tx1"/>
                 </a:solidFill>
               </a:rPr>
-              <a:t>Variable Forms</a:t>
+              <a:t>Variable Forms </a:t>
+            </a:r>
+            <a:r>
+              <a:rPr lang="en-US" sz="1200" dirty="0">
+                <a:solidFill>
+                  <a:schemeClr val="tx1"/>
+                </a:solidFill>
+              </a:rPr>
+              <a:t>(Nested combinations of them are supported)</a:t>
             </a:r>
           </a:p>
         </p:txBody>
@@ -38791,7 +44001,7 @@
         </p:nvSpPr>
         <p:spPr>
           <a:xfrm rot="16200000">
-            <a:off x="0" y="3033000"/>
+            <a:off x="0" y="2961000"/>
             <a:ext cx="1224000" cy="288000"/>
           </a:xfrm>
           <a:prstGeom prst="rect">
@@ -38848,7 +44058,7 @@
         </p:nvSpPr>
         <p:spPr>
           <a:xfrm rot="16200000">
-            <a:off x="4032000" y="3033000"/>
+            <a:off x="4032000" y="2961000"/>
             <a:ext cx="1224000" cy="288000"/>
           </a:xfrm>
           <a:prstGeom prst="rect">
@@ -38893,10 +44103,10 @@
       </p:sp>
       <p:sp>
         <p:nvSpPr>
-          <p:cNvPr id="140" name="Rechteck 139">
+          <p:cNvPr id="143" name="Rechteck 142">
             <a:extLst>
               <a:ext uri="{FF2B5EF4-FFF2-40B4-BE49-F238E27FC236}">
-                <a16:creationId xmlns:a16="http://schemas.microsoft.com/office/drawing/2014/main" id="{F61C16DB-80F9-4B61-981D-2B4320A3A0DC}"/>
+                <a16:creationId xmlns:a16="http://schemas.microsoft.com/office/drawing/2014/main" id="{1CB939A9-FD43-4646-B5C4-15FDE88BF907}"/>
               </a:ext>
             </a:extLst>
           </p:cNvPr>
@@ -38905,8 +44115,231 @@
         </p:nvSpPr>
         <p:spPr>
           <a:xfrm>
-            <a:off x="4428000" y="5805000"/>
-            <a:ext cx="2088000" cy="288000"/>
+            <a:off x="396000" y="5157000"/>
+            <a:ext cx="2160000" cy="216000"/>
+          </a:xfrm>
+          <a:prstGeom prst="rect">
+            <a:avLst/>
+          </a:prstGeom>
+          <a:noFill/>
+          <a:ln w="9525">
+            <a:noFill/>
+          </a:ln>
+        </p:spPr>
+        <p:style>
+          <a:lnRef idx="2">
+            <a:schemeClr val="accent1">
+              <a:shade val="50000"/>
+            </a:schemeClr>
+          </a:lnRef>
+          <a:fillRef idx="1">
+            <a:schemeClr val="accent1"/>
+          </a:fillRef>
+          <a:effectRef idx="0">
+            <a:schemeClr val="accent1"/>
+          </a:effectRef>
+          <a:fontRef idx="minor">
+            <a:schemeClr val="lt1"/>
+          </a:fontRef>
+        </p:style>
+        <p:txBody>
+          <a:bodyPr wrap="none" lIns="36000" tIns="36000" rIns="36000" bIns="36000" rtlCol="0" anchor="ctr" anchorCtr="0"/>
+          <a:lstStyle/>
+          <a:p>
+            <a:r>
+              <a:rPr lang="en-US" sz="1200" b="1" dirty="0">
+                <a:solidFill>
+                  <a:schemeClr val="tx1"/>
+                </a:solidFill>
+              </a:rPr>
+              <a:t>Rich Feature Set</a:t>
+            </a:r>
+          </a:p>
+        </p:txBody>
+      </p:sp>
+      <p:sp>
+        <p:nvSpPr>
+          <p:cNvPr id="147" name="Rechteck 146">
+            <a:extLst>
+              <a:ext uri="{FF2B5EF4-FFF2-40B4-BE49-F238E27FC236}">
+                <a16:creationId xmlns:a16="http://schemas.microsoft.com/office/drawing/2014/main" id="{5F92431B-D8F5-48B3-BAEF-513C7191DFC2}"/>
+              </a:ext>
+            </a:extLst>
+          </p:cNvPr>
+          <p:cNvSpPr/>
+          <p:nvPr/>
+        </p:nvSpPr>
+        <p:spPr>
+          <a:xfrm>
+            <a:off x="6588000" y="6138000"/>
+            <a:ext cx="2016000" cy="648000"/>
+          </a:xfrm>
+          <a:prstGeom prst="rect">
+            <a:avLst/>
+          </a:prstGeom>
+          <a:noFill/>
+          <a:ln w="9525">
+            <a:noFill/>
+          </a:ln>
+        </p:spPr>
+        <p:style>
+          <a:lnRef idx="2">
+            <a:schemeClr val="accent1">
+              <a:shade val="50000"/>
+            </a:schemeClr>
+          </a:lnRef>
+          <a:fillRef idx="1">
+            <a:schemeClr val="accent1"/>
+          </a:fillRef>
+          <a:effectRef idx="0">
+            <a:schemeClr val="accent1"/>
+          </a:effectRef>
+          <a:fontRef idx="minor">
+            <a:schemeClr val="lt1"/>
+          </a:fontRef>
+        </p:style>
+        <p:txBody>
+          <a:bodyPr wrap="none" lIns="36000" tIns="36000" rIns="36000" bIns="36000" rtlCol="0" anchor="ctr" anchorCtr="0"/>
+          <a:lstStyle/>
+          <a:p>
+            <a:endParaRPr lang="en-US" sz="1200" dirty="0">
+              <a:solidFill>
+                <a:schemeClr val="tx1"/>
+              </a:solidFill>
+            </a:endParaRPr>
+          </a:p>
+        </p:txBody>
+      </p:sp>
+      <p:cxnSp>
+        <p:nvCxnSpPr>
+          <p:cNvPr id="5" name="Gerader Verbinder 4">
+            <a:extLst>
+              <a:ext uri="{FF2B5EF4-FFF2-40B4-BE49-F238E27FC236}">
+                <a16:creationId xmlns:a16="http://schemas.microsoft.com/office/drawing/2014/main" id="{8DA6DFCA-7FAB-4655-BE89-57CDB17B6E34}"/>
+              </a:ext>
+            </a:extLst>
+          </p:cNvPr>
+          <p:cNvCxnSpPr>
+            <a:cxnSpLocks/>
+          </p:cNvCxnSpPr>
+          <p:nvPr/>
+        </p:nvCxnSpPr>
+        <p:spPr>
+          <a:xfrm>
+            <a:off x="468000" y="1125000"/>
+            <a:ext cx="8496000" cy="0"/>
+          </a:xfrm>
+          <a:prstGeom prst="line">
+            <a:avLst/>
+          </a:prstGeom>
+        </p:spPr>
+        <p:style>
+          <a:lnRef idx="1">
+            <a:schemeClr val="accent1"/>
+          </a:lnRef>
+          <a:fillRef idx="0">
+            <a:schemeClr val="accent1"/>
+          </a:fillRef>
+          <a:effectRef idx="0">
+            <a:schemeClr val="accent1"/>
+          </a:effectRef>
+          <a:fontRef idx="minor">
+            <a:schemeClr val="tx1"/>
+          </a:fontRef>
+        </p:style>
+      </p:cxnSp>
+      <p:cxnSp>
+        <p:nvCxnSpPr>
+          <p:cNvPr id="53" name="Gerader Verbinder 52">
+            <a:extLst>
+              <a:ext uri="{FF2B5EF4-FFF2-40B4-BE49-F238E27FC236}">
+                <a16:creationId xmlns:a16="http://schemas.microsoft.com/office/drawing/2014/main" id="{CC20FAAC-C6C3-45EE-A0B1-B0608A733563}"/>
+              </a:ext>
+            </a:extLst>
+          </p:cNvPr>
+          <p:cNvCxnSpPr>
+            <a:cxnSpLocks/>
+          </p:cNvCxnSpPr>
+          <p:nvPr/>
+        </p:nvCxnSpPr>
+        <p:spPr>
+          <a:xfrm>
+            <a:off x="468000" y="3789000"/>
+            <a:ext cx="8496000" cy="0"/>
+          </a:xfrm>
+          <a:prstGeom prst="line">
+            <a:avLst/>
+          </a:prstGeom>
+        </p:spPr>
+        <p:style>
+          <a:lnRef idx="1">
+            <a:schemeClr val="accent1"/>
+          </a:lnRef>
+          <a:fillRef idx="0">
+            <a:schemeClr val="accent1"/>
+          </a:fillRef>
+          <a:effectRef idx="0">
+            <a:schemeClr val="accent1"/>
+          </a:effectRef>
+          <a:fontRef idx="minor">
+            <a:schemeClr val="tx1"/>
+          </a:fontRef>
+        </p:style>
+      </p:cxnSp>
+      <p:cxnSp>
+        <p:nvCxnSpPr>
+          <p:cNvPr id="54" name="Gerader Verbinder 53">
+            <a:extLst>
+              <a:ext uri="{FF2B5EF4-FFF2-40B4-BE49-F238E27FC236}">
+                <a16:creationId xmlns:a16="http://schemas.microsoft.com/office/drawing/2014/main" id="{4AE8BBBB-2C65-4408-B8F7-3294D1133C16}"/>
+              </a:ext>
+            </a:extLst>
+          </p:cNvPr>
+          <p:cNvCxnSpPr>
+            <a:cxnSpLocks/>
+          </p:cNvCxnSpPr>
+          <p:nvPr/>
+        </p:nvCxnSpPr>
+        <p:spPr>
+          <a:xfrm>
+            <a:off x="396000" y="5373000"/>
+            <a:ext cx="8496000" cy="0"/>
+          </a:xfrm>
+          <a:prstGeom prst="line">
+            <a:avLst/>
+          </a:prstGeom>
+        </p:spPr>
+        <p:style>
+          <a:lnRef idx="1">
+            <a:schemeClr val="accent1"/>
+          </a:lnRef>
+          <a:fillRef idx="0">
+            <a:schemeClr val="accent1"/>
+          </a:fillRef>
+          <a:effectRef idx="0">
+            <a:schemeClr val="accent1"/>
+          </a:effectRef>
+          <a:fontRef idx="minor">
+            <a:schemeClr val="tx1"/>
+          </a:fontRef>
+        </p:style>
+      </p:cxnSp>
+      <p:sp>
+        <p:nvSpPr>
+          <p:cNvPr id="55" name="Rechteck 54">
+            <a:extLst>
+              <a:ext uri="{FF2B5EF4-FFF2-40B4-BE49-F238E27FC236}">
+                <a16:creationId xmlns:a16="http://schemas.microsoft.com/office/drawing/2014/main" id="{9BF611DE-E113-4B56-9154-A5423B3DC146}"/>
+              </a:ext>
+            </a:extLst>
+          </p:cNvPr>
+          <p:cNvSpPr/>
+          <p:nvPr/>
+        </p:nvSpPr>
+        <p:spPr>
+          <a:xfrm>
+            <a:off x="396000" y="5445000"/>
+            <a:ext cx="2736000" cy="648000"/>
           </a:xfrm>
           <a:prstGeom prst="rect">
             <a:avLst/>
@@ -38946,17 +44379,44 @@
                   <a:schemeClr val="tx1"/>
                 </a:solidFill>
               </a:rPr>
-              <a:t>Protection Settings</a:t>
-            </a:r>
+              <a:t>Comprehensive Library</a:t>
+            </a:r>
+          </a:p>
+          <a:p>
+            <a:r>
+              <a:rPr lang="en-US" sz="1200" dirty="0">
+                <a:solidFill>
+                  <a:schemeClr val="tx1"/>
+                </a:solidFill>
+              </a:rPr>
+              <a:t>of powerful and versatile</a:t>
+            </a:r>
+          </a:p>
+          <a:p>
+            <a:r>
+              <a:rPr lang="en-US" sz="1200" dirty="0">
+                <a:solidFill>
+                  <a:schemeClr val="tx1"/>
+                </a:solidFill>
+              </a:rPr>
+              <a:t>variable processing functions</a:t>
+            </a:r>
+          </a:p>
+          <a:p>
+            <a:endParaRPr lang="en-US" sz="1200" b="1" dirty="0">
+              <a:solidFill>
+                <a:schemeClr val="tx1"/>
+              </a:solidFill>
+            </a:endParaRPr>
           </a:p>
         </p:txBody>
       </p:sp>
       <p:sp>
         <p:nvSpPr>
-          <p:cNvPr id="141" name="Rechteck 140">
+          <p:cNvPr id="56" name="Rechteck 55">
             <a:extLst>
               <a:ext uri="{FF2B5EF4-FFF2-40B4-BE49-F238E27FC236}">
-                <a16:creationId xmlns:a16="http://schemas.microsoft.com/office/drawing/2014/main" id="{32BE120D-3045-4462-8DE4-38EAFDB2F6D3}"/>
+                <a16:creationId xmlns:a16="http://schemas.microsoft.com/office/drawing/2014/main" id="{E254BB7D-9FE0-4353-A4AB-5E7A4CF90457}"/>
               </a:ext>
             </a:extLst>
           </p:cNvPr>
@@ -38965,8 +44425,8 @@
         </p:nvSpPr>
         <p:spPr>
           <a:xfrm>
-            <a:off x="468000" y="5805000"/>
-            <a:ext cx="2088000" cy="288000"/>
+            <a:off x="3276000" y="5445000"/>
+            <a:ext cx="2736000" cy="648000"/>
           </a:xfrm>
           <a:prstGeom prst="rect">
             <a:avLst/>
@@ -39006,17 +44466,67 @@
                   <a:schemeClr val="tx1"/>
                 </a:solidFill>
               </a:rPr>
-              <a:t>References to Variables</a:t>
+              <a:t>References to Variable</a:t>
+            </a:r>
+          </a:p>
+          <a:p>
+            <a:r>
+              <a:rPr lang="en-US" sz="1200" dirty="0">
+                <a:solidFill>
+                  <a:schemeClr val="tx1"/>
+                </a:solidFill>
+              </a:rPr>
+              <a:t>Create simple references</a:t>
+            </a:r>
+          </a:p>
+          <a:p>
+            <a:r>
+              <a:rPr lang="en-US" sz="1200" dirty="0">
+                <a:solidFill>
+                  <a:schemeClr val="tx1"/>
+                </a:solidFill>
+              </a:rPr>
+              <a:t>to access existing variables</a:t>
             </a:r>
           </a:p>
         </p:txBody>
       </p:sp>
+      <p:pic>
+        <p:nvPicPr>
+          <p:cNvPr id="8" name="Grafik 7">
+            <a:extLst>
+              <a:ext uri="{FF2B5EF4-FFF2-40B4-BE49-F238E27FC236}">
+                <a16:creationId xmlns:a16="http://schemas.microsoft.com/office/drawing/2014/main" id="{13915D67-3CC4-4353-B4B3-2F7CF83C8056}"/>
+              </a:ext>
+            </a:extLst>
+          </p:cNvPr>
+          <p:cNvPicPr>
+            <a:picLocks noChangeAspect="1"/>
+          </p:cNvPicPr>
+          <p:nvPr/>
+        </p:nvPicPr>
+        <p:blipFill>
+          <a:blip r:embed="rId3"/>
+          <a:stretch>
+            <a:fillRect/>
+          </a:stretch>
+        </p:blipFill>
+        <p:spPr>
+          <a:xfrm>
+            <a:off x="2556000" y="5517000"/>
+            <a:ext cx="504000" cy="504000"/>
+          </a:xfrm>
+          <a:prstGeom prst="rect">
+            <a:avLst/>
+          </a:prstGeom>
+        </p:spPr>
+      </p:pic>
       <p:sp>
         <p:nvSpPr>
-          <p:cNvPr id="3" name="Rechteck 2">
+          <p:cNvPr id="12" name="Ellipse 11">
             <a:extLst>
               <a:ext uri="{FF2B5EF4-FFF2-40B4-BE49-F238E27FC236}">
-                <a16:creationId xmlns:a16="http://schemas.microsoft.com/office/drawing/2014/main" id="{791B3492-49E5-4EAB-AB2D-4735FA5554D6}"/>
+                <a16:creationId xmlns:a16="http://schemas.microsoft.com/office/drawing/2014/main" id="{9D4CD4CC-E4F2-4F43-8C55-901B92518A62}"/>
               </a:ext>
             </a:extLst>
           </p:cNvPr>
@@ -39025,8 +44535,178 @@
         </p:nvSpPr>
         <p:spPr>
           <a:xfrm>
-            <a:off x="396000" y="1125000"/>
-            <a:ext cx="8208000" cy="2448000"/>
+            <a:off x="8532000" y="5763953"/>
+            <a:ext cx="72000" cy="72000"/>
+          </a:xfrm>
+          <a:prstGeom prst="ellipse">
+            <a:avLst/>
+          </a:prstGeom>
+          <a:solidFill>
+            <a:schemeClr val="bg1"/>
+          </a:solidFill>
+          <a:ln w="9525">
+            <a:solidFill>
+              <a:schemeClr val="tx1"/>
+            </a:solidFill>
+          </a:ln>
+        </p:spPr>
+        <p:style>
+          <a:lnRef idx="2">
+            <a:schemeClr val="accent1">
+              <a:shade val="50000"/>
+            </a:schemeClr>
+          </a:lnRef>
+          <a:fillRef idx="1">
+            <a:schemeClr val="accent1"/>
+          </a:fillRef>
+          <a:effectRef idx="0">
+            <a:schemeClr val="accent1"/>
+          </a:effectRef>
+          <a:fontRef idx="minor">
+            <a:schemeClr val="lt1"/>
+          </a:fontRef>
+        </p:style>
+        <p:txBody>
+          <a:bodyPr wrap="none" lIns="36000" tIns="36000" rIns="36000" bIns="36000" rtlCol="0" anchor="ctr" anchorCtr="0"/>
+          <a:lstStyle/>
+          <a:p>
+            <a:pPr algn="ctr"/>
+            <a:endParaRPr lang="de-CH" sz="1400" dirty="0">
+              <a:solidFill>
+                <a:schemeClr val="tx1"/>
+              </a:solidFill>
+            </a:endParaRPr>
+          </a:p>
+        </p:txBody>
+      </p:sp>
+      <p:sp>
+        <p:nvSpPr>
+          <p:cNvPr id="13" name="Gleichschenkliges Dreieck 12">
+            <a:extLst>
+              <a:ext uri="{FF2B5EF4-FFF2-40B4-BE49-F238E27FC236}">
+                <a16:creationId xmlns:a16="http://schemas.microsoft.com/office/drawing/2014/main" id="{4DB4320D-7052-403E-9E60-9261B368E809}"/>
+              </a:ext>
+            </a:extLst>
+          </p:cNvPr>
+          <p:cNvSpPr/>
+          <p:nvPr/>
+        </p:nvSpPr>
+        <p:spPr>
+          <a:xfrm>
+            <a:off x="8532000" y="5763953"/>
+            <a:ext cx="72000" cy="144000"/>
+          </a:xfrm>
+          <a:prstGeom prst="triangle">
+            <a:avLst/>
+          </a:prstGeom>
+          <a:solidFill>
+            <a:schemeClr val="bg1"/>
+          </a:solidFill>
+          <a:ln w="9525">
+            <a:noFill/>
+          </a:ln>
+        </p:spPr>
+        <p:style>
+          <a:lnRef idx="2">
+            <a:schemeClr val="accent1">
+              <a:shade val="50000"/>
+            </a:schemeClr>
+          </a:lnRef>
+          <a:fillRef idx="1">
+            <a:schemeClr val="accent1"/>
+          </a:fillRef>
+          <a:effectRef idx="0">
+            <a:schemeClr val="accent1"/>
+          </a:effectRef>
+          <a:fontRef idx="minor">
+            <a:schemeClr val="lt1"/>
+          </a:fontRef>
+        </p:style>
+        <p:txBody>
+          <a:bodyPr wrap="none" lIns="36000" tIns="36000" rIns="36000" bIns="36000" rtlCol="0" anchor="ctr" anchorCtr="0"/>
+          <a:lstStyle/>
+          <a:p>
+            <a:pPr algn="ctr"/>
+            <a:endParaRPr lang="de-CH" sz="1400" dirty="0">
+              <a:solidFill>
+                <a:schemeClr val="tx1"/>
+              </a:solidFill>
+            </a:endParaRPr>
+          </a:p>
+        </p:txBody>
+      </p:sp>
+      <p:sp>
+        <p:nvSpPr>
+          <p:cNvPr id="66" name="Rechteck 65">
+            <a:extLst>
+              <a:ext uri="{FF2B5EF4-FFF2-40B4-BE49-F238E27FC236}">
+                <a16:creationId xmlns:a16="http://schemas.microsoft.com/office/drawing/2014/main" id="{1BA552C9-D2D8-45B3-A109-8A3FF2F74028}"/>
+              </a:ext>
+            </a:extLst>
+          </p:cNvPr>
+          <p:cNvSpPr/>
+          <p:nvPr/>
+        </p:nvSpPr>
+        <p:spPr>
+          <a:xfrm>
+            <a:off x="5436152" y="5517000"/>
+            <a:ext cx="504000" cy="504000"/>
+          </a:xfrm>
+          <a:prstGeom prst="rect">
+            <a:avLst/>
+          </a:prstGeom>
+          <a:solidFill>
+            <a:schemeClr val="bg1"/>
+          </a:solidFill>
+          <a:ln w="9525">
+            <a:noFill/>
+          </a:ln>
+        </p:spPr>
+        <p:style>
+          <a:lnRef idx="2">
+            <a:schemeClr val="accent1">
+              <a:shade val="50000"/>
+            </a:schemeClr>
+          </a:lnRef>
+          <a:fillRef idx="1">
+            <a:schemeClr val="accent1"/>
+          </a:fillRef>
+          <a:effectRef idx="0">
+            <a:schemeClr val="accent1"/>
+          </a:effectRef>
+          <a:fontRef idx="minor">
+            <a:schemeClr val="lt1"/>
+          </a:fontRef>
+        </p:style>
+        <p:txBody>
+          <a:bodyPr wrap="none" lIns="36000" tIns="36000" rIns="36000" bIns="36000" rtlCol="0" anchor="ctr" anchorCtr="0"/>
+          <a:lstStyle/>
+          <a:p>
+            <a:pPr algn="ctr"/>
+            <a:endParaRPr lang="de-CH" sz="1400" dirty="0">
+              <a:solidFill>
+                <a:schemeClr val="tx1"/>
+              </a:solidFill>
+            </a:endParaRPr>
+          </a:p>
+        </p:txBody>
+      </p:sp>
+      <p:sp>
+        <p:nvSpPr>
+          <p:cNvPr id="14" name="Rechteck 13">
+            <a:extLst>
+              <a:ext uri="{FF2B5EF4-FFF2-40B4-BE49-F238E27FC236}">
+                <a16:creationId xmlns:a16="http://schemas.microsoft.com/office/drawing/2014/main" id="{F2228557-C995-48C3-9098-F8C8610C5E46}"/>
+              </a:ext>
+            </a:extLst>
+          </p:cNvPr>
+          <p:cNvSpPr/>
+          <p:nvPr/>
+        </p:nvSpPr>
+        <p:spPr>
+          <a:xfrm>
+            <a:off x="5472100" y="5553236"/>
+            <a:ext cx="252132" cy="144000"/>
           </a:xfrm>
           <a:prstGeom prst="rect">
             <a:avLst/>
@@ -39069,10 +44749,10 @@
       </p:sp>
       <p:sp>
         <p:nvSpPr>
-          <p:cNvPr id="142" name="Rechteck 141">
+          <p:cNvPr id="69" name="Rechteck 68">
             <a:extLst>
               <a:ext uri="{FF2B5EF4-FFF2-40B4-BE49-F238E27FC236}">
-                <a16:creationId xmlns:a16="http://schemas.microsoft.com/office/drawing/2014/main" id="{70DC3E93-A1DB-41B8-BBC5-831CFAC38B7B}"/>
+                <a16:creationId xmlns:a16="http://schemas.microsoft.com/office/drawing/2014/main" id="{DB3E29FA-CF83-4DA4-8ED7-E026F7A7CF3B}"/>
               </a:ext>
             </a:extLst>
           </p:cNvPr>
@@ -39081,8 +44761,8 @@
         </p:nvSpPr>
         <p:spPr>
           <a:xfrm>
-            <a:off x="396000" y="4005000"/>
-            <a:ext cx="8208000" cy="1224000"/>
+            <a:off x="5652016" y="5849684"/>
+            <a:ext cx="252132" cy="135600"/>
           </a:xfrm>
           <a:prstGeom prst="rect">
             <a:avLst/>
@@ -39125,10 +44805,10 @@
       </p:sp>
       <p:sp>
         <p:nvSpPr>
-          <p:cNvPr id="143" name="Rechteck 142">
+          <p:cNvPr id="15" name="Freihandform: Form 14">
             <a:extLst>
               <a:ext uri="{FF2B5EF4-FFF2-40B4-BE49-F238E27FC236}">
-                <a16:creationId xmlns:a16="http://schemas.microsoft.com/office/drawing/2014/main" id="{1CB939A9-FD43-4646-B5C4-15FDE88BF907}"/>
+                <a16:creationId xmlns:a16="http://schemas.microsoft.com/office/drawing/2014/main" id="{672B5105-8426-48C8-A319-4ED767D897C2}"/>
               </a:ext>
             </a:extLst>
           </p:cNvPr>
@@ -39137,19 +44817,77 @@
         </p:nvSpPr>
         <p:spPr>
           <a:xfrm>
-            <a:off x="396000" y="5373000"/>
-            <a:ext cx="2160000" cy="288000"/>
+            <a:off x="5521999" y="5619750"/>
+            <a:ext cx="333017" cy="319088"/>
           </a:xfrm>
-          <a:prstGeom prst="rect">
+          <a:custGeom>
             <a:avLst/>
-          </a:prstGeom>
-          <a:solidFill>
-            <a:schemeClr val="bg1">
-              <a:lumMod val="95000"/>
-            </a:schemeClr>
-          </a:solidFill>
+            <a:gdLst>
+              <a:gd name="connsiteX0" fmla="*/ 200145 w 333017"/>
+              <a:gd name="connsiteY0" fmla="*/ 0 h 319088"/>
+              <a:gd name="connsiteX1" fmla="*/ 331114 w 333017"/>
+              <a:gd name="connsiteY1" fmla="*/ 61913 h 319088"/>
+              <a:gd name="connsiteX2" fmla="*/ 112039 w 333017"/>
+              <a:gd name="connsiteY2" fmla="*/ 166688 h 319088"/>
+              <a:gd name="connsiteX3" fmla="*/ 120 w 333017"/>
+              <a:gd name="connsiteY3" fmla="*/ 271463 h 319088"/>
+              <a:gd name="connsiteX4" fmla="*/ 131089 w 333017"/>
+              <a:gd name="connsiteY4" fmla="*/ 319088 h 319088"/>
+            </a:gdLst>
+            <a:ahLst/>
+            <a:cxnLst>
+              <a:cxn ang="0">
+                <a:pos x="connsiteX0" y="connsiteY0"/>
+              </a:cxn>
+              <a:cxn ang="0">
+                <a:pos x="connsiteX1" y="connsiteY1"/>
+              </a:cxn>
+              <a:cxn ang="0">
+                <a:pos x="connsiteX2" y="connsiteY2"/>
+              </a:cxn>
+              <a:cxn ang="0">
+                <a:pos x="connsiteX3" y="connsiteY3"/>
+              </a:cxn>
+              <a:cxn ang="0">
+                <a:pos x="connsiteX4" y="connsiteY4"/>
+              </a:cxn>
+            </a:cxnLst>
+            <a:rect l="l" t="t" r="r" b="b"/>
+            <a:pathLst>
+              <a:path w="333017" h="319088">
+                <a:moveTo>
+                  <a:pt x="200145" y="0"/>
+                </a:moveTo>
+                <a:cubicBezTo>
+                  <a:pt x="272971" y="17066"/>
+                  <a:pt x="345798" y="34132"/>
+                  <a:pt x="331114" y="61913"/>
+                </a:cubicBezTo>
+                <a:cubicBezTo>
+                  <a:pt x="316430" y="89694"/>
+                  <a:pt x="167205" y="131763"/>
+                  <a:pt x="112039" y="166688"/>
+                </a:cubicBezTo>
+                <a:cubicBezTo>
+                  <a:pt x="56873" y="201613"/>
+                  <a:pt x="-3055" y="246063"/>
+                  <a:pt x="120" y="271463"/>
+                </a:cubicBezTo>
+                <a:cubicBezTo>
+                  <a:pt x="3295" y="296863"/>
+                  <a:pt x="67192" y="307975"/>
+                  <a:pt x="131089" y="319088"/>
+                </a:cubicBezTo>
+              </a:path>
+            </a:pathLst>
+          </a:custGeom>
+          <a:noFill/>
           <a:ln w="9525">
-            <a:noFill/>
+            <a:solidFill>
+              <a:schemeClr val="tx1"/>
+            </a:solidFill>
+            <a:headEnd type="none" w="med" len="med"/>
+            <a:tailEnd type="triangle" w="med" len="med"/>
           </a:ln>
         </p:spPr>
         <p:style>
@@ -39169,225 +44907,11 @@
           </a:fontRef>
         </p:style>
         <p:txBody>
-          <a:bodyPr wrap="none" lIns="36000" tIns="36000" rIns="36000" bIns="36000" rtlCol="0" anchor="t" anchorCtr="0"/>
+          <a:bodyPr rtlCol="0" anchor="ctr"/>
           <a:lstStyle/>
           <a:p>
-            <a:r>
-              <a:rPr lang="en-US" sz="1200" b="1" dirty="0">
-                <a:solidFill>
-                  <a:schemeClr val="tx1"/>
-                </a:solidFill>
-              </a:rPr>
-              <a:t>Other Features</a:t>
-            </a:r>
-          </a:p>
-        </p:txBody>
-      </p:sp>
-      <p:sp>
-        <p:nvSpPr>
-          <p:cNvPr id="144" name="Rechteck 143">
-            <a:extLst>
-              <a:ext uri="{FF2B5EF4-FFF2-40B4-BE49-F238E27FC236}">
-                <a16:creationId xmlns:a16="http://schemas.microsoft.com/office/drawing/2014/main" id="{941A02E5-EF2F-4475-BF2C-129AEE8B6E62}"/>
-              </a:ext>
-            </a:extLst>
-          </p:cNvPr>
-          <p:cNvSpPr/>
-          <p:nvPr/>
-        </p:nvSpPr>
-        <p:spPr>
-          <a:xfrm>
-            <a:off x="396000" y="5661000"/>
-            <a:ext cx="8208000" cy="648000"/>
-          </a:xfrm>
-          <a:prstGeom prst="rect">
-            <a:avLst/>
-          </a:prstGeom>
-          <a:noFill/>
-          <a:ln w="9525">
-            <a:solidFill>
-              <a:schemeClr val="tx1"/>
-            </a:solidFill>
-          </a:ln>
-        </p:spPr>
-        <p:style>
-          <a:lnRef idx="2">
-            <a:schemeClr val="accent1">
-              <a:shade val="50000"/>
-            </a:schemeClr>
-          </a:lnRef>
-          <a:fillRef idx="1">
-            <a:schemeClr val="accent1"/>
-          </a:fillRef>
-          <a:effectRef idx="0">
-            <a:schemeClr val="accent1"/>
-          </a:effectRef>
-          <a:fontRef idx="minor">
-            <a:schemeClr val="lt1"/>
-          </a:fontRef>
-        </p:style>
-        <p:txBody>
-          <a:bodyPr wrap="none" lIns="36000" tIns="36000" rIns="36000" bIns="36000" rtlCol="0" anchor="ctr" anchorCtr="0"/>
-          <a:lstStyle/>
-          <a:p>
             <a:pPr algn="ctr"/>
-            <a:endParaRPr lang="de-CH" sz="1400" dirty="0">
-              <a:solidFill>
-                <a:schemeClr val="tx1"/>
-              </a:solidFill>
-            </a:endParaRPr>
-          </a:p>
-        </p:txBody>
-      </p:sp>
-      <p:sp>
-        <p:nvSpPr>
-          <p:cNvPr id="146" name="Rechteck 145">
-            <a:extLst>
-              <a:ext uri="{FF2B5EF4-FFF2-40B4-BE49-F238E27FC236}">
-                <a16:creationId xmlns:a16="http://schemas.microsoft.com/office/drawing/2014/main" id="{90CA9FC4-F5F0-4562-A436-935C389A3F88}"/>
-              </a:ext>
-            </a:extLst>
-          </p:cNvPr>
-          <p:cNvSpPr/>
-          <p:nvPr/>
-        </p:nvSpPr>
-        <p:spPr>
-          <a:xfrm>
-            <a:off x="2628000" y="5661000"/>
-            <a:ext cx="2016000" cy="648000"/>
-          </a:xfrm>
-          <a:prstGeom prst="rect">
-            <a:avLst/>
-          </a:prstGeom>
-          <a:noFill/>
-          <a:ln w="9525">
-            <a:noFill/>
-          </a:ln>
-        </p:spPr>
-        <p:style>
-          <a:lnRef idx="2">
-            <a:schemeClr val="accent1">
-              <a:shade val="50000"/>
-            </a:schemeClr>
-          </a:lnRef>
-          <a:fillRef idx="1">
-            <a:schemeClr val="accent1"/>
-          </a:fillRef>
-          <a:effectRef idx="0">
-            <a:schemeClr val="accent1"/>
-          </a:effectRef>
-          <a:fontRef idx="minor">
-            <a:schemeClr val="lt1"/>
-          </a:fontRef>
-        </p:style>
-        <p:txBody>
-          <a:bodyPr wrap="none" lIns="36000" tIns="36000" rIns="36000" bIns="36000" rtlCol="0" anchor="ctr" anchorCtr="0"/>
-          <a:lstStyle/>
-          <a:p>
-            <a:r>
-              <a:rPr lang="en-US" sz="1200" dirty="0">
-                <a:solidFill>
-                  <a:schemeClr val="tx1"/>
-                </a:solidFill>
-              </a:rPr>
-              <a:t>Create simple references</a:t>
-            </a:r>
-          </a:p>
-          <a:p>
-            <a:r>
-              <a:rPr lang="en-US" sz="1200" dirty="0">
-                <a:solidFill>
-                  <a:schemeClr val="tx1"/>
-                </a:solidFill>
-              </a:rPr>
-              <a:t>to access existing</a:t>
-            </a:r>
-          </a:p>
-          <a:p>
-            <a:r>
-              <a:rPr lang="en-US" sz="1200" dirty="0">
-                <a:solidFill>
-                  <a:schemeClr val="tx1"/>
-                </a:solidFill>
-              </a:rPr>
-              <a:t>variables</a:t>
-            </a:r>
-          </a:p>
-        </p:txBody>
-      </p:sp>
-      <p:sp>
-        <p:nvSpPr>
-          <p:cNvPr id="147" name="Rechteck 146">
-            <a:extLst>
-              <a:ext uri="{FF2B5EF4-FFF2-40B4-BE49-F238E27FC236}">
-                <a16:creationId xmlns:a16="http://schemas.microsoft.com/office/drawing/2014/main" id="{5F92431B-D8F5-48B3-BAEF-513C7191DFC2}"/>
-              </a:ext>
-            </a:extLst>
-          </p:cNvPr>
-          <p:cNvSpPr/>
-          <p:nvPr/>
-        </p:nvSpPr>
-        <p:spPr>
-          <a:xfrm>
-            <a:off x="6588000" y="5661000"/>
-            <a:ext cx="2016000" cy="648000"/>
-          </a:xfrm>
-          <a:prstGeom prst="rect">
-            <a:avLst/>
-          </a:prstGeom>
-          <a:noFill/>
-          <a:ln w="9525">
-            <a:noFill/>
-          </a:ln>
-        </p:spPr>
-        <p:style>
-          <a:lnRef idx="2">
-            <a:schemeClr val="accent1">
-              <a:shade val="50000"/>
-            </a:schemeClr>
-          </a:lnRef>
-          <a:fillRef idx="1">
-            <a:schemeClr val="accent1"/>
-          </a:fillRef>
-          <a:effectRef idx="0">
-            <a:schemeClr val="accent1"/>
-          </a:effectRef>
-          <a:fontRef idx="minor">
-            <a:schemeClr val="lt1"/>
-          </a:fontRef>
-        </p:style>
-        <p:txBody>
-          <a:bodyPr wrap="none" lIns="36000" tIns="36000" rIns="36000" bIns="36000" rtlCol="0" anchor="ctr" anchorCtr="0"/>
-          <a:lstStyle/>
-          <a:p>
-            <a:r>
-              <a:rPr lang="en-US" sz="1200" dirty="0">
-                <a:solidFill>
-                  <a:schemeClr val="tx1"/>
-                </a:solidFill>
-              </a:rPr>
-              <a:t>Apply protection settings</a:t>
-            </a:r>
-          </a:p>
-          <a:p>
-            <a:r>
-              <a:rPr lang="en-US" sz="1200" dirty="0">
-                <a:solidFill>
-                  <a:schemeClr val="tx1"/>
-                </a:solidFill>
-              </a:rPr>
-              <a:t>in order to avoid</a:t>
-            </a:r>
-          </a:p>
-          <a:p>
-            <a:r>
-              <a:rPr lang="en-US" sz="1200" dirty="0">
-                <a:solidFill>
-                  <a:schemeClr val="tx1"/>
-                </a:solidFill>
-              </a:rPr>
-              <a:t>accidental problems</a:t>
-            </a:r>
+            <a:endParaRPr lang="de-CH"/>
           </a:p>
         </p:txBody>
       </p:sp>
